--- a/022_91893+_+91897+Documentation.pptx
+++ b/022_91893+_+91897+Documentation.pptx
@@ -2,19 +2,21 @@
 <file path=ppt/presentation.xml><?xml version="1.0" encoding="utf-8"?>
 <p:presentation xmlns:a="http://schemas.openxmlformats.org/drawingml/2006/main" xmlns:r="http://schemas.openxmlformats.org/officeDocument/2006/relationships" xmlns:p="http://schemas.openxmlformats.org/presentationml/2006/main" strictFirstAndLastChars="0" saveSubsetFonts="1" autoCompressPictures="0">
   <p:sldMasterIdLst>
-    <p:sldMasterId id="2147483659" r:id="rId1"/>
+    <p:sldMasterId id="2147483659" r:id="rId4"/>
   </p:sldMasterIdLst>
   <p:notesMasterIdLst>
-    <p:notesMasterId r:id="rId9"/>
+    <p:notesMasterId r:id="rId14"/>
   </p:notesMasterIdLst>
   <p:sldIdLst>
-    <p:sldId id="256" r:id="rId2"/>
-    <p:sldId id="257" r:id="rId3"/>
-    <p:sldId id="258" r:id="rId4"/>
-    <p:sldId id="259" r:id="rId5"/>
-    <p:sldId id="260" r:id="rId6"/>
-    <p:sldId id="261" r:id="rId7"/>
-    <p:sldId id="262" r:id="rId8"/>
+    <p:sldId id="256" r:id="rId5"/>
+    <p:sldId id="257" r:id="rId6"/>
+    <p:sldId id="258" r:id="rId7"/>
+    <p:sldId id="259" r:id="rId8"/>
+    <p:sldId id="260" r:id="rId9"/>
+    <p:sldId id="263" r:id="rId10"/>
+    <p:sldId id="264" r:id="rId11"/>
+    <p:sldId id="261" r:id="rId12"/>
+    <p:sldId id="262" r:id="rId13"/>
   </p:sldIdLst>
   <p:sldSz cx="9144000" cy="5143500" type="screen16x9"/>
   <p:notesSz cx="6858000" cy="9144000"/>
@@ -269,7 +271,7 @@
 <file path=ppt/revisionInfo.xml><?xml version="1.0" encoding="utf-8"?>
 <p1510:revInfo xmlns:a="http://schemas.openxmlformats.org/drawingml/2006/main" xmlns:r="http://schemas.openxmlformats.org/officeDocument/2006/relationships" xmlns:p1510="http://schemas.microsoft.com/office/powerpoint/2015/10/main">
   <p1510:revLst>
-    <p1510:client id="{4F71BE14-C53D-0861-4E1D-406D0C4E55B4}" v="10" dt="2022-02-05T23:55:44.511"/>
+    <p1510:client id="{9D2E540F-FEFC-4972-B06E-23F37B75A0FA}" v="6" dt="2022-02-14T22:45:09.888"/>
   </p1510:revLst>
 </p1510:revInfo>
 </file>
@@ -277,39 +279,24 @@
 <file path=ppt/changesInfos/changesInfo1.xml><?xml version="1.0" encoding="utf-8"?>
 <pc:chgInfo xmlns:a="http://schemas.openxmlformats.org/drawingml/2006/main" xmlns:r="http://schemas.openxmlformats.org/officeDocument/2006/relationships" xmlns:ac="http://schemas.microsoft.com/office/drawing/2013/main/command" xmlns:pc="http://schemas.microsoft.com/office/powerpoint/2013/main/command">
   <pc:docChgLst>
-    <pc:chgData name="Mark Glasse" userId="S::m.glasse@sanctamaria.school.nz::4001b6f1-9796-4fe4-a857-9145db2b6168" providerId="AD" clId="Web-{4F71BE14-C53D-0861-4E1D-406D0C4E55B4}"/>
+    <pc:chgData name="Levi Nelson" userId="4a4d733fabe62fef" providerId="LiveId" clId="{7E3B363C-2599-4E4E-9D1F-25D66E202843}"/>
     <pc:docChg chg="modSld">
-      <pc:chgData name="Mark Glasse" userId="S::m.glasse@sanctamaria.school.nz::4001b6f1-9796-4fe4-a857-9145db2b6168" providerId="AD" clId="Web-{4F71BE14-C53D-0861-4E1D-406D0C4E55B4}" dt="2022-02-05T23:55:43.917" v="5" actId="20577"/>
+      <pc:chgData name="Levi Nelson" userId="4a4d733fabe62fef" providerId="LiveId" clId="{7E3B363C-2599-4E4E-9D1F-25D66E202843}" dt="2022-02-14T22:50:27.827" v="0" actId="120"/>
       <pc:docMkLst>
         <pc:docMk/>
       </pc:docMkLst>
-      <pc:sldChg chg="modSp">
-        <pc:chgData name="Mark Glasse" userId="S::m.glasse@sanctamaria.school.nz::4001b6f1-9796-4fe4-a857-9145db2b6168" providerId="AD" clId="Web-{4F71BE14-C53D-0861-4E1D-406D0C4E55B4}" dt="2022-02-05T23:55:43.917" v="5" actId="20577"/>
+      <pc:sldChg chg="modSp mod">
+        <pc:chgData name="Levi Nelson" userId="4a4d733fabe62fef" providerId="LiveId" clId="{7E3B363C-2599-4E4E-9D1F-25D66E202843}" dt="2022-02-14T22:50:27.827" v="0" actId="120"/>
         <pc:sldMkLst>
           <pc:docMk/>
           <pc:sldMk cId="0" sldId="256"/>
         </pc:sldMkLst>
         <pc:spChg chg="mod">
-          <ac:chgData name="Mark Glasse" userId="S::m.glasse@sanctamaria.school.nz::4001b6f1-9796-4fe4-a857-9145db2b6168" providerId="AD" clId="Web-{4F71BE14-C53D-0861-4E1D-406D0C4E55B4}" dt="2022-02-05T23:55:43.917" v="5" actId="20577"/>
+          <ac:chgData name="Levi Nelson" userId="4a4d733fabe62fef" providerId="LiveId" clId="{7E3B363C-2599-4E4E-9D1F-25D66E202843}" dt="2022-02-14T22:50:27.827" v="0" actId="120"/>
           <ac:spMkLst>
             <pc:docMk/>
             <pc:sldMk cId="0" sldId="256"/>
             <ac:spMk id="55" creationId="{00000000-0000-0000-0000-000000000000}"/>
-          </ac:spMkLst>
-        </pc:spChg>
-      </pc:sldChg>
-      <pc:sldChg chg="modSp">
-        <pc:chgData name="Mark Glasse" userId="S::m.glasse@sanctamaria.school.nz::4001b6f1-9796-4fe4-a857-9145db2b6168" providerId="AD" clId="Web-{4F71BE14-C53D-0861-4E1D-406D0C4E55B4}" dt="2022-02-05T23:55:43.417" v="3" actId="20577"/>
-        <pc:sldMkLst>
-          <pc:docMk/>
-          <pc:sldMk cId="0" sldId="257"/>
-        </pc:sldMkLst>
-        <pc:spChg chg="mod">
-          <ac:chgData name="Mark Glasse" userId="S::m.glasse@sanctamaria.school.nz::4001b6f1-9796-4fe4-a857-9145db2b6168" providerId="AD" clId="Web-{4F71BE14-C53D-0861-4E1D-406D0C4E55B4}" dt="2022-02-05T23:55:43.417" v="3" actId="20577"/>
-          <ac:spMkLst>
-            <pc:docMk/>
-            <pc:sldMk cId="0" sldId="257"/>
-            <ac:spMk id="62" creationId="{00000000-0000-0000-0000-000000000000}"/>
           </ac:spMkLst>
         </pc:spChg>
       </pc:sldChg>
@@ -1309,6 +1296,224 @@
   <p:cSld>
     <p:spTree>
       <p:nvGrpSpPr>
+        <p:cNvPr id="1" name="Shape 69"/>
+        <p:cNvGrpSpPr/>
+        <p:nvPr/>
+      </p:nvGrpSpPr>
+      <p:grpSpPr>
+        <a:xfrm>
+          <a:off x="0" y="0"/>
+          <a:ext cx="0" cy="0"/>
+          <a:chOff x="0" y="0"/>
+          <a:chExt cx="0" cy="0"/>
+        </a:xfrm>
+      </p:grpSpPr>
+      <p:sp>
+        <p:nvSpPr>
+          <p:cNvPr id="70" name="Google Shape;70;gac10fef634_0_16:notes"/>
+          <p:cNvSpPr>
+            <a:spLocks noGrp="1" noRot="1" noChangeAspect="1"/>
+          </p:cNvSpPr>
+          <p:nvPr>
+            <p:ph type="sldImg" idx="2"/>
+          </p:nvPr>
+        </p:nvSpPr>
+        <p:spPr>
+          <a:xfrm>
+            <a:off x="381000" y="685800"/>
+            <a:ext cx="6096000" cy="3429000"/>
+          </a:xfrm>
+          <a:custGeom>
+            <a:avLst/>
+            <a:gdLst/>
+            <a:ahLst/>
+            <a:cxnLst/>
+            <a:rect l="l" t="t" r="r" b="b"/>
+            <a:pathLst>
+              <a:path w="120000" h="120000" extrusionOk="0">
+                <a:moveTo>
+                  <a:pt x="0" y="0"/>
+                </a:moveTo>
+                <a:lnTo>
+                  <a:pt x="120000" y="0"/>
+                </a:lnTo>
+                <a:lnTo>
+                  <a:pt x="120000" y="120000"/>
+                </a:lnTo>
+                <a:lnTo>
+                  <a:pt x="0" y="120000"/>
+                </a:lnTo>
+                <a:close/>
+              </a:path>
+            </a:pathLst>
+          </a:custGeom>
+        </p:spPr>
+      </p:sp>
+      <p:sp>
+        <p:nvSpPr>
+          <p:cNvPr id="71" name="Google Shape;71;gac10fef634_0_16:notes"/>
+          <p:cNvSpPr txBox="1">
+            <a:spLocks noGrp="1"/>
+          </p:cNvSpPr>
+          <p:nvPr>
+            <p:ph type="body" idx="1"/>
+          </p:nvPr>
+        </p:nvSpPr>
+        <p:spPr>
+          <a:xfrm>
+            <a:off x="685800" y="4343400"/>
+            <a:ext cx="5486400" cy="4114800"/>
+          </a:xfrm>
+          <a:prstGeom prst="rect">
+            <a:avLst/>
+          </a:prstGeom>
+        </p:spPr>
+        <p:txBody>
+          <a:bodyPr spcFirstLastPara="1" wrap="square" lIns="91425" tIns="91425" rIns="91425" bIns="91425" anchor="t" anchorCtr="0">
+            <a:noAutofit/>
+          </a:bodyPr>
+          <a:lstStyle/>
+          <a:p>
+            <a:pPr marL="0" lvl="0" indent="0" algn="l" rtl="0">
+              <a:spcBef>
+                <a:spcPts val="0"/>
+              </a:spcBef>
+              <a:spcAft>
+                <a:spcPts val="0"/>
+              </a:spcAft>
+              <a:buNone/>
+            </a:pPr>
+            <a:endParaRPr/>
+          </a:p>
+        </p:txBody>
+      </p:sp>
+    </p:spTree>
+    <p:extLst>
+      <p:ext uri="{BB962C8B-B14F-4D97-AF65-F5344CB8AC3E}">
+        <p14:creationId xmlns:p14="http://schemas.microsoft.com/office/powerpoint/2010/main" val="30082425"/>
+      </p:ext>
+    </p:extLst>
+  </p:cSld>
+  <p:clrMapOvr>
+    <a:masterClrMapping/>
+  </p:clrMapOvr>
+</p:notes>
+</file>
+
+<file path=ppt/notesSlides/notesSlide7.xml><?xml version="1.0" encoding="utf-8"?>
+<p:notes xmlns:a="http://schemas.openxmlformats.org/drawingml/2006/main" xmlns:r="http://schemas.openxmlformats.org/officeDocument/2006/relationships" xmlns:p="http://schemas.openxmlformats.org/presentationml/2006/main" showMasterSp="0" showMasterPhAnim="0">
+  <p:cSld>
+    <p:spTree>
+      <p:nvGrpSpPr>
+        <p:cNvPr id="1" name="Shape 74"/>
+        <p:cNvGrpSpPr/>
+        <p:nvPr/>
+      </p:nvGrpSpPr>
+      <p:grpSpPr>
+        <a:xfrm>
+          <a:off x="0" y="0"/>
+          <a:ext cx="0" cy="0"/>
+          <a:chOff x="0" y="0"/>
+          <a:chExt cx="0" cy="0"/>
+        </a:xfrm>
+      </p:grpSpPr>
+      <p:sp>
+        <p:nvSpPr>
+          <p:cNvPr id="75" name="Google Shape;75;gac10fef634_0_20:notes"/>
+          <p:cNvSpPr>
+            <a:spLocks noGrp="1" noRot="1" noChangeAspect="1"/>
+          </p:cNvSpPr>
+          <p:nvPr>
+            <p:ph type="sldImg" idx="2"/>
+          </p:nvPr>
+        </p:nvSpPr>
+        <p:spPr>
+          <a:xfrm>
+            <a:off x="381000" y="685800"/>
+            <a:ext cx="6096000" cy="3429000"/>
+          </a:xfrm>
+          <a:custGeom>
+            <a:avLst/>
+            <a:gdLst/>
+            <a:ahLst/>
+            <a:cxnLst/>
+            <a:rect l="l" t="t" r="r" b="b"/>
+            <a:pathLst>
+              <a:path w="120000" h="120000" extrusionOk="0">
+                <a:moveTo>
+                  <a:pt x="0" y="0"/>
+                </a:moveTo>
+                <a:lnTo>
+                  <a:pt x="120000" y="0"/>
+                </a:lnTo>
+                <a:lnTo>
+                  <a:pt x="120000" y="120000"/>
+                </a:lnTo>
+                <a:lnTo>
+                  <a:pt x="0" y="120000"/>
+                </a:lnTo>
+                <a:close/>
+              </a:path>
+            </a:pathLst>
+          </a:custGeom>
+        </p:spPr>
+      </p:sp>
+      <p:sp>
+        <p:nvSpPr>
+          <p:cNvPr id="76" name="Google Shape;76;gac10fef634_0_20:notes"/>
+          <p:cNvSpPr txBox="1">
+            <a:spLocks noGrp="1"/>
+          </p:cNvSpPr>
+          <p:nvPr>
+            <p:ph type="body" idx="1"/>
+          </p:nvPr>
+        </p:nvSpPr>
+        <p:spPr>
+          <a:xfrm>
+            <a:off x="685800" y="4343400"/>
+            <a:ext cx="5486400" cy="4114800"/>
+          </a:xfrm>
+          <a:prstGeom prst="rect">
+            <a:avLst/>
+          </a:prstGeom>
+        </p:spPr>
+        <p:txBody>
+          <a:bodyPr spcFirstLastPara="1" wrap="square" lIns="91425" tIns="91425" rIns="91425" bIns="91425" anchor="t" anchorCtr="0">
+            <a:noAutofit/>
+          </a:bodyPr>
+          <a:lstStyle/>
+          <a:p>
+            <a:pPr marL="0" lvl="0" indent="0" algn="l" rtl="0">
+              <a:spcBef>
+                <a:spcPts val="0"/>
+              </a:spcBef>
+              <a:spcAft>
+                <a:spcPts val="0"/>
+              </a:spcAft>
+              <a:buNone/>
+            </a:pPr>
+            <a:endParaRPr/>
+          </a:p>
+        </p:txBody>
+      </p:sp>
+    </p:spTree>
+    <p:extLst>
+      <p:ext uri="{BB962C8B-B14F-4D97-AF65-F5344CB8AC3E}">
+        <p14:creationId xmlns:p14="http://schemas.microsoft.com/office/powerpoint/2010/main" val="2633653212"/>
+      </p:ext>
+    </p:extLst>
+  </p:cSld>
+  <p:clrMapOvr>
+    <a:masterClrMapping/>
+  </p:clrMapOvr>
+</p:notes>
+</file>
+
+<file path=ppt/notesSlides/notesSlide8.xml><?xml version="1.0" encoding="utf-8"?>
+<p:notes xmlns:a="http://schemas.openxmlformats.org/drawingml/2006/main" xmlns:r="http://schemas.openxmlformats.org/officeDocument/2006/relationships" xmlns:p="http://schemas.openxmlformats.org/presentationml/2006/main" showMasterSp="0" showMasterPhAnim="0">
+  <p:cSld>
+    <p:spTree>
+      <p:nvGrpSpPr>
         <p:cNvPr id="1" name="Shape 80"/>
         <p:cNvGrpSpPr/>
         <p:nvPr/>
@@ -1429,7 +1634,7 @@
 </p:notes>
 </file>
 
-<file path=ppt/notesSlides/notesSlide7.xml><?xml version="1.0" encoding="utf-8"?>
+<file path=ppt/notesSlides/notesSlide9.xml><?xml version="1.0" encoding="utf-8"?>
 <p:notes xmlns:a="http://schemas.openxmlformats.org/drawingml/2006/main" xmlns:r="http://schemas.openxmlformats.org/officeDocument/2006/relationships" xmlns:p="http://schemas.openxmlformats.org/presentationml/2006/main" showMasterSp="0" showMasterPhAnim="0">
   <p:cSld>
     <p:spTree>
@@ -6382,7 +6587,7 @@
           </a:bodyPr>
           <a:lstStyle/>
           <a:p>
-            <a:pPr marL="0" lvl="0" indent="0" algn="l" rtl="0">
+            <a:pPr marL="0" lvl="0" indent="0" rtl="0">
               <a:lnSpc>
                 <a:spcPct val="100000"/>
               </a:lnSpc>
@@ -6405,56 +6610,25 @@
                   <a:srgbClr val="274E13"/>
                 </a:solidFill>
               </a:rPr>
-              <a:t>Link to </a:t>
+              <a:t>Link to github Repository:</a:t>
             </a:r>
             <a:r>
-              <a:rPr lang="en" sz="2000" b="1" dirty="0" err="1">
+              <a:rPr lang="en-US" sz="2000" b="1" dirty="0">
                 <a:solidFill>
                   <a:srgbClr val="274E13"/>
                 </a:solidFill>
+                <a:hlinkClick r:id="rId3"/>
               </a:rPr>
-              <a:t>github</a:t>
+              <a:t>https://github.com/levinelson69/pizza_bot</a:t>
             </a:r>
-            <a:r>
-              <a:rPr lang="en" sz="2000" b="1" dirty="0">
-                <a:solidFill>
-                  <a:srgbClr val="274E13"/>
-                </a:solidFill>
-              </a:rPr>
-              <a:t> Repository: </a:t>
-            </a:r>
-            <a:endParaRPr sz="2000" b="1" dirty="0">
+            <a:endParaRPr sz="2000" dirty="0">
               <a:solidFill>
                 <a:srgbClr val="274E13"/>
               </a:solidFill>
             </a:endParaRPr>
           </a:p>
           <a:p>
-            <a:pPr marL="0" lvl="0" indent="0" algn="l" rtl="0">
-              <a:lnSpc>
-                <a:spcPct val="100000"/>
-              </a:lnSpc>
-              <a:spcBef>
-                <a:spcPts val="0"/>
-              </a:spcBef>
-              <a:spcAft>
-                <a:spcPts val="0"/>
-              </a:spcAft>
-              <a:buClr>
-                <a:schemeClr val="dk1"/>
-              </a:buClr>
-              <a:buSzPts val="1100"/>
-              <a:buFont typeface="Arial"/>
-              <a:buNone/>
-            </a:pPr>
-            <a:endParaRPr sz="2000">
-              <a:solidFill>
-                <a:srgbClr val="274E13"/>
-              </a:solidFill>
-            </a:endParaRPr>
-          </a:p>
-          <a:p>
-            <a:pPr marL="0" lvl="0" indent="0" algn="l" rtl="0">
+            <a:pPr marL="0" lvl="0" indent="0" rtl="0">
               <a:lnSpc>
                 <a:spcPct val="100000"/>
               </a:lnSpc>
@@ -6477,23 +6651,16 @@
                   <a:srgbClr val="274E13"/>
                 </a:solidFill>
               </a:rPr>
-              <a:t>Links to </a:t>
+              <a:t>Links to trello board / project management tools:</a:t>
             </a:r>
             <a:r>
-              <a:rPr lang="en" sz="2000" b="1" dirty="0" err="1">
+              <a:rPr lang="en-US" sz="2000" b="1" dirty="0">
                 <a:solidFill>
                   <a:srgbClr val="274E13"/>
                 </a:solidFill>
+                <a:hlinkClick r:id="rId4"/>
               </a:rPr>
-              <a:t>trello</a:t>
-            </a:r>
-            <a:r>
-              <a:rPr lang="en" sz="2000" b="1" dirty="0">
-                <a:solidFill>
-                  <a:srgbClr val="274E13"/>
-                </a:solidFill>
-              </a:rPr>
-              <a:t> board / project management tools:</a:t>
+              <a:t>https://trello.com/b/yOTwL0jY/pizza-bot</a:t>
             </a:r>
             <a:endParaRPr sz="2000" dirty="0"/>
           </a:p>
@@ -6804,55 +6971,43 @@
               <a:buNone/>
             </a:pPr>
             <a:r>
-              <a:rPr lang="en"/>
+              <a:rPr lang="en" dirty="0"/>
               <a:t>Decomposition</a:t>
             </a:r>
-            <a:endParaRPr/>
+            <a:endParaRPr dirty="0"/>
           </a:p>
         </p:txBody>
       </p:sp>
-      <p:sp>
-        <p:nvSpPr>
-          <p:cNvPr id="68" name="Google Shape;68;p15"/>
-          <p:cNvSpPr txBox="1">
-            <a:spLocks noGrp="1"/>
-          </p:cNvSpPr>
-          <p:nvPr>
-            <p:ph type="body" idx="1"/>
-          </p:nvPr>
-        </p:nvSpPr>
+      <p:pic>
+        <p:nvPicPr>
+          <p:cNvPr id="3" name="Picture 2" descr="Graphical user interface, text, application, website&#10;&#10;Description automatically generated">
+            <a:extLst>
+              <a:ext uri="{FF2B5EF4-FFF2-40B4-BE49-F238E27FC236}">
+                <a16:creationId xmlns:a16="http://schemas.microsoft.com/office/drawing/2014/main" id="{3FE10964-F06B-4F53-97FE-510AF93DB0B0}"/>
+              </a:ext>
+            </a:extLst>
+          </p:cNvPr>
+          <p:cNvPicPr>
+            <a:picLocks noChangeAspect="1"/>
+          </p:cNvPicPr>
+          <p:nvPr/>
+        </p:nvPicPr>
+        <p:blipFill>
+          <a:blip r:embed="rId3"/>
+          <a:stretch>
+            <a:fillRect/>
+          </a:stretch>
+        </p:blipFill>
         <p:spPr>
           <a:xfrm>
-            <a:off x="311700" y="1152475"/>
-            <a:ext cx="8424300" cy="1180800"/>
+            <a:off x="2231690" y="922782"/>
+            <a:ext cx="4503846" cy="4220718"/>
           </a:xfrm>
           <a:prstGeom prst="rect">
             <a:avLst/>
           </a:prstGeom>
         </p:spPr>
-        <p:txBody>
-          <a:bodyPr spcFirstLastPara="1" wrap="square" lIns="91425" tIns="91425" rIns="91425" bIns="91425" anchor="t" anchorCtr="0">
-            <a:noAutofit/>
-          </a:bodyPr>
-          <a:lstStyle/>
-          <a:p>
-            <a:pPr marL="0" lvl="0" indent="0" algn="l" rtl="0">
-              <a:spcBef>
-                <a:spcPts val="0"/>
-              </a:spcBef>
-              <a:spcAft>
-                <a:spcPts val="1600"/>
-              </a:spcAft>
-              <a:buNone/>
-            </a:pPr>
-            <a:r>
-              <a:rPr lang="en" i="1"/>
-              <a:t>Paste screenshots of your initial Trello board / task decomposition on this slide.  If you have a long list, you might need to break it up into several columns.  Delete this instruction when you are done.</a:t>
-            </a:r>
-            <a:endParaRPr i="1"/>
-          </a:p>
-        </p:txBody>
-      </p:sp>
+      </p:pic>
     </p:spTree>
   </p:cSld>
   <p:clrMapOvr>
@@ -6928,6 +7083,36 @@
           </a:p>
         </p:txBody>
       </p:sp>
+      <p:pic>
+        <p:nvPicPr>
+          <p:cNvPr id="3" name="Picture 2">
+            <a:extLst>
+              <a:ext uri="{FF2B5EF4-FFF2-40B4-BE49-F238E27FC236}">
+                <a16:creationId xmlns:a16="http://schemas.microsoft.com/office/drawing/2014/main" id="{1239CB0B-CE29-4FDF-A521-426C7713399C}"/>
+              </a:ext>
+            </a:extLst>
+          </p:cNvPr>
+          <p:cNvPicPr>
+            <a:picLocks noChangeAspect="1"/>
+          </p:cNvPicPr>
+          <p:nvPr/>
+        </p:nvPicPr>
+        <p:blipFill>
+          <a:blip r:embed="rId3"/>
+          <a:stretch>
+            <a:fillRect/>
+          </a:stretch>
+        </p:blipFill>
+        <p:spPr>
+          <a:xfrm>
+            <a:off x="0" y="1475959"/>
+            <a:ext cx="9144000" cy="2191581"/>
+          </a:xfrm>
+          <a:prstGeom prst="rect">
+            <a:avLst/>
+          </a:prstGeom>
+        </p:spPr>
+      </p:pic>
     </p:spTree>
   </p:cSld>
   <p:clrMapOvr>
@@ -7159,6 +7344,301 @@
     </p:bg>
     <p:spTree>
       <p:nvGrpSpPr>
+        <p:cNvPr id="1" name="Shape 72"/>
+        <p:cNvGrpSpPr/>
+        <p:nvPr/>
+      </p:nvGrpSpPr>
+      <p:grpSpPr>
+        <a:xfrm>
+          <a:off x="0" y="0"/>
+          <a:ext cx="0" cy="0"/>
+          <a:chOff x="0" y="0"/>
+          <a:chExt cx="0" cy="0"/>
+        </a:xfrm>
+      </p:grpSpPr>
+      <p:sp>
+        <p:nvSpPr>
+          <p:cNvPr id="73" name="Google Shape;73;p16"/>
+          <p:cNvSpPr txBox="1">
+            <a:spLocks noGrp="1"/>
+          </p:cNvSpPr>
+          <p:nvPr>
+            <p:ph type="title"/>
+          </p:nvPr>
+        </p:nvSpPr>
+        <p:spPr>
+          <a:xfrm>
+            <a:off x="311700" y="445025"/>
+            <a:ext cx="8520600" cy="572700"/>
+          </a:xfrm>
+          <a:prstGeom prst="rect">
+            <a:avLst/>
+          </a:prstGeom>
+        </p:spPr>
+        <p:txBody>
+          <a:bodyPr spcFirstLastPara="1" wrap="square" lIns="91425" tIns="91425" rIns="91425" bIns="91425" anchor="t" anchorCtr="0">
+            <a:noAutofit/>
+          </a:bodyPr>
+          <a:lstStyle/>
+          <a:p>
+            <a:pPr marL="0" lvl="0" indent="0" algn="l" rtl="0">
+              <a:spcBef>
+                <a:spcPts val="0"/>
+              </a:spcBef>
+              <a:spcAft>
+                <a:spcPts val="0"/>
+              </a:spcAft>
+              <a:buNone/>
+            </a:pPr>
+            <a:r>
+              <a:rPr lang="en" dirty="0"/>
+              <a:t>Component 2 (Trello screenshot)</a:t>
+            </a:r>
+            <a:endParaRPr dirty="0"/>
+          </a:p>
+        </p:txBody>
+      </p:sp>
+    </p:spTree>
+    <p:extLst>
+      <p:ext uri="{BB962C8B-B14F-4D97-AF65-F5344CB8AC3E}">
+        <p14:creationId xmlns:p14="http://schemas.microsoft.com/office/powerpoint/2010/main" val="2412121420"/>
+      </p:ext>
+    </p:extLst>
+  </p:cSld>
+  <p:clrMapOvr>
+    <a:masterClrMapping/>
+  </p:clrMapOvr>
+</p:sld>
+</file>
+
+<file path=ppt/slides/slide7.xml><?xml version="1.0" encoding="utf-8"?>
+<p:sld xmlns:a="http://schemas.openxmlformats.org/drawingml/2006/main" xmlns:r="http://schemas.openxmlformats.org/officeDocument/2006/relationships" xmlns:p="http://schemas.openxmlformats.org/presentationml/2006/main">
+  <p:cSld>
+    <p:spTree>
+      <p:nvGrpSpPr>
+        <p:cNvPr id="1" name="Shape 77"/>
+        <p:cNvGrpSpPr/>
+        <p:nvPr/>
+      </p:nvGrpSpPr>
+      <p:grpSpPr>
+        <a:xfrm>
+          <a:off x="0" y="0"/>
+          <a:ext cx="0" cy="0"/>
+          <a:chOff x="0" y="0"/>
+          <a:chExt cx="0" cy="0"/>
+        </a:xfrm>
+      </p:grpSpPr>
+      <p:sp>
+        <p:nvSpPr>
+          <p:cNvPr id="78" name="Google Shape;78;p17"/>
+          <p:cNvSpPr txBox="1">
+            <a:spLocks noGrp="1"/>
+          </p:cNvSpPr>
+          <p:nvPr>
+            <p:ph type="title"/>
+          </p:nvPr>
+        </p:nvSpPr>
+        <p:spPr>
+          <a:xfrm>
+            <a:off x="311700" y="445025"/>
+            <a:ext cx="8520600" cy="572700"/>
+          </a:xfrm>
+          <a:prstGeom prst="rect">
+            <a:avLst/>
+          </a:prstGeom>
+        </p:spPr>
+        <p:txBody>
+          <a:bodyPr spcFirstLastPara="1" wrap="square" lIns="91425" tIns="91425" rIns="91425" bIns="91425" anchor="t" anchorCtr="0">
+            <a:noAutofit/>
+          </a:bodyPr>
+          <a:lstStyle/>
+          <a:p>
+            <a:pPr marL="0" lvl="0" indent="0" algn="l" rtl="0">
+              <a:spcBef>
+                <a:spcPts val="0"/>
+              </a:spcBef>
+              <a:spcAft>
+                <a:spcPts val="0"/>
+              </a:spcAft>
+              <a:buNone/>
+            </a:pPr>
+            <a:r>
+              <a:rPr lang="en" dirty="0"/>
+              <a:t>Component 2 - Test Plan (?and screenshot)</a:t>
+            </a:r>
+            <a:endParaRPr dirty="0"/>
+          </a:p>
+        </p:txBody>
+      </p:sp>
+      <p:graphicFrame>
+        <p:nvGraphicFramePr>
+          <p:cNvPr id="79" name="Google Shape;79;p17"/>
+          <p:cNvGraphicFramePr/>
+          <p:nvPr/>
+        </p:nvGraphicFramePr>
+        <p:xfrm>
+          <a:off x="382475" y="1267725"/>
+          <a:ext cx="8520600" cy="914340"/>
+        </p:xfrm>
+        <a:graphic>
+          <a:graphicData uri="http://schemas.openxmlformats.org/drawingml/2006/table">
+            <a:tbl>
+              <a:tblPr>
+                <a:noFill/>
+                <a:tableStyleId>{E1099E06-0E6B-448D-9D27-60429F06E6F4}</a:tableStyleId>
+              </a:tblPr>
+              <a:tblGrid>
+                <a:gridCol w="4260300">
+                  <a:extLst>
+                    <a:ext uri="{9D8B030D-6E8A-4147-A177-3AD203B41FA5}">
+                      <a16:colId xmlns:a16="http://schemas.microsoft.com/office/drawing/2014/main" val="20000"/>
+                    </a:ext>
+                  </a:extLst>
+                </a:gridCol>
+                <a:gridCol w="4260300">
+                  <a:extLst>
+                    <a:ext uri="{9D8B030D-6E8A-4147-A177-3AD203B41FA5}">
+                      <a16:colId xmlns:a16="http://schemas.microsoft.com/office/drawing/2014/main" val="20001"/>
+                    </a:ext>
+                  </a:extLst>
+                </a:gridCol>
+              </a:tblGrid>
+              <a:tr h="381000">
+                <a:tc>
+                  <a:txBody>
+                    <a:bodyPr/>
+                    <a:lstStyle/>
+                    <a:p>
+                      <a:pPr marL="0" lvl="0" indent="0" algn="l" rtl="0">
+                        <a:spcBef>
+                          <a:spcPts val="0"/>
+                        </a:spcBef>
+                        <a:spcAft>
+                          <a:spcPts val="0"/>
+                        </a:spcAft>
+                        <a:buNone/>
+                      </a:pPr>
+                      <a:r>
+                        <a:rPr lang="en" sz="1800" b="1"/>
+                        <a:t>Test Case</a:t>
+                      </a:r>
+                      <a:endParaRPr sz="1800" b="1"/>
+                    </a:p>
+                  </a:txBody>
+                  <a:tcPr marL="91425" marR="91425" marT="91425" marB="91425">
+                    <a:solidFill>
+                      <a:srgbClr val="CCCCCC"/>
+                    </a:solidFill>
+                  </a:tcPr>
+                </a:tc>
+                <a:tc>
+                  <a:txBody>
+                    <a:bodyPr/>
+                    <a:lstStyle/>
+                    <a:p>
+                      <a:pPr marL="0" lvl="0" indent="0" algn="l" rtl="0">
+                        <a:spcBef>
+                          <a:spcPts val="0"/>
+                        </a:spcBef>
+                        <a:spcAft>
+                          <a:spcPts val="0"/>
+                        </a:spcAft>
+                        <a:buNone/>
+                      </a:pPr>
+                      <a:r>
+                        <a:rPr lang="en" sz="1800" b="1"/>
+                        <a:t>Expected Values</a:t>
+                      </a:r>
+                      <a:endParaRPr sz="1800" b="1"/>
+                    </a:p>
+                  </a:txBody>
+                  <a:tcPr marL="91425" marR="91425" marT="91425" marB="91425">
+                    <a:solidFill>
+                      <a:srgbClr val="CCCCCC"/>
+                    </a:solidFill>
+                  </a:tcPr>
+                </a:tc>
+                <a:extLst>
+                  <a:ext uri="{0D108BD9-81ED-4DB2-BD59-A6C34878D82A}">
+                    <a16:rowId xmlns:a16="http://schemas.microsoft.com/office/drawing/2014/main" val="10000"/>
+                  </a:ext>
+                </a:extLst>
+              </a:tr>
+              <a:tr h="396200">
+                <a:tc>
+                  <a:txBody>
+                    <a:bodyPr/>
+                    <a:lstStyle/>
+                    <a:p>
+                      <a:pPr marL="0" lvl="0" indent="0" algn="l" rtl="0">
+                        <a:spcBef>
+                          <a:spcPts val="0"/>
+                        </a:spcBef>
+                        <a:spcAft>
+                          <a:spcPts val="0"/>
+                        </a:spcAft>
+                        <a:buNone/>
+                      </a:pPr>
+                      <a:endParaRPr sz="1800"/>
+                    </a:p>
+                  </a:txBody>
+                  <a:tcPr marL="91425" marR="91425" marT="91425" marB="91425"/>
+                </a:tc>
+                <a:tc>
+                  <a:txBody>
+                    <a:bodyPr/>
+                    <a:lstStyle/>
+                    <a:p>
+                      <a:pPr marL="0" lvl="0" indent="0" algn="l" rtl="0">
+                        <a:spcBef>
+                          <a:spcPts val="0"/>
+                        </a:spcBef>
+                        <a:spcAft>
+                          <a:spcPts val="0"/>
+                        </a:spcAft>
+                        <a:buNone/>
+                      </a:pPr>
+                      <a:endParaRPr sz="1800"/>
+                    </a:p>
+                  </a:txBody>
+                  <a:tcPr marL="91425" marR="91425" marT="91425" marB="91425"/>
+                </a:tc>
+                <a:extLst>
+                  <a:ext uri="{0D108BD9-81ED-4DB2-BD59-A6C34878D82A}">
+                    <a16:rowId xmlns:a16="http://schemas.microsoft.com/office/drawing/2014/main" val="10001"/>
+                  </a:ext>
+                </a:extLst>
+              </a:tr>
+            </a:tbl>
+          </a:graphicData>
+        </a:graphic>
+      </p:graphicFrame>
+    </p:spTree>
+    <p:extLst>
+      <p:ext uri="{BB962C8B-B14F-4D97-AF65-F5344CB8AC3E}">
+        <p14:creationId xmlns:p14="http://schemas.microsoft.com/office/powerpoint/2010/main" val="676409526"/>
+      </p:ext>
+    </p:extLst>
+  </p:cSld>
+  <p:clrMapOvr>
+    <a:masterClrMapping/>
+  </p:clrMapOvr>
+</p:sld>
+</file>
+
+<file path=ppt/slides/slide8.xml><?xml version="1.0" encoding="utf-8"?>
+<p:sld xmlns:a="http://schemas.openxmlformats.org/drawingml/2006/main" xmlns:r="http://schemas.openxmlformats.org/officeDocument/2006/relationships" xmlns:p="http://schemas.openxmlformats.org/presentationml/2006/main">
+  <p:cSld>
+    <p:bg>
+      <p:bgPr>
+        <a:solidFill>
+          <a:srgbClr val="D9EAD3"/>
+        </a:solidFill>
+        <a:effectLst/>
+      </p:bgPr>
+    </p:bg>
+    <p:spTree>
+      <p:nvGrpSpPr>
         <p:cNvPr id="1" name="Shape 83"/>
         <p:cNvGrpSpPr/>
         <p:nvPr/>
@@ -7263,7 +7743,7 @@
 </p:sld>
 </file>
 
-<file path=ppt/slides/slide7.xml><?xml version="1.0" encoding="utf-8"?>
+<file path=ppt/slides/slide9.xml><?xml version="1.0" encoding="utf-8"?>
 <p:sld xmlns:a="http://schemas.openxmlformats.org/drawingml/2006/main" xmlns:r="http://schemas.openxmlformats.org/officeDocument/2006/relationships" xmlns:p="http://schemas.openxmlformats.org/presentationml/2006/main">
   <p:cSld>
     <p:bg>
@@ -7902,4 +8382,248 @@
   <a:objectDefaults/>
   <a:extraClrSchemeLst/>
 </a:theme>
+</file>
+
+<file path=customXml/item1.xml><?xml version="1.0" encoding="utf-8"?>
+<?mso-contentType ?>
+<FormTemplates xmlns="http://schemas.microsoft.com/sharepoint/v3/contenttype/forms">
+  <Display>DocumentLibraryForm</Display>
+  <Edit>DocumentLibraryForm</Edit>
+  <New>DocumentLibraryForm</New>
+</FormTemplates>
+</file>
+
+<file path=customXml/item2.xml><?xml version="1.0" encoding="utf-8"?>
+<p:properties xmlns:p="http://schemas.microsoft.com/office/2006/metadata/properties" xmlns:xsi="http://www.w3.org/2001/XMLSchema-instance" xmlns:pc="http://schemas.microsoft.com/office/infopath/2007/PartnerControls">
+  <documentManagement/>
+</p:properties>
+</file>
+
+<file path=customXml/item3.xml><?xml version="1.0" encoding="utf-8"?>
+<ct:contentTypeSchema xmlns:ct="http://schemas.microsoft.com/office/2006/metadata/contentType" xmlns:ma="http://schemas.microsoft.com/office/2006/metadata/properties/metaAttributes" ct:_="" ma:_="" ma:contentTypeName="Document" ma:contentTypeID="0x0101009E551D43E3947241B79258E92186D0A8" ma:contentTypeVersion="7" ma:contentTypeDescription="Create a new document." ma:contentTypeScope="" ma:versionID="ea0205e970d7416531abcae81c56c6ba">
+  <xsd:schema xmlns:xsd="http://www.w3.org/2001/XMLSchema" xmlns:xs="http://www.w3.org/2001/XMLSchema" xmlns:p="http://schemas.microsoft.com/office/2006/metadata/properties" xmlns:ns3="42d4439d-bb2d-40df-8d30-57a312ac786f" xmlns:ns4="e2a16044-3a4a-4d62-881d-ad57bc201a66" targetNamespace="http://schemas.microsoft.com/office/2006/metadata/properties" ma:root="true" ma:fieldsID="fc5bd419bc96ed7423dd0768dc0626b4" ns3:_="" ns4:_="">
+    <xsd:import namespace="42d4439d-bb2d-40df-8d30-57a312ac786f"/>
+    <xsd:import namespace="e2a16044-3a4a-4d62-881d-ad57bc201a66"/>
+    <xsd:element name="properties">
+      <xsd:complexType>
+        <xsd:sequence>
+          <xsd:element name="documentManagement">
+            <xsd:complexType>
+              <xsd:all>
+                <xsd:element ref="ns3:SharedWithUsers" minOccurs="0"/>
+                <xsd:element ref="ns3:SharedWithDetails" minOccurs="0"/>
+                <xsd:element ref="ns3:SharingHintHash" minOccurs="0"/>
+                <xsd:element ref="ns4:MediaServiceMetadata" minOccurs="0"/>
+                <xsd:element ref="ns4:MediaServiceFastMetadata" minOccurs="0"/>
+                <xsd:element ref="ns4:MediaServiceAutoKeyPoints" minOccurs="0"/>
+                <xsd:element ref="ns4:MediaServiceKeyPoints" minOccurs="0"/>
+              </xsd:all>
+            </xsd:complexType>
+          </xsd:element>
+        </xsd:sequence>
+      </xsd:complexType>
+    </xsd:element>
+  </xsd:schema>
+  <xsd:schema xmlns:xsd="http://www.w3.org/2001/XMLSchema" xmlns:xs="http://www.w3.org/2001/XMLSchema" xmlns:dms="http://schemas.microsoft.com/office/2006/documentManagement/types" xmlns:pc="http://schemas.microsoft.com/office/infopath/2007/PartnerControls" targetNamespace="42d4439d-bb2d-40df-8d30-57a312ac786f" elementFormDefault="qualified">
+    <xsd:import namespace="http://schemas.microsoft.com/office/2006/documentManagement/types"/>
+    <xsd:import namespace="http://schemas.microsoft.com/office/infopath/2007/PartnerControls"/>
+    <xsd:element name="SharedWithUsers" ma:index="8" nillable="true" ma:displayName="Shared With" ma:description="" ma:internalName="SharedWithUsers" ma:readOnly="true">
+      <xsd:complexType>
+        <xsd:complexContent>
+          <xsd:extension base="dms:UserMulti">
+            <xsd:sequence>
+              <xsd:element name="UserInfo" minOccurs="0" maxOccurs="unbounded">
+                <xsd:complexType>
+                  <xsd:sequence>
+                    <xsd:element name="DisplayName" type="xsd:string" minOccurs="0"/>
+                    <xsd:element name="AccountId" type="dms:UserId" minOccurs="0" nillable="true"/>
+                    <xsd:element name="AccountType" type="xsd:string" minOccurs="0"/>
+                  </xsd:sequence>
+                </xsd:complexType>
+              </xsd:element>
+            </xsd:sequence>
+          </xsd:extension>
+        </xsd:complexContent>
+      </xsd:complexType>
+    </xsd:element>
+    <xsd:element name="SharedWithDetails" ma:index="9" nillable="true" ma:displayName="Shared With Details" ma:description="" ma:internalName="SharedWithDetails" ma:readOnly="true">
+      <xsd:simpleType>
+        <xsd:restriction base="dms:Note">
+          <xsd:maxLength value="255"/>
+        </xsd:restriction>
+      </xsd:simpleType>
+    </xsd:element>
+    <xsd:element name="SharingHintHash" ma:index="10" nillable="true" ma:displayName="Sharing Hint Hash" ma:description="" ma:hidden="true" ma:internalName="SharingHintHash" ma:readOnly="true">
+      <xsd:simpleType>
+        <xsd:restriction base="dms:Text"/>
+      </xsd:simpleType>
+    </xsd:element>
+  </xsd:schema>
+  <xsd:schema xmlns:xsd="http://www.w3.org/2001/XMLSchema" xmlns:xs="http://www.w3.org/2001/XMLSchema" xmlns:dms="http://schemas.microsoft.com/office/2006/documentManagement/types" xmlns:pc="http://schemas.microsoft.com/office/infopath/2007/PartnerControls" targetNamespace="e2a16044-3a4a-4d62-881d-ad57bc201a66" elementFormDefault="qualified">
+    <xsd:import namespace="http://schemas.microsoft.com/office/2006/documentManagement/types"/>
+    <xsd:import namespace="http://schemas.microsoft.com/office/infopath/2007/PartnerControls"/>
+    <xsd:element name="MediaServiceMetadata" ma:index="11" nillable="true" ma:displayName="MediaServiceMetadata" ma:description="" ma:hidden="true" ma:internalName="MediaServiceMetadata" ma:readOnly="true">
+      <xsd:simpleType>
+        <xsd:restriction base="dms:Note"/>
+      </xsd:simpleType>
+    </xsd:element>
+    <xsd:element name="MediaServiceFastMetadata" ma:index="12" nillable="true" ma:displayName="MediaServiceFastMetadata" ma:description="" ma:hidden="true" ma:internalName="MediaServiceFastMetadata" ma:readOnly="true">
+      <xsd:simpleType>
+        <xsd:restriction base="dms:Note"/>
+      </xsd:simpleType>
+    </xsd:element>
+    <xsd:element name="MediaServiceAutoKeyPoints" ma:index="13" nillable="true" ma:displayName="MediaServiceAutoKeyPoints" ma:hidden="true" ma:internalName="MediaServiceAutoKeyPoints" ma:readOnly="true">
+      <xsd:simpleType>
+        <xsd:restriction base="dms:Note"/>
+      </xsd:simpleType>
+    </xsd:element>
+    <xsd:element name="MediaServiceKeyPoints" ma:index="14" nillable="true" ma:displayName="KeyPoints" ma:internalName="MediaServiceKeyPoints" ma:readOnly="true">
+      <xsd:simpleType>
+        <xsd:restriction base="dms:Note">
+          <xsd:maxLength value="255"/>
+        </xsd:restriction>
+      </xsd:simpleType>
+    </xsd:element>
+  </xsd:schema>
+  <xsd:schema xmlns="http://schemas.openxmlformats.org/package/2006/metadata/core-properties" xmlns:xsd="http://www.w3.org/2001/XMLSchema" xmlns:xsi="http://www.w3.org/2001/XMLSchema-instance" xmlns:dc="http://purl.org/dc/elements/1.1/" xmlns:dcterms="http://purl.org/dc/terms/" xmlns:odoc="http://schemas.microsoft.com/internal/obd" targetNamespace="http://schemas.openxmlformats.org/package/2006/metadata/core-properties" elementFormDefault="qualified" attributeFormDefault="unqualified" blockDefault="#all">
+    <xsd:import namespace="http://purl.org/dc/elements/1.1/" schemaLocation="http://dublincore.org/schemas/xmls/qdc/2003/04/02/dc.xsd"/>
+    <xsd:import namespace="http://purl.org/dc/terms/" schemaLocation="http://dublincore.org/schemas/xmls/qdc/2003/04/02/dcterms.xsd"/>
+    <xsd:element name="coreProperties" type="CT_coreProperties"/>
+    <xsd:complexType name="CT_coreProperties">
+      <xsd:all>
+        <xsd:element ref="dc:creator" minOccurs="0" maxOccurs="1"/>
+        <xsd:element ref="dcterms:created" minOccurs="0" maxOccurs="1"/>
+        <xsd:element ref="dc:identifier" minOccurs="0" maxOccurs="1"/>
+        <xsd:element name="contentType" minOccurs="0" maxOccurs="1" type="xsd:string" ma:index="0" ma:displayName="Content Type"/>
+        <xsd:element ref="dc:title" minOccurs="0" maxOccurs="1" ma:index="4" ma:displayName="Title"/>
+        <xsd:element ref="dc:subject" minOccurs="0" maxOccurs="1"/>
+        <xsd:element ref="dc:description" minOccurs="0" maxOccurs="1"/>
+        <xsd:element name="keywords" minOccurs="0" maxOccurs="1" type="xsd:string"/>
+        <xsd:element ref="dc:language" minOccurs="0" maxOccurs="1"/>
+        <xsd:element name="category" minOccurs="0" maxOccurs="1" type="xsd:string"/>
+        <xsd:element name="version" minOccurs="0" maxOccurs="1" type="xsd:string"/>
+        <xsd:element name="revision" minOccurs="0" maxOccurs="1" type="xsd:string">
+          <xsd:annotation>
+            <xsd:documentation>
+                        This value indicates the number of saves or revisions. The application is responsible for updating this value after each revision.
+                    </xsd:documentation>
+          </xsd:annotation>
+        </xsd:element>
+        <xsd:element name="lastModifiedBy" minOccurs="0" maxOccurs="1" type="xsd:string"/>
+        <xsd:element ref="dcterms:modified" minOccurs="0" maxOccurs="1"/>
+        <xsd:element name="contentStatus" minOccurs="0" maxOccurs="1" type="xsd:string"/>
+      </xsd:all>
+    </xsd:complexType>
+  </xsd:schema>
+  <xs:schema xmlns:pc="http://schemas.microsoft.com/office/infopath/2007/PartnerControls" xmlns:xs="http://www.w3.org/2001/XMLSchema" targetNamespace="http://schemas.microsoft.com/office/infopath/2007/PartnerControls" elementFormDefault="qualified" attributeFormDefault="unqualified">
+    <xs:element name="Person">
+      <xs:complexType>
+        <xs:sequence>
+          <xs:element ref="pc:DisplayName" minOccurs="0"/>
+          <xs:element ref="pc:AccountId" minOccurs="0"/>
+          <xs:element ref="pc:AccountType" minOccurs="0"/>
+        </xs:sequence>
+      </xs:complexType>
+    </xs:element>
+    <xs:element name="DisplayName" type="xs:string"/>
+    <xs:element name="AccountId" type="xs:string"/>
+    <xs:element name="AccountType" type="xs:string"/>
+    <xs:element name="BDCAssociatedEntity">
+      <xs:complexType>
+        <xs:sequence>
+          <xs:element ref="pc:BDCEntity" minOccurs="0" maxOccurs="unbounded"/>
+        </xs:sequence>
+        <xs:attribute ref="pc:EntityNamespace"/>
+        <xs:attribute ref="pc:EntityName"/>
+        <xs:attribute ref="pc:SystemInstanceName"/>
+        <xs:attribute ref="pc:AssociationName"/>
+      </xs:complexType>
+    </xs:element>
+    <xs:attribute name="EntityNamespace" type="xs:string"/>
+    <xs:attribute name="EntityName" type="xs:string"/>
+    <xs:attribute name="SystemInstanceName" type="xs:string"/>
+    <xs:attribute name="AssociationName" type="xs:string"/>
+    <xs:element name="BDCEntity">
+      <xs:complexType>
+        <xs:sequence>
+          <xs:element ref="pc:EntityDisplayName" minOccurs="0"/>
+          <xs:element ref="pc:EntityInstanceReference" minOccurs="0"/>
+          <xs:element ref="pc:EntityId1" minOccurs="0"/>
+          <xs:element ref="pc:EntityId2" minOccurs="0"/>
+          <xs:element ref="pc:EntityId3" minOccurs="0"/>
+          <xs:element ref="pc:EntityId4" minOccurs="0"/>
+          <xs:element ref="pc:EntityId5" minOccurs="0"/>
+        </xs:sequence>
+      </xs:complexType>
+    </xs:element>
+    <xs:element name="EntityDisplayName" type="xs:string"/>
+    <xs:element name="EntityInstanceReference" type="xs:string"/>
+    <xs:element name="EntityId1" type="xs:string"/>
+    <xs:element name="EntityId2" type="xs:string"/>
+    <xs:element name="EntityId3" type="xs:string"/>
+    <xs:element name="EntityId4" type="xs:string"/>
+    <xs:element name="EntityId5" type="xs:string"/>
+    <xs:element name="Terms">
+      <xs:complexType>
+        <xs:sequence>
+          <xs:element ref="pc:TermInfo" minOccurs="0" maxOccurs="unbounded"/>
+        </xs:sequence>
+      </xs:complexType>
+    </xs:element>
+    <xs:element name="TermInfo">
+      <xs:complexType>
+        <xs:sequence>
+          <xs:element ref="pc:TermName" minOccurs="0"/>
+          <xs:element ref="pc:TermId" minOccurs="0"/>
+        </xs:sequence>
+      </xs:complexType>
+    </xs:element>
+    <xs:element name="TermName" type="xs:string"/>
+    <xs:element name="TermId" type="xs:string"/>
+  </xs:schema>
+</ct:contentTypeSchema>
+</file>
+
+<file path=customXml/itemProps1.xml><?xml version="1.0" encoding="utf-8"?>
+<ds:datastoreItem xmlns:ds="http://schemas.openxmlformats.org/officeDocument/2006/customXml" ds:itemID="{DDD369E5-45BD-4F6E-934F-A24716F69B59}">
+  <ds:schemaRefs>
+    <ds:schemaRef ds:uri="http://schemas.microsoft.com/sharepoint/v3/contenttype/forms"/>
+  </ds:schemaRefs>
+</ds:datastoreItem>
+</file>
+
+<file path=customXml/itemProps2.xml><?xml version="1.0" encoding="utf-8"?>
+<ds:datastoreItem xmlns:ds="http://schemas.openxmlformats.org/officeDocument/2006/customXml" ds:itemID="{E89CEDA1-6C0E-4489-8574-46B725E977F6}">
+  <ds:schemaRefs>
+    <ds:schemaRef ds:uri="http://schemas.microsoft.com/office/2006/documentManagement/types"/>
+    <ds:schemaRef ds:uri="http://purl.org/dc/terms/"/>
+    <ds:schemaRef ds:uri="http://schemas.microsoft.com/office/infopath/2007/PartnerControls"/>
+    <ds:schemaRef ds:uri="http://schemas.microsoft.com/office/2006/metadata/properties"/>
+    <ds:schemaRef ds:uri="http://purl.org/dc/dcmitype/"/>
+    <ds:schemaRef ds:uri="e2a16044-3a4a-4d62-881d-ad57bc201a66"/>
+    <ds:schemaRef ds:uri="http://purl.org/dc/elements/1.1/"/>
+    <ds:schemaRef ds:uri="http://schemas.openxmlformats.org/package/2006/metadata/core-properties"/>
+    <ds:schemaRef ds:uri="42d4439d-bb2d-40df-8d30-57a312ac786f"/>
+    <ds:schemaRef ds:uri="http://www.w3.org/XML/1998/namespace"/>
+  </ds:schemaRefs>
+</ds:datastoreItem>
+</file>
+
+<file path=customXml/itemProps3.xml><?xml version="1.0" encoding="utf-8"?>
+<ds:datastoreItem xmlns:ds="http://schemas.openxmlformats.org/officeDocument/2006/customXml" ds:itemID="{53065CF5-FFA2-4440-B8F5-B7EF50FC69BD}">
+  <ds:schemaRefs>
+    <ds:schemaRef ds:uri="http://schemas.microsoft.com/office/2006/metadata/contentType"/>
+    <ds:schemaRef ds:uri="http://schemas.microsoft.com/office/2006/metadata/properties/metaAttributes"/>
+    <ds:schemaRef ds:uri="http://www.w3.org/2001/XMLSchema"/>
+    <ds:schemaRef ds:uri="http://schemas.microsoft.com/office/2006/metadata/properties"/>
+    <ds:schemaRef ds:uri="42d4439d-bb2d-40df-8d30-57a312ac786f"/>
+    <ds:schemaRef ds:uri="e2a16044-3a4a-4d62-881d-ad57bc201a66"/>
+    <ds:schemaRef ds:uri="http://schemas.microsoft.com/office/2006/documentManagement/types"/>
+    <ds:schemaRef ds:uri="http://schemas.microsoft.com/office/infopath/2007/PartnerControls"/>
+    <ds:schemaRef ds:uri="http://schemas.openxmlformats.org/package/2006/metadata/core-properties"/>
+    <ds:schemaRef ds:uri="http://purl.org/dc/elements/1.1/"/>
+    <ds:schemaRef ds:uri="http://purl.org/dc/terms/"/>
+    <ds:schemaRef ds:uri="http://schemas.microsoft.com/internal/obd"/>
+  </ds:schemaRefs>
+</ds:datastoreItem>
 </file>
--- a/022_91893+_+91897+Documentation.pptx
+++ b/022_91893+_+91897+Documentation.pptx
@@ -7173,10 +7173,16 @@
               <a:buNone/>
             </a:pPr>
             <a:r>
-              <a:rPr lang="en"/>
+              <a:rPr lang="en" dirty="0"/>
               <a:t>Component 1 - Test Plan (?and screenshot)</a:t>
             </a:r>
-            <a:endParaRPr/>
+            <a:br>
+              <a:rPr lang="en" dirty="0"/>
+            </a:br>
+            <a:br>
+              <a:rPr lang="en" dirty="0"/>
+            </a:br>
+            <a:endParaRPr dirty="0"/>
           </a:p>
         </p:txBody>
       </p:sp>
@@ -7184,11 +7190,17 @@
         <p:nvGraphicFramePr>
           <p:cNvPr id="79" name="Google Shape;79;p17"/>
           <p:cNvGraphicFramePr/>
-          <p:nvPr/>
+          <p:nvPr>
+            <p:extLst>
+              <p:ext uri="{D42A27DB-BD31-4B8C-83A1-F6EECF244321}">
+                <p14:modId xmlns:p14="http://schemas.microsoft.com/office/powerpoint/2010/main" val="2605273646"/>
+              </p:ext>
+            </p:extLst>
+          </p:nvPr>
         </p:nvGraphicFramePr>
         <p:xfrm>
-          <a:off x="382475" y="1267725"/>
-          <a:ext cx="8520600" cy="914340"/>
+          <a:off x="311700" y="3374134"/>
+          <a:ext cx="8520600" cy="1465454"/>
         </p:xfrm>
         <a:graphic>
           <a:graphicData uri="http://schemas.openxmlformats.org/drawingml/2006/table">
@@ -7213,7 +7225,7 @@
                   </a:extLst>
                 </a:gridCol>
               </a:tblGrid>
-              <a:tr h="381000">
+              <a:tr h="459644">
                 <a:tc>
                   <a:txBody>
                     <a:bodyPr/>
@@ -7229,10 +7241,10 @@
                         <a:buNone/>
                       </a:pPr>
                       <a:r>
-                        <a:rPr lang="en" sz="1800" b="1"/>
+                        <a:rPr lang="en" sz="1800" b="1" dirty="0"/>
                         <a:t>Test Case</a:t>
                       </a:r>
-                      <a:endParaRPr sz="1800" b="1"/>
+                      <a:endParaRPr sz="1800" b="1" dirty="0"/>
                     </a:p>
                   </a:txBody>
                   <a:tcPr marL="91425" marR="91425" marT="91425" marB="91425">
@@ -7274,7 +7286,7 @@
                   </a:ext>
                 </a:extLst>
               </a:tr>
-              <a:tr h="396200">
+              <a:tr h="599650">
                 <a:tc>
                   <a:txBody>
                     <a:bodyPr/>
@@ -7289,7 +7301,11 @@
                         </a:spcAft>
                         <a:buNone/>
                       </a:pPr>
-                      <a:endParaRPr sz="1800"/>
+                      <a:r>
+                        <a:rPr lang="en-US" sz="1800" dirty="0"/>
+                        <a:t>Run Program</a:t>
+                      </a:r>
+                      <a:endParaRPr sz="1800" dirty="0"/>
                     </a:p>
                   </a:txBody>
                   <a:tcPr marL="91425" marR="91425" marT="91425" marB="91425"/>
@@ -7308,7 +7324,11 @@
                         </a:spcAft>
                         <a:buNone/>
                       </a:pPr>
-                      <a:endParaRPr sz="1800"/>
+                      <a:r>
+                        <a:rPr lang="en-US" sz="1800" dirty="0"/>
+                        <a:t>Print welcome message with random name from list of names – Runs correctly</a:t>
+                      </a:r>
+                      <a:endParaRPr sz="1800" dirty="0"/>
                     </a:p>
                   </a:txBody>
                   <a:tcPr marL="91425" marR="91425" marT="91425" marB="91425"/>
@@ -7323,6 +7343,66 @@
           </a:graphicData>
         </a:graphic>
       </p:graphicFrame>
+      <p:pic>
+        <p:nvPicPr>
+          <p:cNvPr id="3" name="Picture 2">
+            <a:extLst>
+              <a:ext uri="{FF2B5EF4-FFF2-40B4-BE49-F238E27FC236}">
+                <a16:creationId xmlns:a16="http://schemas.microsoft.com/office/drawing/2014/main" id="{C6A7F075-3D2C-45D6-B662-F7BF71675694}"/>
+              </a:ext>
+            </a:extLst>
+          </p:cNvPr>
+          <p:cNvPicPr>
+            <a:picLocks noChangeAspect="1"/>
+          </p:cNvPicPr>
+          <p:nvPr/>
+        </p:nvPicPr>
+        <p:blipFill>
+          <a:blip r:embed="rId3"/>
+          <a:stretch>
+            <a:fillRect/>
+          </a:stretch>
+        </p:blipFill>
+        <p:spPr>
+          <a:xfrm>
+            <a:off x="251846" y="1017725"/>
+            <a:ext cx="4206574" cy="2220386"/>
+          </a:xfrm>
+          <a:prstGeom prst="rect">
+            <a:avLst/>
+          </a:prstGeom>
+        </p:spPr>
+      </p:pic>
+      <p:pic>
+        <p:nvPicPr>
+          <p:cNvPr id="5" name="Picture 4">
+            <a:extLst>
+              <a:ext uri="{FF2B5EF4-FFF2-40B4-BE49-F238E27FC236}">
+                <a16:creationId xmlns:a16="http://schemas.microsoft.com/office/drawing/2014/main" id="{2A52B885-C258-446E-81AC-7BEFE106D32E}"/>
+              </a:ext>
+            </a:extLst>
+          </p:cNvPr>
+          <p:cNvPicPr>
+            <a:picLocks noChangeAspect="1"/>
+          </p:cNvPicPr>
+          <p:nvPr/>
+        </p:nvPicPr>
+        <p:blipFill>
+          <a:blip r:embed="rId4"/>
+          <a:stretch>
+            <a:fillRect/>
+          </a:stretch>
+        </p:blipFill>
+        <p:spPr>
+          <a:xfrm>
+            <a:off x="4572000" y="1683395"/>
+            <a:ext cx="4496031" cy="444523"/>
+          </a:xfrm>
+          <a:prstGeom prst="rect">
+            <a:avLst/>
+          </a:prstGeom>
+        </p:spPr>
+      </p:pic>
     </p:spTree>
   </p:cSld>
   <p:clrMapOvr>
@@ -8385,18 +8465,18 @@
 </file>
 
 <file path=customXml/item1.xml><?xml version="1.0" encoding="utf-8"?>
+<p:properties xmlns:p="http://schemas.microsoft.com/office/2006/metadata/properties" xmlns:xsi="http://www.w3.org/2001/XMLSchema-instance" xmlns:pc="http://schemas.microsoft.com/office/infopath/2007/PartnerControls">
+  <documentManagement/>
+</p:properties>
+</file>
+
+<file path=customXml/item2.xml><?xml version="1.0" encoding="utf-8"?>
 <?mso-contentType ?>
 <FormTemplates xmlns="http://schemas.microsoft.com/sharepoint/v3/contenttype/forms">
   <Display>DocumentLibraryForm</Display>
   <Edit>DocumentLibraryForm</Edit>
   <New>DocumentLibraryForm</New>
 </FormTemplates>
-</file>
-
-<file path=customXml/item2.xml><?xml version="1.0" encoding="utf-8"?>
-<p:properties xmlns:p="http://schemas.microsoft.com/office/2006/metadata/properties" xmlns:xsi="http://www.w3.org/2001/XMLSchema-instance" xmlns:pc="http://schemas.microsoft.com/office/infopath/2007/PartnerControls">
-  <documentManagement/>
-</p:properties>
 </file>
 
 <file path=customXml/item3.xml><?xml version="1.0" encoding="utf-8"?>
@@ -8585,14 +8665,6 @@
 </file>
 
 <file path=customXml/itemProps1.xml><?xml version="1.0" encoding="utf-8"?>
-<ds:datastoreItem xmlns:ds="http://schemas.openxmlformats.org/officeDocument/2006/customXml" ds:itemID="{DDD369E5-45BD-4F6E-934F-A24716F69B59}">
-  <ds:schemaRefs>
-    <ds:schemaRef ds:uri="http://schemas.microsoft.com/sharepoint/v3/contenttype/forms"/>
-  </ds:schemaRefs>
-</ds:datastoreItem>
-</file>
-
-<file path=customXml/itemProps2.xml><?xml version="1.0" encoding="utf-8"?>
 <ds:datastoreItem xmlns:ds="http://schemas.openxmlformats.org/officeDocument/2006/customXml" ds:itemID="{E89CEDA1-6C0E-4489-8574-46B725E977F6}">
   <ds:schemaRefs>
     <ds:schemaRef ds:uri="http://schemas.microsoft.com/office/2006/documentManagement/types"/>
@@ -8605,6 +8677,14 @@
     <ds:schemaRef ds:uri="http://schemas.openxmlformats.org/package/2006/metadata/core-properties"/>
     <ds:schemaRef ds:uri="42d4439d-bb2d-40df-8d30-57a312ac786f"/>
     <ds:schemaRef ds:uri="http://www.w3.org/XML/1998/namespace"/>
+  </ds:schemaRefs>
+</ds:datastoreItem>
+</file>
+
+<file path=customXml/itemProps2.xml><?xml version="1.0" encoding="utf-8"?>
+<ds:datastoreItem xmlns:ds="http://schemas.openxmlformats.org/officeDocument/2006/customXml" ds:itemID="{DDD369E5-45BD-4F6E-934F-A24716F69B59}">
+  <ds:schemaRefs>
+    <ds:schemaRef ds:uri="http://schemas.microsoft.com/sharepoint/v3/contenttype/forms"/>
   </ds:schemaRefs>
 </ds:datastoreItem>
 </file>

--- a/022_91893+_+91897+Documentation.pptx
+++ b/022_91893+_+91897+Documentation.pptx
@@ -5,7 +5,7 @@
     <p:sldMasterId id="2147483659" r:id="rId4"/>
   </p:sldMasterIdLst>
   <p:notesMasterIdLst>
-    <p:notesMasterId r:id="rId14"/>
+    <p:notesMasterId r:id="rId15"/>
   </p:notesMasterIdLst>
   <p:sldIdLst>
     <p:sldId id="256" r:id="rId5"/>
@@ -13,10 +13,11 @@
     <p:sldId id="258" r:id="rId7"/>
     <p:sldId id="259" r:id="rId8"/>
     <p:sldId id="260" r:id="rId9"/>
-    <p:sldId id="263" r:id="rId10"/>
-    <p:sldId id="264" r:id="rId11"/>
-    <p:sldId id="261" r:id="rId12"/>
-    <p:sldId id="262" r:id="rId13"/>
+    <p:sldId id="265" r:id="rId10"/>
+    <p:sldId id="263" r:id="rId11"/>
+    <p:sldId id="264" r:id="rId12"/>
+    <p:sldId id="261" r:id="rId13"/>
+    <p:sldId id="262" r:id="rId14"/>
   </p:sldIdLst>
   <p:sldSz cx="9144000" cy="5143500" type="screen16x9"/>
   <p:notesSz cx="6858000" cy="9144000"/>
@@ -850,6 +851,114 @@
 </p:notes>
 </file>
 
+<file path=ppt/notesSlides/notesSlide10.xml><?xml version="1.0" encoding="utf-8"?>
+<p:notes xmlns:a="http://schemas.openxmlformats.org/drawingml/2006/main" xmlns:r="http://schemas.openxmlformats.org/officeDocument/2006/relationships" xmlns:p="http://schemas.openxmlformats.org/presentationml/2006/main" showMasterSp="0" showMasterPhAnim="0">
+  <p:cSld>
+    <p:spTree>
+      <p:nvGrpSpPr>
+        <p:cNvPr id="1" name="Shape 86"/>
+        <p:cNvGrpSpPr/>
+        <p:nvPr/>
+      </p:nvGrpSpPr>
+      <p:grpSpPr>
+        <a:xfrm>
+          <a:off x="0" y="0"/>
+          <a:ext cx="0" cy="0"/>
+          <a:chOff x="0" y="0"/>
+          <a:chExt cx="0" cy="0"/>
+        </a:xfrm>
+      </p:grpSpPr>
+      <p:sp>
+        <p:nvSpPr>
+          <p:cNvPr id="87" name="Google Shape;87;gac10fef634_0_30:notes"/>
+          <p:cNvSpPr>
+            <a:spLocks noGrp="1" noRot="1" noChangeAspect="1"/>
+          </p:cNvSpPr>
+          <p:nvPr>
+            <p:ph type="sldImg" idx="2"/>
+          </p:nvPr>
+        </p:nvSpPr>
+        <p:spPr>
+          <a:xfrm>
+            <a:off x="381000" y="685800"/>
+            <a:ext cx="6096000" cy="3429000"/>
+          </a:xfrm>
+          <a:custGeom>
+            <a:avLst/>
+            <a:gdLst/>
+            <a:ahLst/>
+            <a:cxnLst/>
+            <a:rect l="l" t="t" r="r" b="b"/>
+            <a:pathLst>
+              <a:path w="120000" h="120000" extrusionOk="0">
+                <a:moveTo>
+                  <a:pt x="0" y="0"/>
+                </a:moveTo>
+                <a:lnTo>
+                  <a:pt x="120000" y="0"/>
+                </a:lnTo>
+                <a:lnTo>
+                  <a:pt x="120000" y="120000"/>
+                </a:lnTo>
+                <a:lnTo>
+                  <a:pt x="0" y="120000"/>
+                </a:lnTo>
+                <a:close/>
+              </a:path>
+            </a:pathLst>
+          </a:custGeom>
+        </p:spPr>
+      </p:sp>
+      <p:sp>
+        <p:nvSpPr>
+          <p:cNvPr id="88" name="Google Shape;88;gac10fef634_0_30:notes"/>
+          <p:cNvSpPr txBox="1">
+            <a:spLocks noGrp="1"/>
+          </p:cNvSpPr>
+          <p:nvPr>
+            <p:ph type="body" idx="1"/>
+          </p:nvPr>
+        </p:nvSpPr>
+        <p:spPr>
+          <a:xfrm>
+            <a:off x="685800" y="4343400"/>
+            <a:ext cx="5486400" cy="4114800"/>
+          </a:xfrm>
+          <a:prstGeom prst="rect">
+            <a:avLst/>
+          </a:prstGeom>
+        </p:spPr>
+        <p:txBody>
+          <a:bodyPr spcFirstLastPara="1" wrap="square" lIns="91425" tIns="91425" rIns="91425" bIns="91425" anchor="t" anchorCtr="0">
+            <a:noAutofit/>
+          </a:bodyPr>
+          <a:lstStyle/>
+          <a:p>
+            <a:pPr marL="0" lvl="0" indent="0" algn="l" rtl="0">
+              <a:spcBef>
+                <a:spcPts val="0"/>
+              </a:spcBef>
+              <a:spcAft>
+                <a:spcPts val="0"/>
+              </a:spcAft>
+              <a:buNone/>
+            </a:pPr>
+            <a:r>
+              <a:rPr lang="en"/>
+              <a:t>Discusses how the information from planning, testing and trialling of components assisted in the development of a high-quality outcome</a:t>
+            </a:r>
+            <a:endParaRPr/>
+          </a:p>
+        </p:txBody>
+      </p:sp>
+    </p:spTree>
+  </p:cSld>
+  <p:clrMapOvr>
+    <a:masterClrMapping/>
+  </p:clrMapOvr>
+</p:notes>
+</file>
+
 <file path=ppt/notesSlides/notesSlide2.xml><?xml version="1.0" encoding="utf-8"?>
 <p:notes xmlns:a="http://schemas.openxmlformats.org/drawingml/2006/main" xmlns:r="http://schemas.openxmlformats.org/officeDocument/2006/relationships" xmlns:p="http://schemas.openxmlformats.org/presentationml/2006/main" showMasterSp="0" showMasterPhAnim="0">
   <p:cSld>
@@ -1296,6 +1405,115 @@
   <p:cSld>
     <p:spTree>
       <p:nvGrpSpPr>
+        <p:cNvPr id="1" name="Shape 74"/>
+        <p:cNvGrpSpPr/>
+        <p:nvPr/>
+      </p:nvGrpSpPr>
+      <p:grpSpPr>
+        <a:xfrm>
+          <a:off x="0" y="0"/>
+          <a:ext cx="0" cy="0"/>
+          <a:chOff x="0" y="0"/>
+          <a:chExt cx="0" cy="0"/>
+        </a:xfrm>
+      </p:grpSpPr>
+      <p:sp>
+        <p:nvSpPr>
+          <p:cNvPr id="75" name="Google Shape;75;gac10fef634_0_20:notes"/>
+          <p:cNvSpPr>
+            <a:spLocks noGrp="1" noRot="1" noChangeAspect="1"/>
+          </p:cNvSpPr>
+          <p:nvPr>
+            <p:ph type="sldImg" idx="2"/>
+          </p:nvPr>
+        </p:nvSpPr>
+        <p:spPr>
+          <a:xfrm>
+            <a:off x="381000" y="685800"/>
+            <a:ext cx="6096000" cy="3429000"/>
+          </a:xfrm>
+          <a:custGeom>
+            <a:avLst/>
+            <a:gdLst/>
+            <a:ahLst/>
+            <a:cxnLst/>
+            <a:rect l="l" t="t" r="r" b="b"/>
+            <a:pathLst>
+              <a:path w="120000" h="120000" extrusionOk="0">
+                <a:moveTo>
+                  <a:pt x="0" y="0"/>
+                </a:moveTo>
+                <a:lnTo>
+                  <a:pt x="120000" y="0"/>
+                </a:lnTo>
+                <a:lnTo>
+                  <a:pt x="120000" y="120000"/>
+                </a:lnTo>
+                <a:lnTo>
+                  <a:pt x="0" y="120000"/>
+                </a:lnTo>
+                <a:close/>
+              </a:path>
+            </a:pathLst>
+          </a:custGeom>
+        </p:spPr>
+      </p:sp>
+      <p:sp>
+        <p:nvSpPr>
+          <p:cNvPr id="76" name="Google Shape;76;gac10fef634_0_20:notes"/>
+          <p:cNvSpPr txBox="1">
+            <a:spLocks noGrp="1"/>
+          </p:cNvSpPr>
+          <p:nvPr>
+            <p:ph type="body" idx="1"/>
+          </p:nvPr>
+        </p:nvSpPr>
+        <p:spPr>
+          <a:xfrm>
+            <a:off x="685800" y="4343400"/>
+            <a:ext cx="5486400" cy="4114800"/>
+          </a:xfrm>
+          <a:prstGeom prst="rect">
+            <a:avLst/>
+          </a:prstGeom>
+        </p:spPr>
+        <p:txBody>
+          <a:bodyPr spcFirstLastPara="1" wrap="square" lIns="91425" tIns="91425" rIns="91425" bIns="91425" anchor="t" anchorCtr="0">
+            <a:noAutofit/>
+          </a:bodyPr>
+          <a:lstStyle/>
+          <a:p>
+            <a:pPr marL="0" lvl="0" indent="0" algn="l" rtl="0">
+              <a:spcBef>
+                <a:spcPts val="0"/>
+              </a:spcBef>
+              <a:spcAft>
+                <a:spcPts val="0"/>
+              </a:spcAft>
+              <a:buNone/>
+            </a:pPr>
+            <a:endParaRPr/>
+          </a:p>
+        </p:txBody>
+      </p:sp>
+    </p:spTree>
+    <p:extLst>
+      <p:ext uri="{BB962C8B-B14F-4D97-AF65-F5344CB8AC3E}">
+        <p14:creationId xmlns:p14="http://schemas.microsoft.com/office/powerpoint/2010/main" val="3108362223"/>
+      </p:ext>
+    </p:extLst>
+  </p:cSld>
+  <p:clrMapOvr>
+    <a:masterClrMapping/>
+  </p:clrMapOvr>
+</p:notes>
+</file>
+
+<file path=ppt/notesSlides/notesSlide7.xml><?xml version="1.0" encoding="utf-8"?>
+<p:notes xmlns:a="http://schemas.openxmlformats.org/drawingml/2006/main" xmlns:r="http://schemas.openxmlformats.org/officeDocument/2006/relationships" xmlns:p="http://schemas.openxmlformats.org/presentationml/2006/main" showMasterSp="0" showMasterPhAnim="0">
+  <p:cSld>
+    <p:spTree>
+      <p:nvGrpSpPr>
         <p:cNvPr id="1" name="Shape 69"/>
         <p:cNvGrpSpPr/>
         <p:nvPr/>
@@ -1400,7 +1618,7 @@
 </p:notes>
 </file>
 
-<file path=ppt/notesSlides/notesSlide7.xml><?xml version="1.0" encoding="utf-8"?>
+<file path=ppt/notesSlides/notesSlide8.xml><?xml version="1.0" encoding="utf-8"?>
 <p:notes xmlns:a="http://schemas.openxmlformats.org/drawingml/2006/main" xmlns:r="http://schemas.openxmlformats.org/officeDocument/2006/relationships" xmlns:p="http://schemas.openxmlformats.org/presentationml/2006/main" showMasterSp="0" showMasterPhAnim="0">
   <p:cSld>
     <p:spTree>
@@ -1509,7 +1727,7 @@
 </p:notes>
 </file>
 
-<file path=ppt/notesSlides/notesSlide8.xml><?xml version="1.0" encoding="utf-8"?>
+<file path=ppt/notesSlides/notesSlide9.xml><?xml version="1.0" encoding="utf-8"?>
 <p:notes xmlns:a="http://schemas.openxmlformats.org/drawingml/2006/main" xmlns:r="http://schemas.openxmlformats.org/officeDocument/2006/relationships" xmlns:p="http://schemas.openxmlformats.org/presentationml/2006/main" showMasterSp="0" showMasterPhAnim="0">
   <p:cSld>
     <p:spTree>
@@ -1622,114 +1840,6 @@
               </a:spcAft>
               <a:buNone/>
             </a:pPr>
-            <a:endParaRPr/>
-          </a:p>
-        </p:txBody>
-      </p:sp>
-    </p:spTree>
-  </p:cSld>
-  <p:clrMapOvr>
-    <a:masterClrMapping/>
-  </p:clrMapOvr>
-</p:notes>
-</file>
-
-<file path=ppt/notesSlides/notesSlide9.xml><?xml version="1.0" encoding="utf-8"?>
-<p:notes xmlns:a="http://schemas.openxmlformats.org/drawingml/2006/main" xmlns:r="http://schemas.openxmlformats.org/officeDocument/2006/relationships" xmlns:p="http://schemas.openxmlformats.org/presentationml/2006/main" showMasterSp="0" showMasterPhAnim="0">
-  <p:cSld>
-    <p:spTree>
-      <p:nvGrpSpPr>
-        <p:cNvPr id="1" name="Shape 86"/>
-        <p:cNvGrpSpPr/>
-        <p:nvPr/>
-      </p:nvGrpSpPr>
-      <p:grpSpPr>
-        <a:xfrm>
-          <a:off x="0" y="0"/>
-          <a:ext cx="0" cy="0"/>
-          <a:chOff x="0" y="0"/>
-          <a:chExt cx="0" cy="0"/>
-        </a:xfrm>
-      </p:grpSpPr>
-      <p:sp>
-        <p:nvSpPr>
-          <p:cNvPr id="87" name="Google Shape;87;gac10fef634_0_30:notes"/>
-          <p:cNvSpPr>
-            <a:spLocks noGrp="1" noRot="1" noChangeAspect="1"/>
-          </p:cNvSpPr>
-          <p:nvPr>
-            <p:ph type="sldImg" idx="2"/>
-          </p:nvPr>
-        </p:nvSpPr>
-        <p:spPr>
-          <a:xfrm>
-            <a:off x="381000" y="685800"/>
-            <a:ext cx="6096000" cy="3429000"/>
-          </a:xfrm>
-          <a:custGeom>
-            <a:avLst/>
-            <a:gdLst/>
-            <a:ahLst/>
-            <a:cxnLst/>
-            <a:rect l="l" t="t" r="r" b="b"/>
-            <a:pathLst>
-              <a:path w="120000" h="120000" extrusionOk="0">
-                <a:moveTo>
-                  <a:pt x="0" y="0"/>
-                </a:moveTo>
-                <a:lnTo>
-                  <a:pt x="120000" y="0"/>
-                </a:lnTo>
-                <a:lnTo>
-                  <a:pt x="120000" y="120000"/>
-                </a:lnTo>
-                <a:lnTo>
-                  <a:pt x="0" y="120000"/>
-                </a:lnTo>
-                <a:close/>
-              </a:path>
-            </a:pathLst>
-          </a:custGeom>
-        </p:spPr>
-      </p:sp>
-      <p:sp>
-        <p:nvSpPr>
-          <p:cNvPr id="88" name="Google Shape;88;gac10fef634_0_30:notes"/>
-          <p:cNvSpPr txBox="1">
-            <a:spLocks noGrp="1"/>
-          </p:cNvSpPr>
-          <p:nvPr>
-            <p:ph type="body" idx="1"/>
-          </p:nvPr>
-        </p:nvSpPr>
-        <p:spPr>
-          <a:xfrm>
-            <a:off x="685800" y="4343400"/>
-            <a:ext cx="5486400" cy="4114800"/>
-          </a:xfrm>
-          <a:prstGeom prst="rect">
-            <a:avLst/>
-          </a:prstGeom>
-        </p:spPr>
-        <p:txBody>
-          <a:bodyPr spcFirstLastPara="1" wrap="square" lIns="91425" tIns="91425" rIns="91425" bIns="91425" anchor="t" anchorCtr="0">
-            <a:noAutofit/>
-          </a:bodyPr>
-          <a:lstStyle/>
-          <a:p>
-            <a:pPr marL="0" lvl="0" indent="0" algn="l" rtl="0">
-              <a:spcBef>
-                <a:spcPts val="0"/>
-              </a:spcBef>
-              <a:spcAft>
-                <a:spcPts val="0"/>
-              </a:spcAft>
-              <a:buNone/>
-            </a:pPr>
-            <a:r>
-              <a:rPr lang="en"/>
-              <a:t>Discusses how the information from planning, testing and trialling of components assisted in the development of a high-quality outcome</a:t>
-            </a:r>
             <a:endParaRPr/>
           </a:p>
         </p:txBody>
@@ -6749,6 +6859,85 @@
 </p:sld>
 </file>
 
+<file path=ppt/slides/slide10.xml><?xml version="1.0" encoding="utf-8"?>
+<p:sld xmlns:a="http://schemas.openxmlformats.org/drawingml/2006/main" xmlns:r="http://schemas.openxmlformats.org/officeDocument/2006/relationships" xmlns:p="http://schemas.openxmlformats.org/presentationml/2006/main">
+  <p:cSld>
+    <p:bg>
+      <p:bgPr>
+        <a:solidFill>
+          <a:srgbClr val="FFE599"/>
+        </a:solidFill>
+        <a:effectLst/>
+      </p:bgPr>
+    </p:bg>
+    <p:spTree>
+      <p:nvGrpSpPr>
+        <p:cNvPr id="1" name="Shape 89"/>
+        <p:cNvGrpSpPr/>
+        <p:nvPr/>
+      </p:nvGrpSpPr>
+      <p:grpSpPr>
+        <a:xfrm>
+          <a:off x="0" y="0"/>
+          <a:ext cx="0" cy="0"/>
+          <a:chOff x="0" y="0"/>
+          <a:chExt cx="0" cy="0"/>
+        </a:xfrm>
+      </p:grpSpPr>
+      <p:sp>
+        <p:nvSpPr>
+          <p:cNvPr id="90" name="Google Shape;90;p19"/>
+          <p:cNvSpPr txBox="1">
+            <a:spLocks noGrp="1"/>
+          </p:cNvSpPr>
+          <p:nvPr>
+            <p:ph type="body" idx="1"/>
+          </p:nvPr>
+        </p:nvSpPr>
+        <p:spPr>
+          <a:xfrm>
+            <a:off x="311700" y="397700"/>
+            <a:ext cx="8520600" cy="4171200"/>
+          </a:xfrm>
+          <a:prstGeom prst="rect">
+            <a:avLst/>
+          </a:prstGeom>
+        </p:spPr>
+        <p:txBody>
+          <a:bodyPr spcFirstLastPara="1" wrap="square" lIns="91425" tIns="91425" rIns="91425" bIns="91425" anchor="t" anchorCtr="0">
+            <a:noAutofit/>
+          </a:bodyPr>
+          <a:lstStyle/>
+          <a:p>
+            <a:pPr marL="0" lvl="0" indent="0" algn="l" rtl="0">
+              <a:spcBef>
+                <a:spcPts val="0"/>
+              </a:spcBef>
+              <a:spcAft>
+                <a:spcPts val="1600"/>
+              </a:spcAft>
+              <a:buNone/>
+            </a:pPr>
+            <a:r>
+              <a:rPr lang="en" b="1" i="1">
+                <a:solidFill>
+                  <a:srgbClr val="595959"/>
+                </a:solidFill>
+              </a:rPr>
+              <a:t>Discusses how the information from planning, testing and trialling of components assisted in the development of a high-quality outcome</a:t>
+            </a:r>
+            <a:endParaRPr/>
+          </a:p>
+        </p:txBody>
+      </p:sp>
+    </p:spTree>
+  </p:cSld>
+  <p:clrMapOvr>
+    <a:masterClrMapping/>
+  </p:clrMapOvr>
+</p:sld>
+</file>
+
 <file path=ppt/slides/slide2.xml><?xml version="1.0" encoding="utf-8"?>
 <p:sld xmlns:a="http://schemas.openxmlformats.org/drawingml/2006/main" xmlns:r="http://schemas.openxmlformats.org/officeDocument/2006/relationships" xmlns:p="http://schemas.openxmlformats.org/presentationml/2006/main">
   <p:cSld>
@@ -7000,8 +7189,8 @@
         </p:blipFill>
         <p:spPr>
           <a:xfrm>
-            <a:off x="2231690" y="922782"/>
-            <a:ext cx="4503846" cy="4220718"/>
+            <a:off x="2943434" y="1017725"/>
+            <a:ext cx="3848922" cy="3606965"/>
           </a:xfrm>
           <a:prstGeom prst="rect">
             <a:avLst/>
@@ -7076,10 +7265,10 @@
               <a:buNone/>
             </a:pPr>
             <a:r>
-              <a:rPr lang="en"/>
+              <a:rPr lang="en" dirty="0"/>
               <a:t>Component 1 (Trello screenshot)</a:t>
             </a:r>
-            <a:endParaRPr/>
+            <a:endParaRPr dirty="0"/>
           </a:p>
         </p:txBody>
       </p:sp>
@@ -7105,14 +7294,114 @@
         </p:blipFill>
         <p:spPr>
           <a:xfrm>
-            <a:off x="0" y="1475959"/>
-            <a:ext cx="9144000" cy="2191581"/>
+            <a:off x="1838960" y="1415000"/>
+            <a:ext cx="5892800" cy="1412352"/>
           </a:xfrm>
           <a:prstGeom prst="rect">
             <a:avLst/>
           </a:prstGeom>
         </p:spPr>
       </p:pic>
+      <p:pic>
+        <p:nvPicPr>
+          <p:cNvPr id="4" name="Picture 3">
+            <a:extLst>
+              <a:ext uri="{FF2B5EF4-FFF2-40B4-BE49-F238E27FC236}">
+                <a16:creationId xmlns:a16="http://schemas.microsoft.com/office/drawing/2014/main" id="{CB2E40FD-2C95-475C-B5AA-49E0B29F7D16}"/>
+              </a:ext>
+            </a:extLst>
+          </p:cNvPr>
+          <p:cNvPicPr>
+            <a:picLocks noChangeAspect="1"/>
+          </p:cNvPicPr>
+          <p:nvPr/>
+        </p:nvPicPr>
+        <p:blipFill>
+          <a:blip r:embed="rId4"/>
+          <a:stretch>
+            <a:fillRect/>
+          </a:stretch>
+        </p:blipFill>
+        <p:spPr>
+          <a:xfrm>
+            <a:off x="1838960" y="3155535"/>
+            <a:ext cx="5892800" cy="1714891"/>
+          </a:xfrm>
+          <a:prstGeom prst="rect">
+            <a:avLst/>
+          </a:prstGeom>
+        </p:spPr>
+      </p:pic>
+      <p:sp>
+        <p:nvSpPr>
+          <p:cNvPr id="2" name="TextBox 1">
+            <a:extLst>
+              <a:ext uri="{FF2B5EF4-FFF2-40B4-BE49-F238E27FC236}">
+                <a16:creationId xmlns:a16="http://schemas.microsoft.com/office/drawing/2014/main" id="{D2105327-F9A8-469F-AE66-6BFD8BFD00C7}"/>
+              </a:ext>
+            </a:extLst>
+          </p:cNvPr>
+          <p:cNvSpPr txBox="1"/>
+          <p:nvPr/>
+        </p:nvSpPr>
+        <p:spPr>
+          <a:xfrm>
+            <a:off x="152400" y="3992660"/>
+            <a:ext cx="1524000" cy="307777"/>
+          </a:xfrm>
+          <a:prstGeom prst="rect">
+            <a:avLst/>
+          </a:prstGeom>
+          <a:noFill/>
+        </p:spPr>
+        <p:txBody>
+          <a:bodyPr wrap="square" rtlCol="0">
+            <a:spAutoFit/>
+          </a:bodyPr>
+          <a:lstStyle/>
+          <a:p>
+            <a:r>
+              <a:rPr lang="en-US" dirty="0"/>
+              <a:t>Version 2</a:t>
+            </a:r>
+          </a:p>
+        </p:txBody>
+      </p:sp>
+      <p:sp>
+        <p:nvSpPr>
+          <p:cNvPr id="5" name="TextBox 4">
+            <a:extLst>
+              <a:ext uri="{FF2B5EF4-FFF2-40B4-BE49-F238E27FC236}">
+                <a16:creationId xmlns:a16="http://schemas.microsoft.com/office/drawing/2014/main" id="{BD1549D0-D3AF-41CF-8F52-E04FA404C928}"/>
+              </a:ext>
+            </a:extLst>
+          </p:cNvPr>
+          <p:cNvSpPr txBox="1"/>
+          <p:nvPr/>
+        </p:nvSpPr>
+        <p:spPr>
+          <a:xfrm>
+            <a:off x="152400" y="1706880"/>
+            <a:ext cx="1209040" cy="307777"/>
+          </a:xfrm>
+          <a:prstGeom prst="rect">
+            <a:avLst/>
+          </a:prstGeom>
+          <a:noFill/>
+        </p:spPr>
+        <p:txBody>
+          <a:bodyPr wrap="square" rtlCol="0">
+            <a:spAutoFit/>
+          </a:bodyPr>
+          <a:lstStyle/>
+          <a:p>
+            <a:r>
+              <a:rPr lang="en-US"/>
+              <a:t>Version 1</a:t>
+            </a:r>
+          </a:p>
+        </p:txBody>
+      </p:sp>
     </p:spTree>
   </p:cSld>
   <p:clrMapOvr>
@@ -7414,6 +7703,298 @@
 <file path=ppt/slides/slide6.xml><?xml version="1.0" encoding="utf-8"?>
 <p:sld xmlns:a="http://schemas.openxmlformats.org/drawingml/2006/main" xmlns:r="http://schemas.openxmlformats.org/officeDocument/2006/relationships" xmlns:p="http://schemas.openxmlformats.org/presentationml/2006/main">
   <p:cSld>
+    <p:spTree>
+      <p:nvGrpSpPr>
+        <p:cNvPr id="1" name="Shape 77"/>
+        <p:cNvGrpSpPr/>
+        <p:nvPr/>
+      </p:nvGrpSpPr>
+      <p:grpSpPr>
+        <a:xfrm>
+          <a:off x="0" y="0"/>
+          <a:ext cx="0" cy="0"/>
+          <a:chOff x="0" y="0"/>
+          <a:chExt cx="0" cy="0"/>
+        </a:xfrm>
+      </p:grpSpPr>
+      <p:sp>
+        <p:nvSpPr>
+          <p:cNvPr id="78" name="Google Shape;78;p17"/>
+          <p:cNvSpPr txBox="1">
+            <a:spLocks noGrp="1"/>
+          </p:cNvSpPr>
+          <p:nvPr>
+            <p:ph type="title"/>
+          </p:nvPr>
+        </p:nvSpPr>
+        <p:spPr>
+          <a:xfrm>
+            <a:off x="311700" y="445025"/>
+            <a:ext cx="8520600" cy="572700"/>
+          </a:xfrm>
+          <a:prstGeom prst="rect">
+            <a:avLst/>
+          </a:prstGeom>
+        </p:spPr>
+        <p:txBody>
+          <a:bodyPr spcFirstLastPara="1" wrap="square" lIns="91425" tIns="91425" rIns="91425" bIns="91425" anchor="t" anchorCtr="0">
+            <a:noAutofit/>
+          </a:bodyPr>
+          <a:lstStyle/>
+          <a:p>
+            <a:pPr marL="0" lvl="0" indent="0" algn="l" rtl="0">
+              <a:spcBef>
+                <a:spcPts val="0"/>
+              </a:spcBef>
+              <a:spcAft>
+                <a:spcPts val="0"/>
+              </a:spcAft>
+              <a:buNone/>
+            </a:pPr>
+            <a:r>
+              <a:rPr lang="en" dirty="0"/>
+              <a:t>Component 1 Version 2- Test Plan (and screenshot)</a:t>
+            </a:r>
+            <a:br>
+              <a:rPr lang="en" dirty="0"/>
+            </a:br>
+            <a:br>
+              <a:rPr lang="en" dirty="0"/>
+            </a:br>
+            <a:br>
+              <a:rPr lang="en" dirty="0"/>
+            </a:br>
+            <a:endParaRPr dirty="0"/>
+          </a:p>
+        </p:txBody>
+      </p:sp>
+      <p:graphicFrame>
+        <p:nvGraphicFramePr>
+          <p:cNvPr id="79" name="Google Shape;79;p17"/>
+          <p:cNvGraphicFramePr/>
+          <p:nvPr/>
+        </p:nvGraphicFramePr>
+        <p:xfrm>
+          <a:off x="311700" y="3374134"/>
+          <a:ext cx="8520600" cy="1465454"/>
+        </p:xfrm>
+        <a:graphic>
+          <a:graphicData uri="http://schemas.openxmlformats.org/drawingml/2006/table">
+            <a:tbl>
+              <a:tblPr>
+                <a:noFill/>
+                <a:tableStyleId>{E1099E06-0E6B-448D-9D27-60429F06E6F4}</a:tableStyleId>
+              </a:tblPr>
+              <a:tblGrid>
+                <a:gridCol w="4260300">
+                  <a:extLst>
+                    <a:ext uri="{9D8B030D-6E8A-4147-A177-3AD203B41FA5}">
+                      <a16:colId xmlns:a16="http://schemas.microsoft.com/office/drawing/2014/main" val="20000"/>
+                    </a:ext>
+                  </a:extLst>
+                </a:gridCol>
+                <a:gridCol w="4260300">
+                  <a:extLst>
+                    <a:ext uri="{9D8B030D-6E8A-4147-A177-3AD203B41FA5}">
+                      <a16:colId xmlns:a16="http://schemas.microsoft.com/office/drawing/2014/main" val="20001"/>
+                    </a:ext>
+                  </a:extLst>
+                </a:gridCol>
+              </a:tblGrid>
+              <a:tr h="459644">
+                <a:tc>
+                  <a:txBody>
+                    <a:bodyPr/>
+                    <a:lstStyle/>
+                    <a:p>
+                      <a:pPr marL="0" lvl="0" indent="0" algn="l" rtl="0">
+                        <a:spcBef>
+                          <a:spcPts val="0"/>
+                        </a:spcBef>
+                        <a:spcAft>
+                          <a:spcPts val="0"/>
+                        </a:spcAft>
+                        <a:buNone/>
+                      </a:pPr>
+                      <a:r>
+                        <a:rPr lang="en" sz="1800" b="1" dirty="0"/>
+                        <a:t>Test Case</a:t>
+                      </a:r>
+                      <a:endParaRPr sz="1800" b="1" dirty="0"/>
+                    </a:p>
+                  </a:txBody>
+                  <a:tcPr marL="91425" marR="91425" marT="91425" marB="91425">
+                    <a:solidFill>
+                      <a:srgbClr val="CCCCCC"/>
+                    </a:solidFill>
+                  </a:tcPr>
+                </a:tc>
+                <a:tc>
+                  <a:txBody>
+                    <a:bodyPr/>
+                    <a:lstStyle/>
+                    <a:p>
+                      <a:pPr marL="0" lvl="0" indent="0" algn="l" rtl="0">
+                        <a:spcBef>
+                          <a:spcPts val="0"/>
+                        </a:spcBef>
+                        <a:spcAft>
+                          <a:spcPts val="0"/>
+                        </a:spcAft>
+                        <a:buNone/>
+                      </a:pPr>
+                      <a:r>
+                        <a:rPr lang="en" sz="1800" b="1"/>
+                        <a:t>Expected Values</a:t>
+                      </a:r>
+                      <a:endParaRPr sz="1800" b="1"/>
+                    </a:p>
+                  </a:txBody>
+                  <a:tcPr marL="91425" marR="91425" marT="91425" marB="91425">
+                    <a:solidFill>
+                      <a:srgbClr val="CCCCCC"/>
+                    </a:solidFill>
+                  </a:tcPr>
+                </a:tc>
+                <a:extLst>
+                  <a:ext uri="{0D108BD9-81ED-4DB2-BD59-A6C34878D82A}">
+                    <a16:rowId xmlns:a16="http://schemas.microsoft.com/office/drawing/2014/main" val="10000"/>
+                  </a:ext>
+                </a:extLst>
+              </a:tr>
+              <a:tr h="599650">
+                <a:tc>
+                  <a:txBody>
+                    <a:bodyPr/>
+                    <a:lstStyle/>
+                    <a:p>
+                      <a:pPr marL="0" lvl="0" indent="0" algn="l" rtl="0">
+                        <a:spcBef>
+                          <a:spcPts val="0"/>
+                        </a:spcBef>
+                        <a:spcAft>
+                          <a:spcPts val="0"/>
+                        </a:spcAft>
+                        <a:buNone/>
+                      </a:pPr>
+                      <a:r>
+                        <a:rPr lang="en-US" sz="1800" dirty="0"/>
+                        <a:t>Run Program</a:t>
+                      </a:r>
+                      <a:endParaRPr sz="1800" dirty="0"/>
+                    </a:p>
+                  </a:txBody>
+                  <a:tcPr marL="91425" marR="91425" marT="91425" marB="91425"/>
+                </a:tc>
+                <a:tc>
+                  <a:txBody>
+                    <a:bodyPr/>
+                    <a:lstStyle/>
+                    <a:p>
+                      <a:pPr marL="0" lvl="0" indent="0" algn="l" rtl="0">
+                        <a:spcBef>
+                          <a:spcPts val="0"/>
+                        </a:spcBef>
+                        <a:spcAft>
+                          <a:spcPts val="0"/>
+                        </a:spcAft>
+                        <a:buNone/>
+                      </a:pPr>
+                      <a:r>
+                        <a:rPr lang="en-US" sz="1800" dirty="0"/>
+                        <a:t>Print welcome message with random name from list of names – Runs correctly</a:t>
+                      </a:r>
+                      <a:endParaRPr sz="1800" dirty="0"/>
+                    </a:p>
+                  </a:txBody>
+                  <a:tcPr marL="91425" marR="91425" marT="91425" marB="91425"/>
+                </a:tc>
+                <a:extLst>
+                  <a:ext uri="{0D108BD9-81ED-4DB2-BD59-A6C34878D82A}">
+                    <a16:rowId xmlns:a16="http://schemas.microsoft.com/office/drawing/2014/main" val="10001"/>
+                  </a:ext>
+                </a:extLst>
+              </a:tr>
+            </a:tbl>
+          </a:graphicData>
+        </a:graphic>
+      </p:graphicFrame>
+      <p:pic>
+        <p:nvPicPr>
+          <p:cNvPr id="4" name="Picture 3">
+            <a:extLst>
+              <a:ext uri="{FF2B5EF4-FFF2-40B4-BE49-F238E27FC236}">
+                <a16:creationId xmlns:a16="http://schemas.microsoft.com/office/drawing/2014/main" id="{B0EE7460-1B91-4091-9E4E-C39AF5AB8DB4}"/>
+              </a:ext>
+            </a:extLst>
+          </p:cNvPr>
+          <p:cNvPicPr>
+            <a:picLocks noChangeAspect="1"/>
+          </p:cNvPicPr>
+          <p:nvPr/>
+        </p:nvPicPr>
+        <p:blipFill>
+          <a:blip r:embed="rId3"/>
+          <a:stretch>
+            <a:fillRect/>
+          </a:stretch>
+        </p:blipFill>
+        <p:spPr>
+          <a:xfrm>
+            <a:off x="580820" y="961943"/>
+            <a:ext cx="3503500" cy="1413106"/>
+          </a:xfrm>
+          <a:prstGeom prst="rect">
+            <a:avLst/>
+          </a:prstGeom>
+        </p:spPr>
+      </p:pic>
+      <p:pic>
+        <p:nvPicPr>
+          <p:cNvPr id="7" name="Picture 6">
+            <a:extLst>
+              <a:ext uri="{FF2B5EF4-FFF2-40B4-BE49-F238E27FC236}">
+                <a16:creationId xmlns:a16="http://schemas.microsoft.com/office/drawing/2014/main" id="{3A4E9D70-7ACC-4C00-ADA5-730E5EF93061}"/>
+              </a:ext>
+            </a:extLst>
+          </p:cNvPr>
+          <p:cNvPicPr>
+            <a:picLocks noChangeAspect="1"/>
+          </p:cNvPicPr>
+          <p:nvPr/>
+        </p:nvPicPr>
+        <p:blipFill>
+          <a:blip r:embed="rId4"/>
+          <a:stretch>
+            <a:fillRect/>
+          </a:stretch>
+        </p:blipFill>
+        <p:spPr>
+          <a:xfrm>
+            <a:off x="580820" y="2361390"/>
+            <a:ext cx="3503500" cy="1147755"/>
+          </a:xfrm>
+          <a:prstGeom prst="rect">
+            <a:avLst/>
+          </a:prstGeom>
+        </p:spPr>
+      </p:pic>
+    </p:spTree>
+    <p:extLst>
+      <p:ext uri="{BB962C8B-B14F-4D97-AF65-F5344CB8AC3E}">
+        <p14:creationId xmlns:p14="http://schemas.microsoft.com/office/powerpoint/2010/main" val="1047814655"/>
+      </p:ext>
+    </p:extLst>
+  </p:cSld>
+  <p:clrMapOvr>
+    <a:masterClrMapping/>
+  </p:clrMapOvr>
+</p:sld>
+</file>
+
+<file path=ppt/slides/slide7.xml><?xml version="1.0" encoding="utf-8"?>
+<p:sld xmlns:a="http://schemas.openxmlformats.org/drawingml/2006/main" xmlns:r="http://schemas.openxmlformats.org/officeDocument/2006/relationships" xmlns:p="http://schemas.openxmlformats.org/presentationml/2006/main">
+  <p:cSld>
     <p:bg>
       <p:bgPr>
         <a:solidFill>
@@ -7491,7 +8072,7 @@
 </p:sld>
 </file>
 
-<file path=ppt/slides/slide7.xml><?xml version="1.0" encoding="utf-8"?>
+<file path=ppt/slides/slide8.xml><?xml version="1.0" encoding="utf-8"?>
 <p:sld xmlns:a="http://schemas.openxmlformats.org/drawingml/2006/main" xmlns:r="http://schemas.openxmlformats.org/officeDocument/2006/relationships" xmlns:p="http://schemas.openxmlformats.org/presentationml/2006/main">
   <p:cSld>
     <p:spTree>
@@ -7546,6 +8127,12 @@
               <a:rPr lang="en" dirty="0"/>
               <a:t>Component 2 - Test Plan (?and screenshot)</a:t>
             </a:r>
+            <a:br>
+              <a:rPr lang="en" dirty="0"/>
+            </a:br>
+            <a:br>
+              <a:rPr lang="en" dirty="0"/>
+            </a:br>
             <a:endParaRPr dirty="0"/>
           </a:p>
         </p:txBody>
@@ -7554,11 +8141,17 @@
         <p:nvGraphicFramePr>
           <p:cNvPr id="79" name="Google Shape;79;p17"/>
           <p:cNvGraphicFramePr/>
-          <p:nvPr/>
+          <p:nvPr>
+            <p:extLst>
+              <p:ext uri="{D42A27DB-BD31-4B8C-83A1-F6EECF244321}">
+                <p14:modId xmlns:p14="http://schemas.microsoft.com/office/powerpoint/2010/main" val="1598781337"/>
+              </p:ext>
+            </p:extLst>
+          </p:nvPr>
         </p:nvGraphicFramePr>
         <p:xfrm>
-          <a:off x="382475" y="1267725"/>
-          <a:ext cx="8520600" cy="914340"/>
+          <a:off x="311700" y="4041405"/>
+          <a:ext cx="8520600" cy="1462980"/>
         </p:xfrm>
         <a:graphic>
           <a:graphicData uri="http://schemas.openxmlformats.org/drawingml/2006/table">
@@ -7599,10 +8192,10 @@
                         <a:buNone/>
                       </a:pPr>
                       <a:r>
-                        <a:rPr lang="en" sz="1800" b="1"/>
+                        <a:rPr lang="en" sz="1800" b="1" dirty="0"/>
                         <a:t>Test Case</a:t>
                       </a:r>
-                      <a:endParaRPr sz="1800" b="1"/>
+                      <a:endParaRPr sz="1800" b="1" dirty="0"/>
                     </a:p>
                   </a:txBody>
                   <a:tcPr marL="91425" marR="91425" marT="91425" marB="91425">
@@ -7659,7 +8252,11 @@
                         </a:spcAft>
                         <a:buNone/>
                       </a:pPr>
-                      <a:endParaRPr sz="1800"/>
+                      <a:r>
+                        <a:rPr lang="en-US" sz="1800" dirty="0"/>
+                        <a:t>Run program</a:t>
+                      </a:r>
+                      <a:endParaRPr sz="1800" dirty="0"/>
                     </a:p>
                   </a:txBody>
                   <a:tcPr marL="91425" marR="91425" marT="91425" marB="91425"/>
@@ -7678,7 +8275,26 @@
                         </a:spcAft>
                         <a:buNone/>
                       </a:pPr>
-                      <a:endParaRPr sz="1800"/>
+                      <a:r>
+                        <a:rPr lang="en-US" sz="1800" dirty="0"/>
+                        <a:t>Main and welcome run correctly.</a:t>
+                      </a:r>
+                    </a:p>
+                    <a:p>
+                      <a:pPr marL="0" lvl="0" indent="0" algn="l" rtl="0">
+                        <a:spcBef>
+                          <a:spcPts val="0"/>
+                        </a:spcBef>
+                        <a:spcAft>
+                          <a:spcPts val="0"/>
+                        </a:spcAft>
+                        <a:buNone/>
+                      </a:pPr>
+                      <a:r>
+                        <a:rPr lang="en-US" sz="1800" dirty="0"/>
+                        <a:t>Welcome message prints with random name.</a:t>
+                      </a:r>
+                      <a:endParaRPr sz="1800" dirty="0"/>
                     </a:p>
                   </a:txBody>
                   <a:tcPr marL="91425" marR="91425" marT="91425" marB="91425"/>
@@ -7693,6 +8309,96 @@
           </a:graphicData>
         </a:graphic>
       </p:graphicFrame>
+      <p:pic>
+        <p:nvPicPr>
+          <p:cNvPr id="4" name="Picture 3">
+            <a:extLst>
+              <a:ext uri="{FF2B5EF4-FFF2-40B4-BE49-F238E27FC236}">
+                <a16:creationId xmlns:a16="http://schemas.microsoft.com/office/drawing/2014/main" id="{9FA3FEA3-93DC-4863-83D8-D43DE08F33E4}"/>
+              </a:ext>
+            </a:extLst>
+          </p:cNvPr>
+          <p:cNvPicPr>
+            <a:picLocks noChangeAspect="1"/>
+          </p:cNvPicPr>
+          <p:nvPr/>
+        </p:nvPicPr>
+        <p:blipFill>
+          <a:blip r:embed="rId3"/>
+          <a:stretch>
+            <a:fillRect/>
+          </a:stretch>
+        </p:blipFill>
+        <p:spPr>
+          <a:xfrm>
+            <a:off x="0" y="1017725"/>
+            <a:ext cx="3503500" cy="1413106"/>
+          </a:xfrm>
+          <a:prstGeom prst="rect">
+            <a:avLst/>
+          </a:prstGeom>
+        </p:spPr>
+      </p:pic>
+      <p:pic>
+        <p:nvPicPr>
+          <p:cNvPr id="5" name="Picture 4">
+            <a:extLst>
+              <a:ext uri="{FF2B5EF4-FFF2-40B4-BE49-F238E27FC236}">
+                <a16:creationId xmlns:a16="http://schemas.microsoft.com/office/drawing/2014/main" id="{702EA7C5-6865-4037-AD46-0422C73CE936}"/>
+              </a:ext>
+            </a:extLst>
+          </p:cNvPr>
+          <p:cNvPicPr>
+            <a:picLocks noChangeAspect="1"/>
+          </p:cNvPicPr>
+          <p:nvPr/>
+        </p:nvPicPr>
+        <p:blipFill>
+          <a:blip r:embed="rId4"/>
+          <a:stretch>
+            <a:fillRect/>
+          </a:stretch>
+        </p:blipFill>
+        <p:spPr>
+          <a:xfrm>
+            <a:off x="0" y="2430831"/>
+            <a:ext cx="3503500" cy="1147755"/>
+          </a:xfrm>
+          <a:prstGeom prst="rect">
+            <a:avLst/>
+          </a:prstGeom>
+        </p:spPr>
+      </p:pic>
+      <p:pic>
+        <p:nvPicPr>
+          <p:cNvPr id="3" name="Picture 2">
+            <a:extLst>
+              <a:ext uri="{FF2B5EF4-FFF2-40B4-BE49-F238E27FC236}">
+                <a16:creationId xmlns:a16="http://schemas.microsoft.com/office/drawing/2014/main" id="{37248A6E-BFDC-4B38-AD41-6E3AE9890C8A}"/>
+              </a:ext>
+            </a:extLst>
+          </p:cNvPr>
+          <p:cNvPicPr>
+            <a:picLocks noChangeAspect="1"/>
+          </p:cNvPicPr>
+          <p:nvPr/>
+        </p:nvPicPr>
+        <p:blipFill>
+          <a:blip r:embed="rId5"/>
+          <a:stretch>
+            <a:fillRect/>
+          </a:stretch>
+        </p:blipFill>
+        <p:spPr>
+          <a:xfrm>
+            <a:off x="3564266" y="1878353"/>
+            <a:ext cx="5207268" cy="552478"/>
+          </a:xfrm>
+          <a:prstGeom prst="rect">
+            <a:avLst/>
+          </a:prstGeom>
+        </p:spPr>
+      </p:pic>
     </p:spTree>
     <p:extLst>
       <p:ext uri="{BB962C8B-B14F-4D97-AF65-F5344CB8AC3E}">
@@ -7706,7 +8412,7 @@
 </p:sld>
 </file>
 
-<file path=ppt/slides/slide8.xml><?xml version="1.0" encoding="utf-8"?>
+<file path=ppt/slides/slide9.xml><?xml version="1.0" encoding="utf-8"?>
 <p:sld xmlns:a="http://schemas.openxmlformats.org/drawingml/2006/main" xmlns:r="http://schemas.openxmlformats.org/officeDocument/2006/relationships" xmlns:p="http://schemas.openxmlformats.org/presentationml/2006/main">
   <p:cSld>
     <p:bg>
@@ -7812,85 +8518,6 @@
               <a:t>Your version control evidence should go here.  This could be in the form of annotated screenshots which show you you managed this process or you could make a brief screencast explaining how you implemented version control.</a:t>
             </a:r>
             <a:endParaRPr i="1"/>
-          </a:p>
-        </p:txBody>
-      </p:sp>
-    </p:spTree>
-  </p:cSld>
-  <p:clrMapOvr>
-    <a:masterClrMapping/>
-  </p:clrMapOvr>
-</p:sld>
-</file>
-
-<file path=ppt/slides/slide9.xml><?xml version="1.0" encoding="utf-8"?>
-<p:sld xmlns:a="http://schemas.openxmlformats.org/drawingml/2006/main" xmlns:r="http://schemas.openxmlformats.org/officeDocument/2006/relationships" xmlns:p="http://schemas.openxmlformats.org/presentationml/2006/main">
-  <p:cSld>
-    <p:bg>
-      <p:bgPr>
-        <a:solidFill>
-          <a:srgbClr val="FFE599"/>
-        </a:solidFill>
-        <a:effectLst/>
-      </p:bgPr>
-    </p:bg>
-    <p:spTree>
-      <p:nvGrpSpPr>
-        <p:cNvPr id="1" name="Shape 89"/>
-        <p:cNvGrpSpPr/>
-        <p:nvPr/>
-      </p:nvGrpSpPr>
-      <p:grpSpPr>
-        <a:xfrm>
-          <a:off x="0" y="0"/>
-          <a:ext cx="0" cy="0"/>
-          <a:chOff x="0" y="0"/>
-          <a:chExt cx="0" cy="0"/>
-        </a:xfrm>
-      </p:grpSpPr>
-      <p:sp>
-        <p:nvSpPr>
-          <p:cNvPr id="90" name="Google Shape;90;p19"/>
-          <p:cNvSpPr txBox="1">
-            <a:spLocks noGrp="1"/>
-          </p:cNvSpPr>
-          <p:nvPr>
-            <p:ph type="body" idx="1"/>
-          </p:nvPr>
-        </p:nvSpPr>
-        <p:spPr>
-          <a:xfrm>
-            <a:off x="311700" y="397700"/>
-            <a:ext cx="8520600" cy="4171200"/>
-          </a:xfrm>
-          <a:prstGeom prst="rect">
-            <a:avLst/>
-          </a:prstGeom>
-        </p:spPr>
-        <p:txBody>
-          <a:bodyPr spcFirstLastPara="1" wrap="square" lIns="91425" tIns="91425" rIns="91425" bIns="91425" anchor="t" anchorCtr="0">
-            <a:noAutofit/>
-          </a:bodyPr>
-          <a:lstStyle/>
-          <a:p>
-            <a:pPr marL="0" lvl="0" indent="0" algn="l" rtl="0">
-              <a:spcBef>
-                <a:spcPts val="0"/>
-              </a:spcBef>
-              <a:spcAft>
-                <a:spcPts val="1600"/>
-              </a:spcAft>
-              <a:buNone/>
-            </a:pPr>
-            <a:r>
-              <a:rPr lang="en" b="1" i="1">
-                <a:solidFill>
-                  <a:srgbClr val="595959"/>
-                </a:solidFill>
-              </a:rPr>
-              <a:t>Discusses how the information from planning, testing and trialling of components assisted in the development of a high-quality outcome</a:t>
-            </a:r>
-            <a:endParaRPr/>
           </a:p>
         </p:txBody>
       </p:sp>
@@ -8465,18 +9092,18 @@
 </file>
 
 <file path=customXml/item1.xml><?xml version="1.0" encoding="utf-8"?>
-<p:properties xmlns:p="http://schemas.microsoft.com/office/2006/metadata/properties" xmlns:xsi="http://www.w3.org/2001/XMLSchema-instance" xmlns:pc="http://schemas.microsoft.com/office/infopath/2007/PartnerControls">
-  <documentManagement/>
-</p:properties>
-</file>
-
-<file path=customXml/item2.xml><?xml version="1.0" encoding="utf-8"?>
 <?mso-contentType ?>
 <FormTemplates xmlns="http://schemas.microsoft.com/sharepoint/v3/contenttype/forms">
   <Display>DocumentLibraryForm</Display>
   <Edit>DocumentLibraryForm</Edit>
   <New>DocumentLibraryForm</New>
 </FormTemplates>
+</file>
+
+<file path=customXml/item2.xml><?xml version="1.0" encoding="utf-8"?>
+<p:properties xmlns:p="http://schemas.microsoft.com/office/2006/metadata/properties" xmlns:xsi="http://www.w3.org/2001/XMLSchema-instance" xmlns:pc="http://schemas.microsoft.com/office/infopath/2007/PartnerControls">
+  <documentManagement/>
+</p:properties>
 </file>
 
 <file path=customXml/item3.xml><?xml version="1.0" encoding="utf-8"?>
@@ -8665,6 +9292,14 @@
 </file>
 
 <file path=customXml/itemProps1.xml><?xml version="1.0" encoding="utf-8"?>
+<ds:datastoreItem xmlns:ds="http://schemas.openxmlformats.org/officeDocument/2006/customXml" ds:itemID="{DDD369E5-45BD-4F6E-934F-A24716F69B59}">
+  <ds:schemaRefs>
+    <ds:schemaRef ds:uri="http://schemas.microsoft.com/sharepoint/v3/contenttype/forms"/>
+  </ds:schemaRefs>
+</ds:datastoreItem>
+</file>
+
+<file path=customXml/itemProps2.xml><?xml version="1.0" encoding="utf-8"?>
 <ds:datastoreItem xmlns:ds="http://schemas.openxmlformats.org/officeDocument/2006/customXml" ds:itemID="{E89CEDA1-6C0E-4489-8574-46B725E977F6}">
   <ds:schemaRefs>
     <ds:schemaRef ds:uri="http://schemas.microsoft.com/office/2006/documentManagement/types"/>
@@ -8677,14 +9312,6 @@
     <ds:schemaRef ds:uri="http://schemas.openxmlformats.org/package/2006/metadata/core-properties"/>
     <ds:schemaRef ds:uri="42d4439d-bb2d-40df-8d30-57a312ac786f"/>
     <ds:schemaRef ds:uri="http://www.w3.org/XML/1998/namespace"/>
-  </ds:schemaRefs>
-</ds:datastoreItem>
-</file>
-
-<file path=customXml/itemProps2.xml><?xml version="1.0" encoding="utf-8"?>
-<ds:datastoreItem xmlns:ds="http://schemas.openxmlformats.org/officeDocument/2006/customXml" ds:itemID="{DDD369E5-45BD-4F6E-934F-A24716F69B59}">
-  <ds:schemaRefs>
-    <ds:schemaRef ds:uri="http://schemas.microsoft.com/sharepoint/v3/contenttype/forms"/>
   </ds:schemaRefs>
 </ds:datastoreItem>
 </file>

--- a/022_91893+_+91897+Documentation.pptx
+++ b/022_91893+_+91897+Documentation.pptx
@@ -5,7 +5,7 @@
     <p:sldMasterId id="2147483659" r:id="rId4"/>
   </p:sldMasterIdLst>
   <p:notesMasterIdLst>
-    <p:notesMasterId r:id="rId15"/>
+    <p:notesMasterId r:id="rId17"/>
   </p:notesMasterIdLst>
   <p:sldIdLst>
     <p:sldId id="256" r:id="rId5"/>
@@ -15,9 +15,11 @@
     <p:sldId id="260" r:id="rId9"/>
     <p:sldId id="265" r:id="rId10"/>
     <p:sldId id="263" r:id="rId11"/>
-    <p:sldId id="264" r:id="rId12"/>
-    <p:sldId id="261" r:id="rId13"/>
-    <p:sldId id="262" r:id="rId14"/>
+    <p:sldId id="266" r:id="rId12"/>
+    <p:sldId id="267" r:id="rId13"/>
+    <p:sldId id="264" r:id="rId14"/>
+    <p:sldId id="261" r:id="rId15"/>
+    <p:sldId id="262" r:id="rId16"/>
   </p:sldIdLst>
   <p:sldSz cx="9144000" cy="5143500" type="screen16x9"/>
   <p:notesSz cx="6858000" cy="9144000"/>
@@ -856,6 +858,240 @@
   <p:cSld>
     <p:spTree>
       <p:nvGrpSpPr>
+        <p:cNvPr id="1" name="Shape 74"/>
+        <p:cNvGrpSpPr/>
+        <p:nvPr/>
+      </p:nvGrpSpPr>
+      <p:grpSpPr>
+        <a:xfrm>
+          <a:off x="0" y="0"/>
+          <a:ext cx="0" cy="0"/>
+          <a:chOff x="0" y="0"/>
+          <a:chExt cx="0" cy="0"/>
+        </a:xfrm>
+      </p:grpSpPr>
+      <p:sp>
+        <p:nvSpPr>
+          <p:cNvPr id="75" name="Google Shape;75;gac10fef634_0_20:notes"/>
+          <p:cNvSpPr>
+            <a:spLocks noGrp="1" noRot="1" noChangeAspect="1"/>
+          </p:cNvSpPr>
+          <p:nvPr>
+            <p:ph type="sldImg" idx="2"/>
+          </p:nvPr>
+        </p:nvSpPr>
+        <p:spPr>
+          <a:xfrm>
+            <a:off x="381000" y="685800"/>
+            <a:ext cx="6096000" cy="3429000"/>
+          </a:xfrm>
+          <a:custGeom>
+            <a:avLst/>
+            <a:gdLst/>
+            <a:ahLst/>
+            <a:cxnLst/>
+            <a:rect l="l" t="t" r="r" b="b"/>
+            <a:pathLst>
+              <a:path w="120000" h="120000" extrusionOk="0">
+                <a:moveTo>
+                  <a:pt x="0" y="0"/>
+                </a:moveTo>
+                <a:lnTo>
+                  <a:pt x="120000" y="0"/>
+                </a:lnTo>
+                <a:lnTo>
+                  <a:pt x="120000" y="120000"/>
+                </a:lnTo>
+                <a:lnTo>
+                  <a:pt x="0" y="120000"/>
+                </a:lnTo>
+                <a:close/>
+              </a:path>
+            </a:pathLst>
+          </a:custGeom>
+        </p:spPr>
+      </p:sp>
+      <p:sp>
+        <p:nvSpPr>
+          <p:cNvPr id="76" name="Google Shape;76;gac10fef634_0_20:notes"/>
+          <p:cNvSpPr txBox="1">
+            <a:spLocks noGrp="1"/>
+          </p:cNvSpPr>
+          <p:nvPr>
+            <p:ph type="body" idx="1"/>
+          </p:nvPr>
+        </p:nvSpPr>
+        <p:spPr>
+          <a:xfrm>
+            <a:off x="685800" y="4343400"/>
+            <a:ext cx="5486400" cy="4114800"/>
+          </a:xfrm>
+          <a:prstGeom prst="rect">
+            <a:avLst/>
+          </a:prstGeom>
+        </p:spPr>
+        <p:txBody>
+          <a:bodyPr spcFirstLastPara="1" wrap="square" lIns="91425" tIns="91425" rIns="91425" bIns="91425" anchor="t" anchorCtr="0">
+            <a:noAutofit/>
+          </a:bodyPr>
+          <a:lstStyle/>
+          <a:p>
+            <a:pPr marL="0" lvl="0" indent="0" algn="l" rtl="0">
+              <a:spcBef>
+                <a:spcPts val="0"/>
+              </a:spcBef>
+              <a:spcAft>
+                <a:spcPts val="0"/>
+              </a:spcAft>
+              <a:buNone/>
+            </a:pPr>
+            <a:endParaRPr/>
+          </a:p>
+        </p:txBody>
+      </p:sp>
+    </p:spTree>
+    <p:extLst>
+      <p:ext uri="{BB962C8B-B14F-4D97-AF65-F5344CB8AC3E}">
+        <p14:creationId xmlns:p14="http://schemas.microsoft.com/office/powerpoint/2010/main" val="2633653212"/>
+      </p:ext>
+    </p:extLst>
+  </p:cSld>
+  <p:clrMapOvr>
+    <a:masterClrMapping/>
+  </p:clrMapOvr>
+</p:notes>
+</file>
+
+<file path=ppt/notesSlides/notesSlide11.xml><?xml version="1.0" encoding="utf-8"?>
+<p:notes xmlns:a="http://schemas.openxmlformats.org/drawingml/2006/main" xmlns:r="http://schemas.openxmlformats.org/officeDocument/2006/relationships" xmlns:p="http://schemas.openxmlformats.org/presentationml/2006/main" showMasterSp="0" showMasterPhAnim="0">
+  <p:cSld>
+    <p:spTree>
+      <p:nvGrpSpPr>
+        <p:cNvPr id="1" name="Shape 80"/>
+        <p:cNvGrpSpPr/>
+        <p:nvPr/>
+      </p:nvGrpSpPr>
+      <p:grpSpPr>
+        <a:xfrm>
+          <a:off x="0" y="0"/>
+          <a:ext cx="0" cy="0"/>
+          <a:chOff x="0" y="0"/>
+          <a:chExt cx="0" cy="0"/>
+        </a:xfrm>
+      </p:grpSpPr>
+      <p:sp>
+        <p:nvSpPr>
+          <p:cNvPr id="81" name="Google Shape;81;gac10fef634_0_25:notes"/>
+          <p:cNvSpPr>
+            <a:spLocks noGrp="1" noRot="1" noChangeAspect="1"/>
+          </p:cNvSpPr>
+          <p:nvPr>
+            <p:ph type="sldImg" idx="2"/>
+          </p:nvPr>
+        </p:nvSpPr>
+        <p:spPr>
+          <a:xfrm>
+            <a:off x="381000" y="685800"/>
+            <a:ext cx="6096000" cy="3429000"/>
+          </a:xfrm>
+          <a:custGeom>
+            <a:avLst/>
+            <a:gdLst/>
+            <a:ahLst/>
+            <a:cxnLst/>
+            <a:rect l="l" t="t" r="r" b="b"/>
+            <a:pathLst>
+              <a:path w="120000" h="120000" extrusionOk="0">
+                <a:moveTo>
+                  <a:pt x="0" y="0"/>
+                </a:moveTo>
+                <a:lnTo>
+                  <a:pt x="120000" y="0"/>
+                </a:lnTo>
+                <a:lnTo>
+                  <a:pt x="120000" y="120000"/>
+                </a:lnTo>
+                <a:lnTo>
+                  <a:pt x="0" y="120000"/>
+                </a:lnTo>
+                <a:close/>
+              </a:path>
+            </a:pathLst>
+          </a:custGeom>
+        </p:spPr>
+      </p:sp>
+      <p:sp>
+        <p:nvSpPr>
+          <p:cNvPr id="82" name="Google Shape;82;gac10fef634_0_25:notes"/>
+          <p:cNvSpPr txBox="1">
+            <a:spLocks noGrp="1"/>
+          </p:cNvSpPr>
+          <p:nvPr>
+            <p:ph type="body" idx="1"/>
+          </p:nvPr>
+        </p:nvSpPr>
+        <p:spPr>
+          <a:xfrm>
+            <a:off x="685800" y="4343400"/>
+            <a:ext cx="5486400" cy="4114800"/>
+          </a:xfrm>
+          <a:prstGeom prst="rect">
+            <a:avLst/>
+          </a:prstGeom>
+        </p:spPr>
+        <p:txBody>
+          <a:bodyPr spcFirstLastPara="1" wrap="square" lIns="91425" tIns="91425" rIns="91425" bIns="91425" anchor="t" anchorCtr="0">
+            <a:noAutofit/>
+          </a:bodyPr>
+          <a:lstStyle/>
+          <a:p>
+            <a:pPr marL="0" lvl="0" indent="0" algn="l" rtl="0">
+              <a:spcBef>
+                <a:spcPts val="0"/>
+              </a:spcBef>
+              <a:spcAft>
+                <a:spcPts val="0"/>
+              </a:spcAft>
+              <a:buClr>
+                <a:schemeClr val="dk1"/>
+              </a:buClr>
+              <a:buSzPts val="1100"/>
+              <a:buFont typeface="Arial"/>
+              <a:buNone/>
+            </a:pPr>
+            <a:r>
+              <a:rPr lang="en"/>
+              <a:t>Your version control evidence should go here.  This could be in the form of annotated screenshots which show you you managed this process or you could make a brief screencast explaining how you implemented version control.</a:t>
+            </a:r>
+            <a:endParaRPr/>
+          </a:p>
+          <a:p>
+            <a:pPr marL="0" lvl="0" indent="0" algn="l" rtl="0">
+              <a:spcBef>
+                <a:spcPts val="0"/>
+              </a:spcBef>
+              <a:spcAft>
+                <a:spcPts val="0"/>
+              </a:spcAft>
+              <a:buNone/>
+            </a:pPr>
+            <a:endParaRPr/>
+          </a:p>
+        </p:txBody>
+      </p:sp>
+    </p:spTree>
+  </p:cSld>
+  <p:clrMapOvr>
+    <a:masterClrMapping/>
+  </p:clrMapOvr>
+</p:notes>
+</file>
+
+<file path=ppt/notesSlides/notesSlide12.xml><?xml version="1.0" encoding="utf-8"?>
+<p:notes xmlns:a="http://schemas.openxmlformats.org/drawingml/2006/main" xmlns:r="http://schemas.openxmlformats.org/officeDocument/2006/relationships" xmlns:p="http://schemas.openxmlformats.org/presentationml/2006/main" showMasterSp="0" showMasterPhAnim="0">
+  <p:cSld>
+    <p:spTree>
+      <p:nvGrpSpPr>
         <p:cNvPr id="1" name="Shape 86"/>
         <p:cNvGrpSpPr/>
         <p:nvPr/>
@@ -1717,7 +1953,7 @@
     </p:spTree>
     <p:extLst>
       <p:ext uri="{BB962C8B-B14F-4D97-AF65-F5344CB8AC3E}">
-        <p14:creationId xmlns:p14="http://schemas.microsoft.com/office/powerpoint/2010/main" val="2633653212"/>
+        <p14:creationId xmlns:p14="http://schemas.microsoft.com/office/powerpoint/2010/main" val="1420111955"/>
       </p:ext>
     </p:extLst>
   </p:cSld>
@@ -1732,7 +1968,7 @@
   <p:cSld>
     <p:spTree>
       <p:nvGrpSpPr>
-        <p:cNvPr id="1" name="Shape 80"/>
+        <p:cNvPr id="1" name="Shape 69"/>
         <p:cNvGrpSpPr/>
         <p:nvPr/>
       </p:nvGrpSpPr>
@@ -1746,7 +1982,7 @@
       </p:grpSpPr>
       <p:sp>
         <p:nvSpPr>
-          <p:cNvPr id="81" name="Google Shape;81;gac10fef634_0_25:notes"/>
+          <p:cNvPr id="70" name="Google Shape;70;gac10fef634_0_16:notes"/>
           <p:cNvSpPr>
             <a:spLocks noGrp="1" noRot="1" noChangeAspect="1"/>
           </p:cNvSpPr>
@@ -1787,7 +2023,7 @@
       </p:sp>
       <p:sp>
         <p:nvSpPr>
-          <p:cNvPr id="82" name="Google Shape;82;gac10fef634_0_25:notes"/>
+          <p:cNvPr id="71" name="Google Shape;71;gac10fef634_0_16:notes"/>
           <p:cNvSpPr txBox="1">
             <a:spLocks noGrp="1"/>
           </p:cNvSpPr>
@@ -1817,27 +2053,6 @@
               <a:spcAft>
                 <a:spcPts val="0"/>
               </a:spcAft>
-              <a:buClr>
-                <a:schemeClr val="dk1"/>
-              </a:buClr>
-              <a:buSzPts val="1100"/>
-              <a:buFont typeface="Arial"/>
-              <a:buNone/>
-            </a:pPr>
-            <a:r>
-              <a:rPr lang="en"/>
-              <a:t>Your version control evidence should go here.  This could be in the form of annotated screenshots which show you you managed this process or you could make a brief screencast explaining how you implemented version control.</a:t>
-            </a:r>
-            <a:endParaRPr/>
-          </a:p>
-          <a:p>
-            <a:pPr marL="0" lvl="0" indent="0" algn="l" rtl="0">
-              <a:spcBef>
-                <a:spcPts val="0"/>
-              </a:spcBef>
-              <a:spcAft>
-                <a:spcPts val="0"/>
-              </a:spcAft>
               <a:buNone/>
             </a:pPr>
             <a:endParaRPr/>
@@ -1845,6 +2060,11 @@
         </p:txBody>
       </p:sp>
     </p:spTree>
+    <p:extLst>
+      <p:ext uri="{BB962C8B-B14F-4D97-AF65-F5344CB8AC3E}">
+        <p14:creationId xmlns:p14="http://schemas.microsoft.com/office/powerpoint/2010/main" val="110813422"/>
+      </p:ext>
+    </p:extLst>
   </p:cSld>
   <p:clrMapOvr>
     <a:masterClrMapping/>
@@ -6862,6 +7082,463 @@
 <file path=ppt/slides/slide10.xml><?xml version="1.0" encoding="utf-8"?>
 <p:sld xmlns:a="http://schemas.openxmlformats.org/drawingml/2006/main" xmlns:r="http://schemas.openxmlformats.org/officeDocument/2006/relationships" xmlns:p="http://schemas.openxmlformats.org/presentationml/2006/main">
   <p:cSld>
+    <p:spTree>
+      <p:nvGrpSpPr>
+        <p:cNvPr id="1" name="Shape 77"/>
+        <p:cNvGrpSpPr/>
+        <p:nvPr/>
+      </p:nvGrpSpPr>
+      <p:grpSpPr>
+        <a:xfrm>
+          <a:off x="0" y="0"/>
+          <a:ext cx="0" cy="0"/>
+          <a:chOff x="0" y="0"/>
+          <a:chExt cx="0" cy="0"/>
+        </a:xfrm>
+      </p:grpSpPr>
+      <p:sp>
+        <p:nvSpPr>
+          <p:cNvPr id="78" name="Google Shape;78;p17"/>
+          <p:cNvSpPr txBox="1">
+            <a:spLocks noGrp="1"/>
+          </p:cNvSpPr>
+          <p:nvPr>
+            <p:ph type="title"/>
+          </p:nvPr>
+        </p:nvSpPr>
+        <p:spPr>
+          <a:xfrm>
+            <a:off x="311700" y="445025"/>
+            <a:ext cx="8520600" cy="572700"/>
+          </a:xfrm>
+          <a:prstGeom prst="rect">
+            <a:avLst/>
+          </a:prstGeom>
+        </p:spPr>
+        <p:txBody>
+          <a:bodyPr spcFirstLastPara="1" wrap="square" lIns="91425" tIns="91425" rIns="91425" bIns="91425" anchor="t" anchorCtr="0">
+            <a:noAutofit/>
+          </a:bodyPr>
+          <a:lstStyle/>
+          <a:p>
+            <a:pPr marL="0" lvl="0" indent="0" algn="l" rtl="0">
+              <a:spcBef>
+                <a:spcPts val="0"/>
+              </a:spcBef>
+              <a:spcAft>
+                <a:spcPts val="0"/>
+              </a:spcAft>
+              <a:buNone/>
+            </a:pPr>
+            <a:r>
+              <a:rPr lang="en" dirty="0"/>
+              <a:t>Component 2 - Test Plan (?and screenshot)</a:t>
+            </a:r>
+            <a:br>
+              <a:rPr lang="en" dirty="0"/>
+            </a:br>
+            <a:br>
+              <a:rPr lang="en" dirty="0"/>
+            </a:br>
+            <a:endParaRPr dirty="0"/>
+          </a:p>
+        </p:txBody>
+      </p:sp>
+      <p:graphicFrame>
+        <p:nvGraphicFramePr>
+          <p:cNvPr id="79" name="Google Shape;79;p17"/>
+          <p:cNvGraphicFramePr/>
+          <p:nvPr>
+            <p:extLst>
+              <p:ext uri="{D42A27DB-BD31-4B8C-83A1-F6EECF244321}">
+                <p14:modId xmlns:p14="http://schemas.microsoft.com/office/powerpoint/2010/main" val="1598781337"/>
+              </p:ext>
+            </p:extLst>
+          </p:nvPr>
+        </p:nvGraphicFramePr>
+        <p:xfrm>
+          <a:off x="311700" y="4041405"/>
+          <a:ext cx="8520600" cy="1462980"/>
+        </p:xfrm>
+        <a:graphic>
+          <a:graphicData uri="http://schemas.openxmlformats.org/drawingml/2006/table">
+            <a:tbl>
+              <a:tblPr>
+                <a:noFill/>
+                <a:tableStyleId>{E1099E06-0E6B-448D-9D27-60429F06E6F4}</a:tableStyleId>
+              </a:tblPr>
+              <a:tblGrid>
+                <a:gridCol w="4260300">
+                  <a:extLst>
+                    <a:ext uri="{9D8B030D-6E8A-4147-A177-3AD203B41FA5}">
+                      <a16:colId xmlns:a16="http://schemas.microsoft.com/office/drawing/2014/main" val="20000"/>
+                    </a:ext>
+                  </a:extLst>
+                </a:gridCol>
+                <a:gridCol w="4260300">
+                  <a:extLst>
+                    <a:ext uri="{9D8B030D-6E8A-4147-A177-3AD203B41FA5}">
+                      <a16:colId xmlns:a16="http://schemas.microsoft.com/office/drawing/2014/main" val="20001"/>
+                    </a:ext>
+                  </a:extLst>
+                </a:gridCol>
+              </a:tblGrid>
+              <a:tr h="381000">
+                <a:tc>
+                  <a:txBody>
+                    <a:bodyPr/>
+                    <a:lstStyle/>
+                    <a:p>
+                      <a:pPr marL="0" lvl="0" indent="0" algn="l" rtl="0">
+                        <a:spcBef>
+                          <a:spcPts val="0"/>
+                        </a:spcBef>
+                        <a:spcAft>
+                          <a:spcPts val="0"/>
+                        </a:spcAft>
+                        <a:buNone/>
+                      </a:pPr>
+                      <a:r>
+                        <a:rPr lang="en" sz="1800" b="1" dirty="0"/>
+                        <a:t>Test Case</a:t>
+                      </a:r>
+                      <a:endParaRPr sz="1800" b="1" dirty="0"/>
+                    </a:p>
+                  </a:txBody>
+                  <a:tcPr marL="91425" marR="91425" marT="91425" marB="91425">
+                    <a:solidFill>
+                      <a:srgbClr val="CCCCCC"/>
+                    </a:solidFill>
+                  </a:tcPr>
+                </a:tc>
+                <a:tc>
+                  <a:txBody>
+                    <a:bodyPr/>
+                    <a:lstStyle/>
+                    <a:p>
+                      <a:pPr marL="0" lvl="0" indent="0" algn="l" rtl="0">
+                        <a:spcBef>
+                          <a:spcPts val="0"/>
+                        </a:spcBef>
+                        <a:spcAft>
+                          <a:spcPts val="0"/>
+                        </a:spcAft>
+                        <a:buNone/>
+                      </a:pPr>
+                      <a:r>
+                        <a:rPr lang="en" sz="1800" b="1"/>
+                        <a:t>Expected Values</a:t>
+                      </a:r>
+                      <a:endParaRPr sz="1800" b="1"/>
+                    </a:p>
+                  </a:txBody>
+                  <a:tcPr marL="91425" marR="91425" marT="91425" marB="91425">
+                    <a:solidFill>
+                      <a:srgbClr val="CCCCCC"/>
+                    </a:solidFill>
+                  </a:tcPr>
+                </a:tc>
+                <a:extLst>
+                  <a:ext uri="{0D108BD9-81ED-4DB2-BD59-A6C34878D82A}">
+                    <a16:rowId xmlns:a16="http://schemas.microsoft.com/office/drawing/2014/main" val="10000"/>
+                  </a:ext>
+                </a:extLst>
+              </a:tr>
+              <a:tr h="396200">
+                <a:tc>
+                  <a:txBody>
+                    <a:bodyPr/>
+                    <a:lstStyle/>
+                    <a:p>
+                      <a:pPr marL="0" lvl="0" indent="0" algn="l" rtl="0">
+                        <a:spcBef>
+                          <a:spcPts val="0"/>
+                        </a:spcBef>
+                        <a:spcAft>
+                          <a:spcPts val="0"/>
+                        </a:spcAft>
+                        <a:buNone/>
+                      </a:pPr>
+                      <a:r>
+                        <a:rPr lang="en-US" sz="1800" dirty="0"/>
+                        <a:t>Run program</a:t>
+                      </a:r>
+                      <a:endParaRPr sz="1800" dirty="0"/>
+                    </a:p>
+                  </a:txBody>
+                  <a:tcPr marL="91425" marR="91425" marT="91425" marB="91425"/>
+                </a:tc>
+                <a:tc>
+                  <a:txBody>
+                    <a:bodyPr/>
+                    <a:lstStyle/>
+                    <a:p>
+                      <a:pPr marL="0" lvl="0" indent="0" algn="l" rtl="0">
+                        <a:spcBef>
+                          <a:spcPts val="0"/>
+                        </a:spcBef>
+                        <a:spcAft>
+                          <a:spcPts val="0"/>
+                        </a:spcAft>
+                        <a:buNone/>
+                      </a:pPr>
+                      <a:r>
+                        <a:rPr lang="en-US" sz="1800" dirty="0"/>
+                        <a:t>Main and welcome run correctly.</a:t>
+                      </a:r>
+                    </a:p>
+                    <a:p>
+                      <a:pPr marL="0" lvl="0" indent="0" algn="l" rtl="0">
+                        <a:spcBef>
+                          <a:spcPts val="0"/>
+                        </a:spcBef>
+                        <a:spcAft>
+                          <a:spcPts val="0"/>
+                        </a:spcAft>
+                        <a:buNone/>
+                      </a:pPr>
+                      <a:r>
+                        <a:rPr lang="en-US" sz="1800" dirty="0"/>
+                        <a:t>Welcome message prints with random name.</a:t>
+                      </a:r>
+                      <a:endParaRPr sz="1800" dirty="0"/>
+                    </a:p>
+                  </a:txBody>
+                  <a:tcPr marL="91425" marR="91425" marT="91425" marB="91425"/>
+                </a:tc>
+                <a:extLst>
+                  <a:ext uri="{0D108BD9-81ED-4DB2-BD59-A6C34878D82A}">
+                    <a16:rowId xmlns:a16="http://schemas.microsoft.com/office/drawing/2014/main" val="10001"/>
+                  </a:ext>
+                </a:extLst>
+              </a:tr>
+            </a:tbl>
+          </a:graphicData>
+        </a:graphic>
+      </p:graphicFrame>
+      <p:pic>
+        <p:nvPicPr>
+          <p:cNvPr id="4" name="Picture 3">
+            <a:extLst>
+              <a:ext uri="{FF2B5EF4-FFF2-40B4-BE49-F238E27FC236}">
+                <a16:creationId xmlns:a16="http://schemas.microsoft.com/office/drawing/2014/main" id="{9FA3FEA3-93DC-4863-83D8-D43DE08F33E4}"/>
+              </a:ext>
+            </a:extLst>
+          </p:cNvPr>
+          <p:cNvPicPr>
+            <a:picLocks noChangeAspect="1"/>
+          </p:cNvPicPr>
+          <p:nvPr/>
+        </p:nvPicPr>
+        <p:blipFill>
+          <a:blip r:embed="rId3"/>
+          <a:stretch>
+            <a:fillRect/>
+          </a:stretch>
+        </p:blipFill>
+        <p:spPr>
+          <a:xfrm>
+            <a:off x="0" y="1017725"/>
+            <a:ext cx="3503500" cy="1413106"/>
+          </a:xfrm>
+          <a:prstGeom prst="rect">
+            <a:avLst/>
+          </a:prstGeom>
+        </p:spPr>
+      </p:pic>
+      <p:pic>
+        <p:nvPicPr>
+          <p:cNvPr id="5" name="Picture 4">
+            <a:extLst>
+              <a:ext uri="{FF2B5EF4-FFF2-40B4-BE49-F238E27FC236}">
+                <a16:creationId xmlns:a16="http://schemas.microsoft.com/office/drawing/2014/main" id="{702EA7C5-6865-4037-AD46-0422C73CE936}"/>
+              </a:ext>
+            </a:extLst>
+          </p:cNvPr>
+          <p:cNvPicPr>
+            <a:picLocks noChangeAspect="1"/>
+          </p:cNvPicPr>
+          <p:nvPr/>
+        </p:nvPicPr>
+        <p:blipFill>
+          <a:blip r:embed="rId4"/>
+          <a:stretch>
+            <a:fillRect/>
+          </a:stretch>
+        </p:blipFill>
+        <p:spPr>
+          <a:xfrm>
+            <a:off x="0" y="2430831"/>
+            <a:ext cx="3503500" cy="1147755"/>
+          </a:xfrm>
+          <a:prstGeom prst="rect">
+            <a:avLst/>
+          </a:prstGeom>
+        </p:spPr>
+      </p:pic>
+      <p:pic>
+        <p:nvPicPr>
+          <p:cNvPr id="3" name="Picture 2">
+            <a:extLst>
+              <a:ext uri="{FF2B5EF4-FFF2-40B4-BE49-F238E27FC236}">
+                <a16:creationId xmlns:a16="http://schemas.microsoft.com/office/drawing/2014/main" id="{37248A6E-BFDC-4B38-AD41-6E3AE9890C8A}"/>
+              </a:ext>
+            </a:extLst>
+          </p:cNvPr>
+          <p:cNvPicPr>
+            <a:picLocks noChangeAspect="1"/>
+          </p:cNvPicPr>
+          <p:nvPr/>
+        </p:nvPicPr>
+        <p:blipFill>
+          <a:blip r:embed="rId5"/>
+          <a:stretch>
+            <a:fillRect/>
+          </a:stretch>
+        </p:blipFill>
+        <p:spPr>
+          <a:xfrm>
+            <a:off x="3564266" y="1878353"/>
+            <a:ext cx="5207268" cy="552478"/>
+          </a:xfrm>
+          <a:prstGeom prst="rect">
+            <a:avLst/>
+          </a:prstGeom>
+        </p:spPr>
+      </p:pic>
+    </p:spTree>
+    <p:extLst>
+      <p:ext uri="{BB962C8B-B14F-4D97-AF65-F5344CB8AC3E}">
+        <p14:creationId xmlns:p14="http://schemas.microsoft.com/office/powerpoint/2010/main" val="676409526"/>
+      </p:ext>
+    </p:extLst>
+  </p:cSld>
+  <p:clrMapOvr>
+    <a:masterClrMapping/>
+  </p:clrMapOvr>
+</p:sld>
+</file>
+
+<file path=ppt/slides/slide11.xml><?xml version="1.0" encoding="utf-8"?>
+<p:sld xmlns:a="http://schemas.openxmlformats.org/drawingml/2006/main" xmlns:r="http://schemas.openxmlformats.org/officeDocument/2006/relationships" xmlns:p="http://schemas.openxmlformats.org/presentationml/2006/main">
+  <p:cSld>
+    <p:bg>
+      <p:bgPr>
+        <a:solidFill>
+          <a:srgbClr val="D9EAD3"/>
+        </a:solidFill>
+        <a:effectLst/>
+      </p:bgPr>
+    </p:bg>
+    <p:spTree>
+      <p:nvGrpSpPr>
+        <p:cNvPr id="1" name="Shape 83"/>
+        <p:cNvGrpSpPr/>
+        <p:nvPr/>
+      </p:nvGrpSpPr>
+      <p:grpSpPr>
+        <a:xfrm>
+          <a:off x="0" y="0"/>
+          <a:ext cx="0" cy="0"/>
+          <a:chOff x="0" y="0"/>
+          <a:chExt cx="0" cy="0"/>
+        </a:xfrm>
+      </p:grpSpPr>
+      <p:sp>
+        <p:nvSpPr>
+          <p:cNvPr id="84" name="Google Shape;84;p18"/>
+          <p:cNvSpPr txBox="1">
+            <a:spLocks noGrp="1"/>
+          </p:cNvSpPr>
+          <p:nvPr>
+            <p:ph type="title"/>
+          </p:nvPr>
+        </p:nvSpPr>
+        <p:spPr>
+          <a:xfrm>
+            <a:off x="311700" y="445025"/>
+            <a:ext cx="8520600" cy="572700"/>
+          </a:xfrm>
+          <a:prstGeom prst="rect">
+            <a:avLst/>
+          </a:prstGeom>
+        </p:spPr>
+        <p:txBody>
+          <a:bodyPr spcFirstLastPara="1" wrap="square" lIns="91425" tIns="91425" rIns="91425" bIns="91425" anchor="t" anchorCtr="0">
+            <a:noAutofit/>
+          </a:bodyPr>
+          <a:lstStyle/>
+          <a:p>
+            <a:pPr marL="0" lvl="0" indent="0" algn="l" rtl="0">
+              <a:spcBef>
+                <a:spcPts val="0"/>
+              </a:spcBef>
+              <a:spcAft>
+                <a:spcPts val="0"/>
+              </a:spcAft>
+              <a:buNone/>
+            </a:pPr>
+            <a:r>
+              <a:rPr lang="en"/>
+              <a:t>Version Control Evidence</a:t>
+            </a:r>
+            <a:endParaRPr/>
+          </a:p>
+        </p:txBody>
+      </p:sp>
+      <p:sp>
+        <p:nvSpPr>
+          <p:cNvPr id="85" name="Google Shape;85;p18"/>
+          <p:cNvSpPr txBox="1">
+            <a:spLocks noGrp="1"/>
+          </p:cNvSpPr>
+          <p:nvPr>
+            <p:ph type="body" idx="1"/>
+          </p:nvPr>
+        </p:nvSpPr>
+        <p:spPr>
+          <a:xfrm>
+            <a:off x="311700" y="1152475"/>
+            <a:ext cx="8464200" cy="3739200"/>
+          </a:xfrm>
+          <a:prstGeom prst="rect">
+            <a:avLst/>
+          </a:prstGeom>
+        </p:spPr>
+        <p:txBody>
+          <a:bodyPr spcFirstLastPara="1" wrap="square" lIns="91425" tIns="91425" rIns="91425" bIns="91425" anchor="t" anchorCtr="0">
+            <a:noAutofit/>
+          </a:bodyPr>
+          <a:lstStyle/>
+          <a:p>
+            <a:pPr marL="0" lvl="0" indent="0" algn="l" rtl="0">
+              <a:spcBef>
+                <a:spcPts val="0"/>
+              </a:spcBef>
+              <a:spcAft>
+                <a:spcPts val="1600"/>
+              </a:spcAft>
+              <a:buNone/>
+            </a:pPr>
+            <a:r>
+              <a:rPr lang="en" i="1"/>
+              <a:t>Your version control evidence should go here.  This could be in the form of annotated screenshots which show you you managed this process or you could make a brief screencast explaining how you implemented version control.</a:t>
+            </a:r>
+            <a:endParaRPr i="1"/>
+          </a:p>
+        </p:txBody>
+      </p:sp>
+    </p:spTree>
+  </p:cSld>
+  <p:clrMapOvr>
+    <a:masterClrMapping/>
+  </p:clrMapOvr>
+</p:sld>
+</file>
+
+<file path=ppt/slides/slide12.xml><?xml version="1.0" encoding="utf-8"?>
+<p:sld xmlns:a="http://schemas.openxmlformats.org/drawingml/2006/main" xmlns:r="http://schemas.openxmlformats.org/officeDocument/2006/relationships" xmlns:p="http://schemas.openxmlformats.org/presentationml/2006/main">
+  <p:cSld>
     <p:bg>
       <p:bgPr>
         <a:solidFill>
@@ -8125,8 +8802,11 @@
             </a:pPr>
             <a:r>
               <a:rPr lang="en" dirty="0"/>
-              <a:t>Component 2 - Test Plan (?and screenshot)</a:t>
+              <a:t>Component 2 Version 1- Test Plan (and screenshot)</a:t>
             </a:r>
+            <a:br>
+              <a:rPr lang="en" dirty="0"/>
+            </a:br>
             <a:br>
               <a:rPr lang="en" dirty="0"/>
             </a:br>
@@ -8144,14 +8824,14 @@
           <p:nvPr>
             <p:extLst>
               <p:ext uri="{D42A27DB-BD31-4B8C-83A1-F6EECF244321}">
-                <p14:modId xmlns:p14="http://schemas.microsoft.com/office/powerpoint/2010/main" val="1598781337"/>
+                <p14:modId xmlns:p14="http://schemas.microsoft.com/office/powerpoint/2010/main" val="847029707"/>
               </p:ext>
             </p:extLst>
           </p:nvPr>
         </p:nvGraphicFramePr>
         <p:xfrm>
-          <a:off x="311700" y="4041405"/>
-          <a:ext cx="8520600" cy="1462980"/>
+          <a:off x="311700" y="3374134"/>
+          <a:ext cx="8520600" cy="1465454"/>
         </p:xfrm>
         <a:graphic>
           <a:graphicData uri="http://schemas.openxmlformats.org/drawingml/2006/table">
@@ -8176,7 +8856,7 @@
                   </a:extLst>
                 </a:gridCol>
               </a:tblGrid>
-              <a:tr h="381000">
+              <a:tr h="459644">
                 <a:tc>
                   <a:txBody>
                     <a:bodyPr/>
@@ -8237,7 +8917,7 @@
                   </a:ext>
                 </a:extLst>
               </a:tr>
-              <a:tr h="396200">
+              <a:tr h="599650">
                 <a:tc>
                   <a:txBody>
                     <a:bodyPr/>
@@ -8254,7 +8934,7 @@
                       </a:pPr>
                       <a:r>
                         <a:rPr lang="en-US" sz="1800" dirty="0"/>
-                        <a:t>Run program</a:t>
+                        <a:t>Run Program</a:t>
                       </a:r>
                       <a:endParaRPr sz="1800" dirty="0"/>
                     </a:p>
@@ -8277,7 +8957,7 @@
                       </a:pPr>
                       <a:r>
                         <a:rPr lang="en-US" sz="1800" dirty="0"/>
-                        <a:t>Main and welcome run correctly.</a:t>
+                        <a:t>Enter p program prints pickup</a:t>
                       </a:r>
                     </a:p>
                     <a:p>
@@ -8292,7 +8972,26 @@
                       </a:pPr>
                       <a:r>
                         <a:rPr lang="en-US" sz="1800" dirty="0"/>
-                        <a:t>Welcome message prints with random name.</a:t>
+                        <a:t>Enter d program prints delivery</a:t>
+                      </a:r>
+                    </a:p>
+                    <a:p>
+                      <a:pPr marL="0" lvl="0" indent="0" algn="l" rtl="0">
+                        <a:spcBef>
+                          <a:spcPts val="0"/>
+                        </a:spcBef>
+                        <a:spcAft>
+                          <a:spcPts val="0"/>
+                        </a:spcAft>
+                        <a:buNone/>
+                      </a:pPr>
+                      <a:r>
+                        <a:rPr lang="en-US" sz="1800" dirty="0"/>
+                        <a:t>Enter invalid </a:t>
+                      </a:r>
+                      <a:r>
+                        <a:rPr lang="en-US" sz="1800"/>
+                        <a:t>program stops</a:t>
                       </a:r>
                       <a:endParaRPr sz="1800" dirty="0"/>
                     </a:p>
@@ -8311,10 +9010,10 @@
       </p:graphicFrame>
       <p:pic>
         <p:nvPicPr>
-          <p:cNvPr id="4" name="Picture 3">
+          <p:cNvPr id="3" name="Picture 2">
             <a:extLst>
               <a:ext uri="{FF2B5EF4-FFF2-40B4-BE49-F238E27FC236}">
-                <a16:creationId xmlns:a16="http://schemas.microsoft.com/office/drawing/2014/main" id="{9FA3FEA3-93DC-4863-83D8-D43DE08F33E4}"/>
+                <a16:creationId xmlns:a16="http://schemas.microsoft.com/office/drawing/2014/main" id="{5CE9BC96-1F1B-42C2-B0C6-A21EEFD67BC8}"/>
               </a:ext>
             </a:extLst>
           </p:cNvPr>
@@ -8331,68 +9030,8 @@
         </p:blipFill>
         <p:spPr>
           <a:xfrm>
-            <a:off x="0" y="1017725"/>
-            <a:ext cx="3503500" cy="1413106"/>
-          </a:xfrm>
-          <a:prstGeom prst="rect">
-            <a:avLst/>
-          </a:prstGeom>
-        </p:spPr>
-      </p:pic>
-      <p:pic>
-        <p:nvPicPr>
-          <p:cNvPr id="5" name="Picture 4">
-            <a:extLst>
-              <a:ext uri="{FF2B5EF4-FFF2-40B4-BE49-F238E27FC236}">
-                <a16:creationId xmlns:a16="http://schemas.microsoft.com/office/drawing/2014/main" id="{702EA7C5-6865-4037-AD46-0422C73CE936}"/>
-              </a:ext>
-            </a:extLst>
-          </p:cNvPr>
-          <p:cNvPicPr>
-            <a:picLocks noChangeAspect="1"/>
-          </p:cNvPicPr>
-          <p:nvPr/>
-        </p:nvPicPr>
-        <p:blipFill>
-          <a:blip r:embed="rId4"/>
-          <a:stretch>
-            <a:fillRect/>
-          </a:stretch>
-        </p:blipFill>
-        <p:spPr>
-          <a:xfrm>
-            <a:off x="0" y="2430831"/>
-            <a:ext cx="3503500" cy="1147755"/>
-          </a:xfrm>
-          <a:prstGeom prst="rect">
-            <a:avLst/>
-          </a:prstGeom>
-        </p:spPr>
-      </p:pic>
-      <p:pic>
-        <p:nvPicPr>
-          <p:cNvPr id="3" name="Picture 2">
-            <a:extLst>
-              <a:ext uri="{FF2B5EF4-FFF2-40B4-BE49-F238E27FC236}">
-                <a16:creationId xmlns:a16="http://schemas.microsoft.com/office/drawing/2014/main" id="{37248A6E-BFDC-4B38-AD41-6E3AE9890C8A}"/>
-              </a:ext>
-            </a:extLst>
-          </p:cNvPr>
-          <p:cNvPicPr>
-            <a:picLocks noChangeAspect="1"/>
-          </p:cNvPicPr>
-          <p:nvPr/>
-        </p:nvPicPr>
-        <p:blipFill>
-          <a:blip r:embed="rId5"/>
-          <a:stretch>
-            <a:fillRect/>
-          </a:stretch>
-        </p:blipFill>
-        <p:spPr>
-          <a:xfrm>
-            <a:off x="3564266" y="1878353"/>
-            <a:ext cx="5207268" cy="552478"/>
+            <a:off x="2518881" y="1017725"/>
+            <a:ext cx="3658399" cy="2286044"/>
           </a:xfrm>
           <a:prstGeom prst="rect">
             <a:avLst/>
@@ -8402,7 +9041,7 @@
     </p:spTree>
     <p:extLst>
       <p:ext uri="{BB962C8B-B14F-4D97-AF65-F5344CB8AC3E}">
-        <p14:creationId xmlns:p14="http://schemas.microsoft.com/office/powerpoint/2010/main" val="676409526"/>
+        <p14:creationId xmlns:p14="http://schemas.microsoft.com/office/powerpoint/2010/main" val="2394897313"/>
       </p:ext>
     </p:extLst>
   </p:cSld>
@@ -8425,7 +9064,7 @@
     </p:bg>
     <p:spTree>
       <p:nvGrpSpPr>
-        <p:cNvPr id="1" name="Shape 83"/>
+        <p:cNvPr id="1" name="Shape 72"/>
         <p:cNvGrpSpPr/>
         <p:nvPr/>
       </p:nvGrpSpPr>
@@ -8439,7 +9078,7 @@
       </p:grpSpPr>
       <p:sp>
         <p:nvSpPr>
-          <p:cNvPr id="84" name="Google Shape;84;p18"/>
+          <p:cNvPr id="73" name="Google Shape;73;p16"/>
           <p:cNvSpPr txBox="1">
             <a:spLocks noGrp="1"/>
           </p:cNvSpPr>
@@ -8472,56 +9111,52 @@
               <a:buNone/>
             </a:pPr>
             <a:r>
-              <a:rPr lang="en"/>
-              <a:t>Version Control Evidence</a:t>
+              <a:rPr lang="en" dirty="0"/>
+              <a:t>Component 2 (Trello screenshot)</a:t>
             </a:r>
-            <a:endParaRPr/>
+            <a:br>
+              <a:rPr lang="en" dirty="0"/>
+            </a:br>
+            <a:endParaRPr dirty="0"/>
           </a:p>
         </p:txBody>
       </p:sp>
-      <p:sp>
-        <p:nvSpPr>
-          <p:cNvPr id="85" name="Google Shape;85;p18"/>
-          <p:cNvSpPr txBox="1">
-            <a:spLocks noGrp="1"/>
-          </p:cNvSpPr>
-          <p:nvPr>
-            <p:ph type="body" idx="1"/>
-          </p:nvPr>
-        </p:nvSpPr>
+      <p:pic>
+        <p:nvPicPr>
+          <p:cNvPr id="3" name="Picture 2">
+            <a:extLst>
+              <a:ext uri="{FF2B5EF4-FFF2-40B4-BE49-F238E27FC236}">
+                <a16:creationId xmlns:a16="http://schemas.microsoft.com/office/drawing/2014/main" id="{819435B8-C1E8-4E01-8C1C-133452C2CFF2}"/>
+              </a:ext>
+            </a:extLst>
+          </p:cNvPr>
+          <p:cNvPicPr>
+            <a:picLocks noChangeAspect="1"/>
+          </p:cNvPicPr>
+          <p:nvPr/>
+        </p:nvPicPr>
+        <p:blipFill>
+          <a:blip r:embed="rId3"/>
+          <a:stretch>
+            <a:fillRect/>
+          </a:stretch>
+        </p:blipFill>
         <p:spPr>
           <a:xfrm>
-            <a:off x="311700" y="1152475"/>
-            <a:ext cx="8464200" cy="3739200"/>
+            <a:off x="228377" y="1457267"/>
+            <a:ext cx="8687246" cy="2228965"/>
           </a:xfrm>
           <a:prstGeom prst="rect">
             <a:avLst/>
           </a:prstGeom>
         </p:spPr>
-        <p:txBody>
-          <a:bodyPr spcFirstLastPara="1" wrap="square" lIns="91425" tIns="91425" rIns="91425" bIns="91425" anchor="t" anchorCtr="0">
-            <a:noAutofit/>
-          </a:bodyPr>
-          <a:lstStyle/>
-          <a:p>
-            <a:pPr marL="0" lvl="0" indent="0" algn="l" rtl="0">
-              <a:spcBef>
-                <a:spcPts val="0"/>
-              </a:spcBef>
-              <a:spcAft>
-                <a:spcPts val="1600"/>
-              </a:spcAft>
-              <a:buNone/>
-            </a:pPr>
-            <a:r>
-              <a:rPr lang="en" i="1"/>
-              <a:t>Your version control evidence should go here.  This could be in the form of annotated screenshots which show you you managed this process or you could make a brief screencast explaining how you implemented version control.</a:t>
-            </a:r>
-            <a:endParaRPr i="1"/>
-          </a:p>
-        </p:txBody>
-      </p:sp>
+      </p:pic>
     </p:spTree>
+    <p:extLst>
+      <p:ext uri="{BB962C8B-B14F-4D97-AF65-F5344CB8AC3E}">
+        <p14:creationId xmlns:p14="http://schemas.microsoft.com/office/powerpoint/2010/main" val="842877212"/>
+      </p:ext>
+    </p:extLst>
   </p:cSld>
   <p:clrMapOvr>
     <a:masterClrMapping/>
@@ -9092,18 +9727,18 @@
 </file>
 
 <file path=customXml/item1.xml><?xml version="1.0" encoding="utf-8"?>
+<p:properties xmlns:p="http://schemas.microsoft.com/office/2006/metadata/properties" xmlns:xsi="http://www.w3.org/2001/XMLSchema-instance" xmlns:pc="http://schemas.microsoft.com/office/infopath/2007/PartnerControls">
+  <documentManagement/>
+</p:properties>
+</file>
+
+<file path=customXml/item2.xml><?xml version="1.0" encoding="utf-8"?>
 <?mso-contentType ?>
 <FormTemplates xmlns="http://schemas.microsoft.com/sharepoint/v3/contenttype/forms">
   <Display>DocumentLibraryForm</Display>
   <Edit>DocumentLibraryForm</Edit>
   <New>DocumentLibraryForm</New>
 </FormTemplates>
-</file>
-
-<file path=customXml/item2.xml><?xml version="1.0" encoding="utf-8"?>
-<p:properties xmlns:p="http://schemas.microsoft.com/office/2006/metadata/properties" xmlns:xsi="http://www.w3.org/2001/XMLSchema-instance" xmlns:pc="http://schemas.microsoft.com/office/infopath/2007/PartnerControls">
-  <documentManagement/>
-</p:properties>
 </file>
 
 <file path=customXml/item3.xml><?xml version="1.0" encoding="utf-8"?>
@@ -9292,14 +9927,6 @@
 </file>
 
 <file path=customXml/itemProps1.xml><?xml version="1.0" encoding="utf-8"?>
-<ds:datastoreItem xmlns:ds="http://schemas.openxmlformats.org/officeDocument/2006/customXml" ds:itemID="{DDD369E5-45BD-4F6E-934F-A24716F69B59}">
-  <ds:schemaRefs>
-    <ds:schemaRef ds:uri="http://schemas.microsoft.com/sharepoint/v3/contenttype/forms"/>
-  </ds:schemaRefs>
-</ds:datastoreItem>
-</file>
-
-<file path=customXml/itemProps2.xml><?xml version="1.0" encoding="utf-8"?>
 <ds:datastoreItem xmlns:ds="http://schemas.openxmlformats.org/officeDocument/2006/customXml" ds:itemID="{E89CEDA1-6C0E-4489-8574-46B725E977F6}">
   <ds:schemaRefs>
     <ds:schemaRef ds:uri="http://schemas.microsoft.com/office/2006/documentManagement/types"/>
@@ -9312,6 +9939,14 @@
     <ds:schemaRef ds:uri="http://schemas.openxmlformats.org/package/2006/metadata/core-properties"/>
     <ds:schemaRef ds:uri="42d4439d-bb2d-40df-8d30-57a312ac786f"/>
     <ds:schemaRef ds:uri="http://www.w3.org/XML/1998/namespace"/>
+  </ds:schemaRefs>
+</ds:datastoreItem>
+</file>
+
+<file path=customXml/itemProps2.xml><?xml version="1.0" encoding="utf-8"?>
+<ds:datastoreItem xmlns:ds="http://schemas.openxmlformats.org/officeDocument/2006/customXml" ds:itemID="{DDD369E5-45BD-4F6E-934F-A24716F69B59}">
+  <ds:schemaRefs>
+    <ds:schemaRef ds:uri="http://schemas.microsoft.com/sharepoint/v3/contenttype/forms"/>
   </ds:schemaRefs>
 </ds:datastoreItem>
 </file>

--- a/022_91893+_+91897+Documentation.pptx
+++ b/022_91893+_+91897+Documentation.pptx
@@ -5,7 +5,7 @@
     <p:sldMasterId id="2147483659" r:id="rId4"/>
   </p:sldMasterIdLst>
   <p:notesMasterIdLst>
-    <p:notesMasterId r:id="rId17"/>
+    <p:notesMasterId r:id="rId21"/>
   </p:notesMasterIdLst>
   <p:sldIdLst>
     <p:sldId id="256" r:id="rId5"/>
@@ -16,10 +16,14 @@
     <p:sldId id="265" r:id="rId10"/>
     <p:sldId id="263" r:id="rId11"/>
     <p:sldId id="266" r:id="rId12"/>
-    <p:sldId id="267" r:id="rId13"/>
-    <p:sldId id="264" r:id="rId14"/>
-    <p:sldId id="261" r:id="rId15"/>
-    <p:sldId id="262" r:id="rId16"/>
+    <p:sldId id="268" r:id="rId13"/>
+    <p:sldId id="269" r:id="rId14"/>
+    <p:sldId id="270" r:id="rId15"/>
+    <p:sldId id="271" r:id="rId16"/>
+    <p:sldId id="267" r:id="rId17"/>
+    <p:sldId id="264" r:id="rId18"/>
+    <p:sldId id="261" r:id="rId19"/>
+    <p:sldId id="262" r:id="rId20"/>
   </p:sldIdLst>
   <p:sldSz cx="9144000" cy="5143500" type="screen16x9"/>
   <p:notesSz cx="6858000" cy="9144000"/>
@@ -274,7 +278,7 @@
 <file path=ppt/revisionInfo.xml><?xml version="1.0" encoding="utf-8"?>
 <p1510:revInfo xmlns:a="http://schemas.openxmlformats.org/drawingml/2006/main" xmlns:r="http://schemas.openxmlformats.org/officeDocument/2006/relationships" xmlns:p1510="http://schemas.microsoft.com/office/powerpoint/2015/10/main">
   <p1510:revLst>
-    <p1510:client id="{9D2E540F-FEFC-4972-B06E-23F37B75A0FA}" v="6" dt="2022-02-14T22:45:09.888"/>
+    <p1510:client id="{7E3B363C-2599-4E4E-9D1F-25D66E202843}" v="1" dt="2022-02-24T23:40:54.969"/>
   </p1510:revLst>
 </p1510:revInfo>
 </file>
@@ -283,8 +287,8 @@
 <pc:chgInfo xmlns:a="http://schemas.openxmlformats.org/drawingml/2006/main" xmlns:r="http://schemas.openxmlformats.org/officeDocument/2006/relationships" xmlns:ac="http://schemas.microsoft.com/office/drawing/2013/main/command" xmlns:pc="http://schemas.microsoft.com/office/powerpoint/2013/main/command">
   <pc:docChgLst>
     <pc:chgData name="Levi Nelson" userId="4a4d733fabe62fef" providerId="LiveId" clId="{7E3B363C-2599-4E4E-9D1F-25D66E202843}"/>
-    <pc:docChg chg="modSld">
-      <pc:chgData name="Levi Nelson" userId="4a4d733fabe62fef" providerId="LiveId" clId="{7E3B363C-2599-4E4E-9D1F-25D66E202843}" dt="2022-02-14T22:50:27.827" v="0" actId="120"/>
+    <pc:docChg chg="custSel addSld modSld">
+      <pc:chgData name="Levi Nelson" userId="4a4d733fabe62fef" providerId="LiveId" clId="{7E3B363C-2599-4E4E-9D1F-25D66E202843}" dt="2022-02-25T00:20:12.221" v="274" actId="20577"/>
       <pc:docMkLst>
         <pc:docMk/>
       </pc:docMkLst>
@@ -302,6 +306,216 @@
             <ac:spMk id="55" creationId="{00000000-0000-0000-0000-000000000000}"/>
           </ac:spMkLst>
         </pc:spChg>
+      </pc:sldChg>
+      <pc:sldChg chg="addSp modSp">
+        <pc:chgData name="Levi Nelson" userId="4a4d733fabe62fef" providerId="LiveId" clId="{7E3B363C-2599-4E4E-9D1F-25D66E202843}" dt="2022-02-24T23:40:54.969" v="2"/>
+        <pc:sldMkLst>
+          <pc:docMk/>
+          <pc:sldMk cId="2412121420" sldId="263"/>
+        </pc:sldMkLst>
+        <pc:picChg chg="add mod">
+          <ac:chgData name="Levi Nelson" userId="4a4d733fabe62fef" providerId="LiveId" clId="{7E3B363C-2599-4E4E-9D1F-25D66E202843}" dt="2022-02-24T23:40:54.969" v="2"/>
+          <ac:picMkLst>
+            <pc:docMk/>
+            <pc:sldMk cId="2412121420" sldId="263"/>
+            <ac:picMk id="3" creationId="{51D58C3A-4BBB-4C8C-9BB6-C122C8D486BE}"/>
+          </ac:picMkLst>
+        </pc:picChg>
+      </pc:sldChg>
+      <pc:sldChg chg="delSp mod">
+        <pc:chgData name="Levi Nelson" userId="4a4d733fabe62fef" providerId="LiveId" clId="{7E3B363C-2599-4E4E-9D1F-25D66E202843}" dt="2022-02-24T23:40:51.749" v="1" actId="478"/>
+        <pc:sldMkLst>
+          <pc:docMk/>
+          <pc:sldMk cId="842877212" sldId="267"/>
+        </pc:sldMkLst>
+        <pc:picChg chg="del">
+          <ac:chgData name="Levi Nelson" userId="4a4d733fabe62fef" providerId="LiveId" clId="{7E3B363C-2599-4E4E-9D1F-25D66E202843}" dt="2022-02-24T23:40:51.749" v="1" actId="478"/>
+          <ac:picMkLst>
+            <pc:docMk/>
+            <pc:sldMk cId="842877212" sldId="267"/>
+            <ac:picMk id="3" creationId="{819435B8-C1E8-4E01-8C1C-133452C2CFF2}"/>
+          </ac:picMkLst>
+        </pc:picChg>
+      </pc:sldChg>
+      <pc:sldChg chg="addSp delSp modSp add mod">
+        <pc:chgData name="Levi Nelson" userId="4a4d733fabe62fef" providerId="LiveId" clId="{7E3B363C-2599-4E4E-9D1F-25D66E202843}" dt="2022-02-24T23:44:51.185" v="33" actId="20577"/>
+        <pc:sldMkLst>
+          <pc:docMk/>
+          <pc:sldMk cId="2835348942" sldId="268"/>
+        </pc:sldMkLst>
+        <pc:spChg chg="mod">
+          <ac:chgData name="Levi Nelson" userId="4a4d733fabe62fef" providerId="LiveId" clId="{7E3B363C-2599-4E4E-9D1F-25D66E202843}" dt="2022-02-24T23:41:50.861" v="5" actId="20577"/>
+          <ac:spMkLst>
+            <pc:docMk/>
+            <pc:sldMk cId="2835348942" sldId="268"/>
+            <ac:spMk id="78" creationId="{00000000-0000-0000-0000-000000000000}"/>
+          </ac:spMkLst>
+        </pc:spChg>
+        <pc:graphicFrameChg chg="modGraphic">
+          <ac:chgData name="Levi Nelson" userId="4a4d733fabe62fef" providerId="LiveId" clId="{7E3B363C-2599-4E4E-9D1F-25D66E202843}" dt="2022-02-24T23:44:51.185" v="33" actId="20577"/>
+          <ac:graphicFrameMkLst>
+            <pc:docMk/>
+            <pc:sldMk cId="2835348942" sldId="268"/>
+            <ac:graphicFrameMk id="79" creationId="{00000000-0000-0000-0000-000000000000}"/>
+          </ac:graphicFrameMkLst>
+        </pc:graphicFrameChg>
+        <pc:picChg chg="del">
+          <ac:chgData name="Levi Nelson" userId="4a4d733fabe62fef" providerId="LiveId" clId="{7E3B363C-2599-4E4E-9D1F-25D66E202843}" dt="2022-02-24T23:43:47.882" v="6" actId="478"/>
+          <ac:picMkLst>
+            <pc:docMk/>
+            <pc:sldMk cId="2835348942" sldId="268"/>
+            <ac:picMk id="3" creationId="{5CE9BC96-1F1B-42C2-B0C6-A21EEFD67BC8}"/>
+          </ac:picMkLst>
+        </pc:picChg>
+        <pc:picChg chg="add mod">
+          <ac:chgData name="Levi Nelson" userId="4a4d733fabe62fef" providerId="LiveId" clId="{7E3B363C-2599-4E4E-9D1F-25D66E202843}" dt="2022-02-24T23:43:56.599" v="11" actId="1076"/>
+          <ac:picMkLst>
+            <pc:docMk/>
+            <pc:sldMk cId="2835348942" sldId="268"/>
+            <ac:picMk id="4" creationId="{57669CBD-C2BA-41B7-AC08-8F5838FE0694}"/>
+          </ac:picMkLst>
+        </pc:picChg>
+      </pc:sldChg>
+      <pc:sldChg chg="addSp delSp modSp add mod">
+        <pc:chgData name="Levi Nelson" userId="4a4d733fabe62fef" providerId="LiveId" clId="{7E3B363C-2599-4E4E-9D1F-25D66E202843}" dt="2022-02-24T23:54:55.162" v="89" actId="20577"/>
+        <pc:sldMkLst>
+          <pc:docMk/>
+          <pc:sldMk cId="915654270" sldId="269"/>
+        </pc:sldMkLst>
+        <pc:spChg chg="mod">
+          <ac:chgData name="Levi Nelson" userId="4a4d733fabe62fef" providerId="LiveId" clId="{7E3B363C-2599-4E4E-9D1F-25D66E202843}" dt="2022-02-24T23:45:17.210" v="36" actId="20577"/>
+          <ac:spMkLst>
+            <pc:docMk/>
+            <pc:sldMk cId="915654270" sldId="269"/>
+            <ac:spMk id="78" creationId="{00000000-0000-0000-0000-000000000000}"/>
+          </ac:spMkLst>
+        </pc:spChg>
+        <pc:graphicFrameChg chg="modGraphic">
+          <ac:chgData name="Levi Nelson" userId="4a4d733fabe62fef" providerId="LiveId" clId="{7E3B363C-2599-4E4E-9D1F-25D66E202843}" dt="2022-02-24T23:54:55.162" v="89" actId="20577"/>
+          <ac:graphicFrameMkLst>
+            <pc:docMk/>
+            <pc:sldMk cId="915654270" sldId="269"/>
+            <ac:graphicFrameMk id="79" creationId="{00000000-0000-0000-0000-000000000000}"/>
+          </ac:graphicFrameMkLst>
+        </pc:graphicFrameChg>
+        <pc:picChg chg="del">
+          <ac:chgData name="Levi Nelson" userId="4a4d733fabe62fef" providerId="LiveId" clId="{7E3B363C-2599-4E4E-9D1F-25D66E202843}" dt="2022-02-24T23:45:21.032" v="37" actId="478"/>
+          <ac:picMkLst>
+            <pc:docMk/>
+            <pc:sldMk cId="915654270" sldId="269"/>
+            <ac:picMk id="3" creationId="{5CE9BC96-1F1B-42C2-B0C6-A21EEFD67BC8}"/>
+          </ac:picMkLst>
+        </pc:picChg>
+        <pc:picChg chg="add mod">
+          <ac:chgData name="Levi Nelson" userId="4a4d733fabe62fef" providerId="LiveId" clId="{7E3B363C-2599-4E4E-9D1F-25D66E202843}" dt="2022-02-24T23:54:28.886" v="40" actId="1076"/>
+          <ac:picMkLst>
+            <pc:docMk/>
+            <pc:sldMk cId="915654270" sldId="269"/>
+            <ac:picMk id="4" creationId="{D715C2D5-A9C7-417E-B0B9-D83A33B69945}"/>
+          </ac:picMkLst>
+        </pc:picChg>
+      </pc:sldChg>
+      <pc:sldChg chg="addSp delSp modSp add mod replId">
+        <pc:chgData name="Levi Nelson" userId="4a4d733fabe62fef" providerId="LiveId" clId="{7E3B363C-2599-4E4E-9D1F-25D66E202843}" dt="2022-02-25T00:09:23.906" v="157" actId="14100"/>
+        <pc:sldMkLst>
+          <pc:docMk/>
+          <pc:sldMk cId="2498283300" sldId="270"/>
+        </pc:sldMkLst>
+        <pc:spChg chg="mod">
+          <ac:chgData name="Levi Nelson" userId="4a4d733fabe62fef" providerId="LiveId" clId="{7E3B363C-2599-4E4E-9D1F-25D66E202843}" dt="2022-02-24T23:55:13.784" v="92" actId="20577"/>
+          <ac:spMkLst>
+            <pc:docMk/>
+            <pc:sldMk cId="2498283300" sldId="270"/>
+            <ac:spMk id="78" creationId="{00000000-0000-0000-0000-000000000000}"/>
+          </ac:spMkLst>
+        </pc:spChg>
+        <pc:graphicFrameChg chg="mod modGraphic">
+          <ac:chgData name="Levi Nelson" userId="4a4d733fabe62fef" providerId="LiveId" clId="{7E3B363C-2599-4E4E-9D1F-25D66E202843}" dt="2022-02-25T00:09:21.420" v="155" actId="1076"/>
+          <ac:graphicFrameMkLst>
+            <pc:docMk/>
+            <pc:sldMk cId="2498283300" sldId="270"/>
+            <ac:graphicFrameMk id="79" creationId="{00000000-0000-0000-0000-000000000000}"/>
+          </ac:graphicFrameMkLst>
+        </pc:graphicFrameChg>
+        <pc:picChg chg="add mod">
+          <ac:chgData name="Levi Nelson" userId="4a4d733fabe62fef" providerId="LiveId" clId="{7E3B363C-2599-4E4E-9D1F-25D66E202843}" dt="2022-02-25T00:09:23.906" v="157" actId="14100"/>
+          <ac:picMkLst>
+            <pc:docMk/>
+            <pc:sldMk cId="2498283300" sldId="270"/>
+            <ac:picMk id="3" creationId="{B47EF7A9-ED1F-43E3-9EB9-EF94F75EBFC1}"/>
+          </ac:picMkLst>
+        </pc:picChg>
+        <pc:picChg chg="del">
+          <ac:chgData name="Levi Nelson" userId="4a4d733fabe62fef" providerId="LiveId" clId="{7E3B363C-2599-4E4E-9D1F-25D66E202843}" dt="2022-02-24T23:55:11.705" v="90" actId="478"/>
+          <ac:picMkLst>
+            <pc:docMk/>
+            <pc:sldMk cId="2498283300" sldId="270"/>
+            <ac:picMk id="4" creationId="{57669CBD-C2BA-41B7-AC08-8F5838FE0694}"/>
+          </ac:picMkLst>
+        </pc:picChg>
+        <pc:picChg chg="add mod">
+          <ac:chgData name="Levi Nelson" userId="4a4d733fabe62fef" providerId="LiveId" clId="{7E3B363C-2599-4E4E-9D1F-25D66E202843}" dt="2022-02-25T00:08:19.261" v="101" actId="1076"/>
+          <ac:picMkLst>
+            <pc:docMk/>
+            <pc:sldMk cId="2498283300" sldId="270"/>
+            <ac:picMk id="6" creationId="{E22997C6-8C5A-49F0-987C-7F8805660161}"/>
+          </ac:picMkLst>
+        </pc:picChg>
+      </pc:sldChg>
+      <pc:sldChg chg="addSp delSp modSp add mod">
+        <pc:chgData name="Levi Nelson" userId="4a4d733fabe62fef" providerId="LiveId" clId="{7E3B363C-2599-4E4E-9D1F-25D66E202843}" dt="2022-02-25T00:20:12.221" v="274" actId="20577"/>
+        <pc:sldMkLst>
+          <pc:docMk/>
+          <pc:sldMk cId="2271076922" sldId="271"/>
+        </pc:sldMkLst>
+        <pc:spChg chg="mod">
+          <ac:chgData name="Levi Nelson" userId="4a4d733fabe62fef" providerId="LiveId" clId="{7E3B363C-2599-4E4E-9D1F-25D66E202843}" dt="2022-02-25T00:09:29.603" v="160" actId="20577"/>
+          <ac:spMkLst>
+            <pc:docMk/>
+            <pc:sldMk cId="2271076922" sldId="271"/>
+            <ac:spMk id="78" creationId="{00000000-0000-0000-0000-000000000000}"/>
+          </ac:spMkLst>
+        </pc:spChg>
+        <pc:graphicFrameChg chg="modGraphic">
+          <ac:chgData name="Levi Nelson" userId="4a4d733fabe62fef" providerId="LiveId" clId="{7E3B363C-2599-4E4E-9D1F-25D66E202843}" dt="2022-02-25T00:20:12.221" v="274" actId="20577"/>
+          <ac:graphicFrameMkLst>
+            <pc:docMk/>
+            <pc:sldMk cId="2271076922" sldId="271"/>
+            <ac:graphicFrameMk id="79" creationId="{00000000-0000-0000-0000-000000000000}"/>
+          </ac:graphicFrameMkLst>
+        </pc:graphicFrameChg>
+        <pc:picChg chg="del">
+          <ac:chgData name="Levi Nelson" userId="4a4d733fabe62fef" providerId="LiveId" clId="{7E3B363C-2599-4E4E-9D1F-25D66E202843}" dt="2022-02-25T00:09:31.684" v="161" actId="478"/>
+          <ac:picMkLst>
+            <pc:docMk/>
+            <pc:sldMk cId="2271076922" sldId="271"/>
+            <ac:picMk id="3" creationId="{B47EF7A9-ED1F-43E3-9EB9-EF94F75EBFC1}"/>
+          </ac:picMkLst>
+        </pc:picChg>
+        <pc:picChg chg="add mod">
+          <ac:chgData name="Levi Nelson" userId="4a4d733fabe62fef" providerId="LiveId" clId="{7E3B363C-2599-4E4E-9D1F-25D66E202843}" dt="2022-02-25T00:15:33.077" v="169" actId="1076"/>
+          <ac:picMkLst>
+            <pc:docMk/>
+            <pc:sldMk cId="2271076922" sldId="271"/>
+            <ac:picMk id="4" creationId="{2EC09E12-9159-4DE3-B017-1544CF7D8A08}"/>
+          </ac:picMkLst>
+        </pc:picChg>
+        <pc:picChg chg="del">
+          <ac:chgData name="Levi Nelson" userId="4a4d733fabe62fef" providerId="LiveId" clId="{7E3B363C-2599-4E4E-9D1F-25D66E202843}" dt="2022-02-25T00:09:32.144" v="162" actId="478"/>
+          <ac:picMkLst>
+            <pc:docMk/>
+            <pc:sldMk cId="2271076922" sldId="271"/>
+            <ac:picMk id="6" creationId="{E22997C6-8C5A-49F0-987C-7F8805660161}"/>
+          </ac:picMkLst>
+        </pc:picChg>
+        <pc:picChg chg="add mod">
+          <ac:chgData name="Levi Nelson" userId="4a4d733fabe62fef" providerId="LiveId" clId="{7E3B363C-2599-4E4E-9D1F-25D66E202843}" dt="2022-02-25T00:18:47.603" v="172" actId="1076"/>
+          <ac:picMkLst>
+            <pc:docMk/>
+            <pc:sldMk cId="2271076922" sldId="271"/>
+            <ac:picMk id="7" creationId="{7E3538B1-C44A-4CF8-90B9-DBA4D9E15D22}"/>
+          </ac:picMkLst>
+        </pc:picChg>
       </pc:sldChg>
     </pc:docChg>
   </pc:docChgLst>
@@ -952,6 +1166,442 @@
     </p:spTree>
     <p:extLst>
       <p:ext uri="{BB962C8B-B14F-4D97-AF65-F5344CB8AC3E}">
+        <p14:creationId xmlns:p14="http://schemas.microsoft.com/office/powerpoint/2010/main" val="3952238477"/>
+      </p:ext>
+    </p:extLst>
+  </p:cSld>
+  <p:clrMapOvr>
+    <a:masterClrMapping/>
+  </p:clrMapOvr>
+</p:notes>
+</file>
+
+<file path=ppt/notesSlides/notesSlide11.xml><?xml version="1.0" encoding="utf-8"?>
+<p:notes xmlns:a="http://schemas.openxmlformats.org/drawingml/2006/main" xmlns:r="http://schemas.openxmlformats.org/officeDocument/2006/relationships" xmlns:p="http://schemas.openxmlformats.org/presentationml/2006/main" showMasterSp="0" showMasterPhAnim="0">
+  <p:cSld>
+    <p:spTree>
+      <p:nvGrpSpPr>
+        <p:cNvPr id="1" name="Shape 74"/>
+        <p:cNvGrpSpPr/>
+        <p:nvPr/>
+      </p:nvGrpSpPr>
+      <p:grpSpPr>
+        <a:xfrm>
+          <a:off x="0" y="0"/>
+          <a:ext cx="0" cy="0"/>
+          <a:chOff x="0" y="0"/>
+          <a:chExt cx="0" cy="0"/>
+        </a:xfrm>
+      </p:grpSpPr>
+      <p:sp>
+        <p:nvSpPr>
+          <p:cNvPr id="75" name="Google Shape;75;gac10fef634_0_20:notes"/>
+          <p:cNvSpPr>
+            <a:spLocks noGrp="1" noRot="1" noChangeAspect="1"/>
+          </p:cNvSpPr>
+          <p:nvPr>
+            <p:ph type="sldImg" idx="2"/>
+          </p:nvPr>
+        </p:nvSpPr>
+        <p:spPr>
+          <a:xfrm>
+            <a:off x="381000" y="685800"/>
+            <a:ext cx="6096000" cy="3429000"/>
+          </a:xfrm>
+          <a:custGeom>
+            <a:avLst/>
+            <a:gdLst/>
+            <a:ahLst/>
+            <a:cxnLst/>
+            <a:rect l="l" t="t" r="r" b="b"/>
+            <a:pathLst>
+              <a:path w="120000" h="120000" extrusionOk="0">
+                <a:moveTo>
+                  <a:pt x="0" y="0"/>
+                </a:moveTo>
+                <a:lnTo>
+                  <a:pt x="120000" y="0"/>
+                </a:lnTo>
+                <a:lnTo>
+                  <a:pt x="120000" y="120000"/>
+                </a:lnTo>
+                <a:lnTo>
+                  <a:pt x="0" y="120000"/>
+                </a:lnTo>
+                <a:close/>
+              </a:path>
+            </a:pathLst>
+          </a:custGeom>
+        </p:spPr>
+      </p:sp>
+      <p:sp>
+        <p:nvSpPr>
+          <p:cNvPr id="76" name="Google Shape;76;gac10fef634_0_20:notes"/>
+          <p:cNvSpPr txBox="1">
+            <a:spLocks noGrp="1"/>
+          </p:cNvSpPr>
+          <p:nvPr>
+            <p:ph type="body" idx="1"/>
+          </p:nvPr>
+        </p:nvSpPr>
+        <p:spPr>
+          <a:xfrm>
+            <a:off x="685800" y="4343400"/>
+            <a:ext cx="5486400" cy="4114800"/>
+          </a:xfrm>
+          <a:prstGeom prst="rect">
+            <a:avLst/>
+          </a:prstGeom>
+        </p:spPr>
+        <p:txBody>
+          <a:bodyPr spcFirstLastPara="1" wrap="square" lIns="91425" tIns="91425" rIns="91425" bIns="91425" anchor="t" anchorCtr="0">
+            <a:noAutofit/>
+          </a:bodyPr>
+          <a:lstStyle/>
+          <a:p>
+            <a:pPr marL="0" lvl="0" indent="0" algn="l" rtl="0">
+              <a:spcBef>
+                <a:spcPts val="0"/>
+              </a:spcBef>
+              <a:spcAft>
+                <a:spcPts val="0"/>
+              </a:spcAft>
+              <a:buNone/>
+            </a:pPr>
+            <a:endParaRPr/>
+          </a:p>
+        </p:txBody>
+      </p:sp>
+    </p:spTree>
+    <p:extLst>
+      <p:ext uri="{BB962C8B-B14F-4D97-AF65-F5344CB8AC3E}">
+        <p14:creationId xmlns:p14="http://schemas.microsoft.com/office/powerpoint/2010/main" val="2449540695"/>
+      </p:ext>
+    </p:extLst>
+  </p:cSld>
+  <p:clrMapOvr>
+    <a:masterClrMapping/>
+  </p:clrMapOvr>
+</p:notes>
+</file>
+
+<file path=ppt/notesSlides/notesSlide12.xml><?xml version="1.0" encoding="utf-8"?>
+<p:notes xmlns:a="http://schemas.openxmlformats.org/drawingml/2006/main" xmlns:r="http://schemas.openxmlformats.org/officeDocument/2006/relationships" xmlns:p="http://schemas.openxmlformats.org/presentationml/2006/main" showMasterSp="0" showMasterPhAnim="0">
+  <p:cSld>
+    <p:spTree>
+      <p:nvGrpSpPr>
+        <p:cNvPr id="1" name="Shape 74"/>
+        <p:cNvGrpSpPr/>
+        <p:nvPr/>
+      </p:nvGrpSpPr>
+      <p:grpSpPr>
+        <a:xfrm>
+          <a:off x="0" y="0"/>
+          <a:ext cx="0" cy="0"/>
+          <a:chOff x="0" y="0"/>
+          <a:chExt cx="0" cy="0"/>
+        </a:xfrm>
+      </p:grpSpPr>
+      <p:sp>
+        <p:nvSpPr>
+          <p:cNvPr id="75" name="Google Shape;75;gac10fef634_0_20:notes"/>
+          <p:cNvSpPr>
+            <a:spLocks noGrp="1" noRot="1" noChangeAspect="1"/>
+          </p:cNvSpPr>
+          <p:nvPr>
+            <p:ph type="sldImg" idx="2"/>
+          </p:nvPr>
+        </p:nvSpPr>
+        <p:spPr>
+          <a:xfrm>
+            <a:off x="381000" y="685800"/>
+            <a:ext cx="6096000" cy="3429000"/>
+          </a:xfrm>
+          <a:custGeom>
+            <a:avLst/>
+            <a:gdLst/>
+            <a:ahLst/>
+            <a:cxnLst/>
+            <a:rect l="l" t="t" r="r" b="b"/>
+            <a:pathLst>
+              <a:path w="120000" h="120000" extrusionOk="0">
+                <a:moveTo>
+                  <a:pt x="0" y="0"/>
+                </a:moveTo>
+                <a:lnTo>
+                  <a:pt x="120000" y="0"/>
+                </a:lnTo>
+                <a:lnTo>
+                  <a:pt x="120000" y="120000"/>
+                </a:lnTo>
+                <a:lnTo>
+                  <a:pt x="0" y="120000"/>
+                </a:lnTo>
+                <a:close/>
+              </a:path>
+            </a:pathLst>
+          </a:custGeom>
+        </p:spPr>
+      </p:sp>
+      <p:sp>
+        <p:nvSpPr>
+          <p:cNvPr id="76" name="Google Shape;76;gac10fef634_0_20:notes"/>
+          <p:cNvSpPr txBox="1">
+            <a:spLocks noGrp="1"/>
+          </p:cNvSpPr>
+          <p:nvPr>
+            <p:ph type="body" idx="1"/>
+          </p:nvPr>
+        </p:nvSpPr>
+        <p:spPr>
+          <a:xfrm>
+            <a:off x="685800" y="4343400"/>
+            <a:ext cx="5486400" cy="4114800"/>
+          </a:xfrm>
+          <a:prstGeom prst="rect">
+            <a:avLst/>
+          </a:prstGeom>
+        </p:spPr>
+        <p:txBody>
+          <a:bodyPr spcFirstLastPara="1" wrap="square" lIns="91425" tIns="91425" rIns="91425" bIns="91425" anchor="t" anchorCtr="0">
+            <a:noAutofit/>
+          </a:bodyPr>
+          <a:lstStyle/>
+          <a:p>
+            <a:pPr marL="0" lvl="0" indent="0" algn="l" rtl="0">
+              <a:spcBef>
+                <a:spcPts val="0"/>
+              </a:spcBef>
+              <a:spcAft>
+                <a:spcPts val="0"/>
+              </a:spcAft>
+              <a:buNone/>
+            </a:pPr>
+            <a:endParaRPr/>
+          </a:p>
+        </p:txBody>
+      </p:sp>
+    </p:spTree>
+    <p:extLst>
+      <p:ext uri="{BB962C8B-B14F-4D97-AF65-F5344CB8AC3E}">
+        <p14:creationId xmlns:p14="http://schemas.microsoft.com/office/powerpoint/2010/main" val="992628370"/>
+      </p:ext>
+    </p:extLst>
+  </p:cSld>
+  <p:clrMapOvr>
+    <a:masterClrMapping/>
+  </p:clrMapOvr>
+</p:notes>
+</file>
+
+<file path=ppt/notesSlides/notesSlide13.xml><?xml version="1.0" encoding="utf-8"?>
+<p:notes xmlns:a="http://schemas.openxmlformats.org/drawingml/2006/main" xmlns:r="http://schemas.openxmlformats.org/officeDocument/2006/relationships" xmlns:p="http://schemas.openxmlformats.org/presentationml/2006/main" showMasterSp="0" showMasterPhAnim="0">
+  <p:cSld>
+    <p:spTree>
+      <p:nvGrpSpPr>
+        <p:cNvPr id="1" name="Shape 69"/>
+        <p:cNvGrpSpPr/>
+        <p:nvPr/>
+      </p:nvGrpSpPr>
+      <p:grpSpPr>
+        <a:xfrm>
+          <a:off x="0" y="0"/>
+          <a:ext cx="0" cy="0"/>
+          <a:chOff x="0" y="0"/>
+          <a:chExt cx="0" cy="0"/>
+        </a:xfrm>
+      </p:grpSpPr>
+      <p:sp>
+        <p:nvSpPr>
+          <p:cNvPr id="70" name="Google Shape;70;gac10fef634_0_16:notes"/>
+          <p:cNvSpPr>
+            <a:spLocks noGrp="1" noRot="1" noChangeAspect="1"/>
+          </p:cNvSpPr>
+          <p:nvPr>
+            <p:ph type="sldImg" idx="2"/>
+          </p:nvPr>
+        </p:nvSpPr>
+        <p:spPr>
+          <a:xfrm>
+            <a:off x="381000" y="685800"/>
+            <a:ext cx="6096000" cy="3429000"/>
+          </a:xfrm>
+          <a:custGeom>
+            <a:avLst/>
+            <a:gdLst/>
+            <a:ahLst/>
+            <a:cxnLst/>
+            <a:rect l="l" t="t" r="r" b="b"/>
+            <a:pathLst>
+              <a:path w="120000" h="120000" extrusionOk="0">
+                <a:moveTo>
+                  <a:pt x="0" y="0"/>
+                </a:moveTo>
+                <a:lnTo>
+                  <a:pt x="120000" y="0"/>
+                </a:lnTo>
+                <a:lnTo>
+                  <a:pt x="120000" y="120000"/>
+                </a:lnTo>
+                <a:lnTo>
+                  <a:pt x="0" y="120000"/>
+                </a:lnTo>
+                <a:close/>
+              </a:path>
+            </a:pathLst>
+          </a:custGeom>
+        </p:spPr>
+      </p:sp>
+      <p:sp>
+        <p:nvSpPr>
+          <p:cNvPr id="71" name="Google Shape;71;gac10fef634_0_16:notes"/>
+          <p:cNvSpPr txBox="1">
+            <a:spLocks noGrp="1"/>
+          </p:cNvSpPr>
+          <p:nvPr>
+            <p:ph type="body" idx="1"/>
+          </p:nvPr>
+        </p:nvSpPr>
+        <p:spPr>
+          <a:xfrm>
+            <a:off x="685800" y="4343400"/>
+            <a:ext cx="5486400" cy="4114800"/>
+          </a:xfrm>
+          <a:prstGeom prst="rect">
+            <a:avLst/>
+          </a:prstGeom>
+        </p:spPr>
+        <p:txBody>
+          <a:bodyPr spcFirstLastPara="1" wrap="square" lIns="91425" tIns="91425" rIns="91425" bIns="91425" anchor="t" anchorCtr="0">
+            <a:noAutofit/>
+          </a:bodyPr>
+          <a:lstStyle/>
+          <a:p>
+            <a:pPr marL="0" lvl="0" indent="0" algn="l" rtl="0">
+              <a:spcBef>
+                <a:spcPts val="0"/>
+              </a:spcBef>
+              <a:spcAft>
+                <a:spcPts val="0"/>
+              </a:spcAft>
+              <a:buNone/>
+            </a:pPr>
+            <a:endParaRPr/>
+          </a:p>
+        </p:txBody>
+      </p:sp>
+    </p:spTree>
+    <p:extLst>
+      <p:ext uri="{BB962C8B-B14F-4D97-AF65-F5344CB8AC3E}">
+        <p14:creationId xmlns:p14="http://schemas.microsoft.com/office/powerpoint/2010/main" val="110813422"/>
+      </p:ext>
+    </p:extLst>
+  </p:cSld>
+  <p:clrMapOvr>
+    <a:masterClrMapping/>
+  </p:clrMapOvr>
+</p:notes>
+</file>
+
+<file path=ppt/notesSlides/notesSlide14.xml><?xml version="1.0" encoding="utf-8"?>
+<p:notes xmlns:a="http://schemas.openxmlformats.org/drawingml/2006/main" xmlns:r="http://schemas.openxmlformats.org/officeDocument/2006/relationships" xmlns:p="http://schemas.openxmlformats.org/presentationml/2006/main" showMasterSp="0" showMasterPhAnim="0">
+  <p:cSld>
+    <p:spTree>
+      <p:nvGrpSpPr>
+        <p:cNvPr id="1" name="Shape 74"/>
+        <p:cNvGrpSpPr/>
+        <p:nvPr/>
+      </p:nvGrpSpPr>
+      <p:grpSpPr>
+        <a:xfrm>
+          <a:off x="0" y="0"/>
+          <a:ext cx="0" cy="0"/>
+          <a:chOff x="0" y="0"/>
+          <a:chExt cx="0" cy="0"/>
+        </a:xfrm>
+      </p:grpSpPr>
+      <p:sp>
+        <p:nvSpPr>
+          <p:cNvPr id="75" name="Google Shape;75;gac10fef634_0_20:notes"/>
+          <p:cNvSpPr>
+            <a:spLocks noGrp="1" noRot="1" noChangeAspect="1"/>
+          </p:cNvSpPr>
+          <p:nvPr>
+            <p:ph type="sldImg" idx="2"/>
+          </p:nvPr>
+        </p:nvSpPr>
+        <p:spPr>
+          <a:xfrm>
+            <a:off x="381000" y="685800"/>
+            <a:ext cx="6096000" cy="3429000"/>
+          </a:xfrm>
+          <a:custGeom>
+            <a:avLst/>
+            <a:gdLst/>
+            <a:ahLst/>
+            <a:cxnLst/>
+            <a:rect l="l" t="t" r="r" b="b"/>
+            <a:pathLst>
+              <a:path w="120000" h="120000" extrusionOk="0">
+                <a:moveTo>
+                  <a:pt x="0" y="0"/>
+                </a:moveTo>
+                <a:lnTo>
+                  <a:pt x="120000" y="0"/>
+                </a:lnTo>
+                <a:lnTo>
+                  <a:pt x="120000" y="120000"/>
+                </a:lnTo>
+                <a:lnTo>
+                  <a:pt x="0" y="120000"/>
+                </a:lnTo>
+                <a:close/>
+              </a:path>
+            </a:pathLst>
+          </a:custGeom>
+        </p:spPr>
+      </p:sp>
+      <p:sp>
+        <p:nvSpPr>
+          <p:cNvPr id="76" name="Google Shape;76;gac10fef634_0_20:notes"/>
+          <p:cNvSpPr txBox="1">
+            <a:spLocks noGrp="1"/>
+          </p:cNvSpPr>
+          <p:nvPr>
+            <p:ph type="body" idx="1"/>
+          </p:nvPr>
+        </p:nvSpPr>
+        <p:spPr>
+          <a:xfrm>
+            <a:off x="685800" y="4343400"/>
+            <a:ext cx="5486400" cy="4114800"/>
+          </a:xfrm>
+          <a:prstGeom prst="rect">
+            <a:avLst/>
+          </a:prstGeom>
+        </p:spPr>
+        <p:txBody>
+          <a:bodyPr spcFirstLastPara="1" wrap="square" lIns="91425" tIns="91425" rIns="91425" bIns="91425" anchor="t" anchorCtr="0">
+            <a:noAutofit/>
+          </a:bodyPr>
+          <a:lstStyle/>
+          <a:p>
+            <a:pPr marL="0" lvl="0" indent="0" algn="l" rtl="0">
+              <a:spcBef>
+                <a:spcPts val="0"/>
+              </a:spcBef>
+              <a:spcAft>
+                <a:spcPts val="0"/>
+              </a:spcAft>
+              <a:buNone/>
+            </a:pPr>
+            <a:endParaRPr/>
+          </a:p>
+        </p:txBody>
+      </p:sp>
+    </p:spTree>
+    <p:extLst>
+      <p:ext uri="{BB962C8B-B14F-4D97-AF65-F5344CB8AC3E}">
         <p14:creationId xmlns:p14="http://schemas.microsoft.com/office/powerpoint/2010/main" val="2633653212"/>
       </p:ext>
     </p:extLst>
@@ -962,7 +1612,7 @@
 </p:notes>
 </file>
 
-<file path=ppt/notesSlides/notesSlide11.xml><?xml version="1.0" encoding="utf-8"?>
+<file path=ppt/notesSlides/notesSlide15.xml><?xml version="1.0" encoding="utf-8"?>
 <p:notes xmlns:a="http://schemas.openxmlformats.org/drawingml/2006/main" xmlns:r="http://schemas.openxmlformats.org/officeDocument/2006/relationships" xmlns:p="http://schemas.openxmlformats.org/presentationml/2006/main" showMasterSp="0" showMasterPhAnim="0">
   <p:cSld>
     <p:spTree>
@@ -1087,7 +1737,7 @@
 </p:notes>
 </file>
 
-<file path=ppt/notesSlides/notesSlide12.xml><?xml version="1.0" encoding="utf-8"?>
+<file path=ppt/notesSlides/notesSlide16.xml><?xml version="1.0" encoding="utf-8"?>
 <p:notes xmlns:a="http://schemas.openxmlformats.org/drawingml/2006/main" xmlns:r="http://schemas.openxmlformats.org/officeDocument/2006/relationships" xmlns:p="http://schemas.openxmlformats.org/presentationml/2006/main" showMasterSp="0" showMasterPhAnim="0">
   <p:cSld>
     <p:spTree>
@@ -1968,7 +2618,7 @@
   <p:cSld>
     <p:spTree>
       <p:nvGrpSpPr>
-        <p:cNvPr id="1" name="Shape 69"/>
+        <p:cNvPr id="1" name="Shape 74"/>
         <p:cNvGrpSpPr/>
         <p:nvPr/>
       </p:nvGrpSpPr>
@@ -1982,7 +2632,7 @@
       </p:grpSpPr>
       <p:sp>
         <p:nvSpPr>
-          <p:cNvPr id="70" name="Google Shape;70;gac10fef634_0_16:notes"/>
+          <p:cNvPr id="75" name="Google Shape;75;gac10fef634_0_20:notes"/>
           <p:cNvSpPr>
             <a:spLocks noGrp="1" noRot="1" noChangeAspect="1"/>
           </p:cNvSpPr>
@@ -2023,7 +2673,7 @@
       </p:sp>
       <p:sp>
         <p:nvSpPr>
-          <p:cNvPr id="71" name="Google Shape;71;gac10fef634_0_16:notes"/>
+          <p:cNvPr id="76" name="Google Shape;76;gac10fef634_0_20:notes"/>
           <p:cNvSpPr txBox="1">
             <a:spLocks noGrp="1"/>
           </p:cNvSpPr>
@@ -2062,7 +2712,7 @@
     </p:spTree>
     <p:extLst>
       <p:ext uri="{BB962C8B-B14F-4D97-AF65-F5344CB8AC3E}">
-        <p14:creationId xmlns:p14="http://schemas.microsoft.com/office/powerpoint/2010/main" val="110813422"/>
+        <p14:creationId xmlns:p14="http://schemas.microsoft.com/office/powerpoint/2010/main" val="3753763043"/>
       </p:ext>
     </p:extLst>
   </p:cSld>
@@ -7132,6 +7782,1089 @@
             </a:pPr>
             <a:r>
               <a:rPr lang="en" dirty="0"/>
+              <a:t>Component 2 Version 3- Test Plan (and screenshot)</a:t>
+            </a:r>
+            <a:br>
+              <a:rPr lang="en" dirty="0"/>
+            </a:br>
+            <a:br>
+              <a:rPr lang="en" dirty="0"/>
+            </a:br>
+            <a:br>
+              <a:rPr lang="en" dirty="0"/>
+            </a:br>
+            <a:endParaRPr dirty="0"/>
+          </a:p>
+        </p:txBody>
+      </p:sp>
+      <p:graphicFrame>
+        <p:nvGraphicFramePr>
+          <p:cNvPr id="79" name="Google Shape;79;p17"/>
+          <p:cNvGraphicFramePr/>
+          <p:nvPr>
+            <p:extLst>
+              <p:ext uri="{D42A27DB-BD31-4B8C-83A1-F6EECF244321}">
+                <p14:modId xmlns:p14="http://schemas.microsoft.com/office/powerpoint/2010/main" val="38998393"/>
+              </p:ext>
+            </p:extLst>
+          </p:nvPr>
+        </p:nvGraphicFramePr>
+        <p:xfrm>
+          <a:off x="311700" y="3374134"/>
+          <a:ext cx="8520600" cy="1739774"/>
+        </p:xfrm>
+        <a:graphic>
+          <a:graphicData uri="http://schemas.openxmlformats.org/drawingml/2006/table">
+            <a:tbl>
+              <a:tblPr>
+                <a:noFill/>
+                <a:tableStyleId>{E1099E06-0E6B-448D-9D27-60429F06E6F4}</a:tableStyleId>
+              </a:tblPr>
+              <a:tblGrid>
+                <a:gridCol w="4260300">
+                  <a:extLst>
+                    <a:ext uri="{9D8B030D-6E8A-4147-A177-3AD203B41FA5}">
+                      <a16:colId xmlns:a16="http://schemas.microsoft.com/office/drawing/2014/main" val="20000"/>
+                    </a:ext>
+                  </a:extLst>
+                </a:gridCol>
+                <a:gridCol w="4260300">
+                  <a:extLst>
+                    <a:ext uri="{9D8B030D-6E8A-4147-A177-3AD203B41FA5}">
+                      <a16:colId xmlns:a16="http://schemas.microsoft.com/office/drawing/2014/main" val="20001"/>
+                    </a:ext>
+                  </a:extLst>
+                </a:gridCol>
+              </a:tblGrid>
+              <a:tr h="459644">
+                <a:tc>
+                  <a:txBody>
+                    <a:bodyPr/>
+                    <a:lstStyle/>
+                    <a:p>
+                      <a:pPr marL="0" lvl="0" indent="0" algn="l" rtl="0">
+                        <a:spcBef>
+                          <a:spcPts val="0"/>
+                        </a:spcBef>
+                        <a:spcAft>
+                          <a:spcPts val="0"/>
+                        </a:spcAft>
+                        <a:buNone/>
+                      </a:pPr>
+                      <a:r>
+                        <a:rPr lang="en" sz="1800" b="1" dirty="0"/>
+                        <a:t>Test Case</a:t>
+                      </a:r>
+                      <a:endParaRPr sz="1800" b="1" dirty="0"/>
+                    </a:p>
+                  </a:txBody>
+                  <a:tcPr marL="91425" marR="91425" marT="91425" marB="91425">
+                    <a:solidFill>
+                      <a:srgbClr val="CCCCCC"/>
+                    </a:solidFill>
+                  </a:tcPr>
+                </a:tc>
+                <a:tc>
+                  <a:txBody>
+                    <a:bodyPr/>
+                    <a:lstStyle/>
+                    <a:p>
+                      <a:pPr marL="0" lvl="0" indent="0" algn="l" rtl="0">
+                        <a:spcBef>
+                          <a:spcPts val="0"/>
+                        </a:spcBef>
+                        <a:spcAft>
+                          <a:spcPts val="0"/>
+                        </a:spcAft>
+                        <a:buNone/>
+                      </a:pPr>
+                      <a:r>
+                        <a:rPr lang="en" sz="1800" b="1"/>
+                        <a:t>Expected Values</a:t>
+                      </a:r>
+                      <a:endParaRPr sz="1800" b="1"/>
+                    </a:p>
+                  </a:txBody>
+                  <a:tcPr marL="91425" marR="91425" marT="91425" marB="91425">
+                    <a:solidFill>
+                      <a:srgbClr val="CCCCCC"/>
+                    </a:solidFill>
+                  </a:tcPr>
+                </a:tc>
+                <a:extLst>
+                  <a:ext uri="{0D108BD9-81ED-4DB2-BD59-A6C34878D82A}">
+                    <a16:rowId xmlns:a16="http://schemas.microsoft.com/office/drawing/2014/main" val="10000"/>
+                  </a:ext>
+                </a:extLst>
+              </a:tr>
+              <a:tr h="599650">
+                <a:tc>
+                  <a:txBody>
+                    <a:bodyPr/>
+                    <a:lstStyle/>
+                    <a:p>
+                      <a:pPr marL="0" lvl="0" indent="0" algn="l" rtl="0">
+                        <a:spcBef>
+                          <a:spcPts val="0"/>
+                        </a:spcBef>
+                        <a:spcAft>
+                          <a:spcPts val="0"/>
+                        </a:spcAft>
+                        <a:buNone/>
+                      </a:pPr>
+                      <a:r>
+                        <a:rPr lang="en-US" sz="1800" dirty="0"/>
+                        <a:t>Run Program</a:t>
+                      </a:r>
+                      <a:endParaRPr sz="1800" dirty="0"/>
+                    </a:p>
+                  </a:txBody>
+                  <a:tcPr marL="91425" marR="91425" marT="91425" marB="91425"/>
+                </a:tc>
+                <a:tc>
+                  <a:txBody>
+                    <a:bodyPr/>
+                    <a:lstStyle/>
+                    <a:p>
+                      <a:pPr marL="0" lvl="0" indent="0" algn="l" rtl="0">
+                        <a:spcBef>
+                          <a:spcPts val="0"/>
+                        </a:spcBef>
+                        <a:spcAft>
+                          <a:spcPts val="0"/>
+                        </a:spcAft>
+                        <a:buNone/>
+                      </a:pPr>
+                      <a:r>
+                        <a:rPr lang="en-US" sz="1800" dirty="0"/>
+                        <a:t>Enter 1 program prints pickup</a:t>
+                      </a:r>
+                    </a:p>
+                    <a:p>
+                      <a:pPr marL="0" lvl="0" indent="0" algn="l" rtl="0">
+                        <a:spcBef>
+                          <a:spcPts val="0"/>
+                        </a:spcBef>
+                        <a:spcAft>
+                          <a:spcPts val="0"/>
+                        </a:spcAft>
+                        <a:buNone/>
+                      </a:pPr>
+                      <a:r>
+                        <a:rPr lang="en-US" sz="1800" dirty="0"/>
+                        <a:t>Enter 2 program prints delivery</a:t>
+                      </a:r>
+                    </a:p>
+                    <a:p>
+                      <a:pPr marL="0" lvl="0" indent="0" algn="l" rtl="0">
+                        <a:spcBef>
+                          <a:spcPts val="0"/>
+                        </a:spcBef>
+                        <a:spcAft>
+                          <a:spcPts val="0"/>
+                        </a:spcAft>
+                        <a:buNone/>
+                      </a:pPr>
+                      <a:r>
+                        <a:rPr lang="en-US" sz="1800" dirty="0"/>
+                        <a:t>Enter invalid program displays value error</a:t>
+                      </a:r>
+                      <a:endParaRPr sz="1800" dirty="0"/>
+                    </a:p>
+                  </a:txBody>
+                  <a:tcPr marL="91425" marR="91425" marT="91425" marB="91425"/>
+                </a:tc>
+                <a:extLst>
+                  <a:ext uri="{0D108BD9-81ED-4DB2-BD59-A6C34878D82A}">
+                    <a16:rowId xmlns:a16="http://schemas.microsoft.com/office/drawing/2014/main" val="10001"/>
+                  </a:ext>
+                </a:extLst>
+              </a:tr>
+            </a:tbl>
+          </a:graphicData>
+        </a:graphic>
+      </p:graphicFrame>
+      <p:pic>
+        <p:nvPicPr>
+          <p:cNvPr id="4" name="Picture 3">
+            <a:extLst>
+              <a:ext uri="{FF2B5EF4-FFF2-40B4-BE49-F238E27FC236}">
+                <a16:creationId xmlns:a16="http://schemas.microsoft.com/office/drawing/2014/main" id="{D715C2D5-A9C7-417E-B0B9-D83A33B69945}"/>
+              </a:ext>
+            </a:extLst>
+          </p:cNvPr>
+          <p:cNvPicPr>
+            <a:picLocks noChangeAspect="1"/>
+          </p:cNvPicPr>
+          <p:nvPr/>
+        </p:nvPicPr>
+        <p:blipFill>
+          <a:blip r:embed="rId3"/>
+          <a:stretch>
+            <a:fillRect/>
+          </a:stretch>
+        </p:blipFill>
+        <p:spPr>
+          <a:xfrm>
+            <a:off x="2631304" y="1017725"/>
+            <a:ext cx="3563361" cy="2312758"/>
+          </a:xfrm>
+          <a:prstGeom prst="rect">
+            <a:avLst/>
+          </a:prstGeom>
+        </p:spPr>
+      </p:pic>
+    </p:spTree>
+    <p:extLst>
+      <p:ext uri="{BB962C8B-B14F-4D97-AF65-F5344CB8AC3E}">
+        <p14:creationId xmlns:p14="http://schemas.microsoft.com/office/powerpoint/2010/main" val="915654270"/>
+      </p:ext>
+    </p:extLst>
+  </p:cSld>
+  <p:clrMapOvr>
+    <a:masterClrMapping/>
+  </p:clrMapOvr>
+</p:sld>
+</file>
+
+<file path=ppt/slides/slide11.xml><?xml version="1.0" encoding="utf-8"?>
+<p:sld xmlns:a="http://schemas.openxmlformats.org/drawingml/2006/main" xmlns:r="http://schemas.openxmlformats.org/officeDocument/2006/relationships" xmlns:p="http://schemas.openxmlformats.org/presentationml/2006/main">
+  <p:cSld>
+    <p:spTree>
+      <p:nvGrpSpPr>
+        <p:cNvPr id="1" name="Shape 77"/>
+        <p:cNvGrpSpPr/>
+        <p:nvPr/>
+      </p:nvGrpSpPr>
+      <p:grpSpPr>
+        <a:xfrm>
+          <a:off x="0" y="0"/>
+          <a:ext cx="0" cy="0"/>
+          <a:chOff x="0" y="0"/>
+          <a:chExt cx="0" cy="0"/>
+        </a:xfrm>
+      </p:grpSpPr>
+      <p:sp>
+        <p:nvSpPr>
+          <p:cNvPr id="78" name="Google Shape;78;p17"/>
+          <p:cNvSpPr txBox="1">
+            <a:spLocks noGrp="1"/>
+          </p:cNvSpPr>
+          <p:nvPr>
+            <p:ph type="title"/>
+          </p:nvPr>
+        </p:nvSpPr>
+        <p:spPr>
+          <a:xfrm>
+            <a:off x="311700" y="445025"/>
+            <a:ext cx="8520600" cy="572700"/>
+          </a:xfrm>
+          <a:prstGeom prst="rect">
+            <a:avLst/>
+          </a:prstGeom>
+        </p:spPr>
+        <p:txBody>
+          <a:bodyPr spcFirstLastPara="1" wrap="square" lIns="91425" tIns="91425" rIns="91425" bIns="91425" anchor="t" anchorCtr="0">
+            <a:noAutofit/>
+          </a:bodyPr>
+          <a:lstStyle/>
+          <a:p>
+            <a:pPr marL="0" lvl="0" indent="0" algn="l" rtl="0">
+              <a:spcBef>
+                <a:spcPts val="0"/>
+              </a:spcBef>
+              <a:spcAft>
+                <a:spcPts val="0"/>
+              </a:spcAft>
+              <a:buNone/>
+            </a:pPr>
+            <a:r>
+              <a:rPr lang="en" dirty="0"/>
+              <a:t>Component 2 Version 4- Test Plan (and screenshot)</a:t>
+            </a:r>
+            <a:br>
+              <a:rPr lang="en" dirty="0"/>
+            </a:br>
+            <a:br>
+              <a:rPr lang="en" dirty="0"/>
+            </a:br>
+            <a:br>
+              <a:rPr lang="en" dirty="0"/>
+            </a:br>
+            <a:endParaRPr dirty="0"/>
+          </a:p>
+        </p:txBody>
+      </p:sp>
+      <p:graphicFrame>
+        <p:nvGraphicFramePr>
+          <p:cNvPr id="79" name="Google Shape;79;p17"/>
+          <p:cNvGraphicFramePr/>
+          <p:nvPr>
+            <p:extLst>
+              <p:ext uri="{D42A27DB-BD31-4B8C-83A1-F6EECF244321}">
+                <p14:modId xmlns:p14="http://schemas.microsoft.com/office/powerpoint/2010/main" val="4019270179"/>
+              </p:ext>
+            </p:extLst>
+          </p:nvPr>
+        </p:nvGraphicFramePr>
+        <p:xfrm>
+          <a:off x="139653" y="3187809"/>
+          <a:ext cx="8761180" cy="2020502"/>
+        </p:xfrm>
+        <a:graphic>
+          <a:graphicData uri="http://schemas.openxmlformats.org/drawingml/2006/table">
+            <a:tbl>
+              <a:tblPr>
+                <a:noFill/>
+                <a:tableStyleId>{E1099E06-0E6B-448D-9D27-60429F06E6F4}</a:tableStyleId>
+              </a:tblPr>
+              <a:tblGrid>
+                <a:gridCol w="4380590">
+                  <a:extLst>
+                    <a:ext uri="{9D8B030D-6E8A-4147-A177-3AD203B41FA5}">
+                      <a16:colId xmlns:a16="http://schemas.microsoft.com/office/drawing/2014/main" val="20000"/>
+                    </a:ext>
+                  </a:extLst>
+                </a:gridCol>
+                <a:gridCol w="4380590">
+                  <a:extLst>
+                    <a:ext uri="{9D8B030D-6E8A-4147-A177-3AD203B41FA5}">
+                      <a16:colId xmlns:a16="http://schemas.microsoft.com/office/drawing/2014/main" val="20001"/>
+                    </a:ext>
+                  </a:extLst>
+                </a:gridCol>
+              </a:tblGrid>
+              <a:tr h="461106">
+                <a:tc>
+                  <a:txBody>
+                    <a:bodyPr/>
+                    <a:lstStyle/>
+                    <a:p>
+                      <a:pPr marL="0" lvl="0" indent="0" algn="l" rtl="0">
+                        <a:spcBef>
+                          <a:spcPts val="0"/>
+                        </a:spcBef>
+                        <a:spcAft>
+                          <a:spcPts val="0"/>
+                        </a:spcAft>
+                        <a:buNone/>
+                      </a:pPr>
+                      <a:r>
+                        <a:rPr lang="en" sz="1800" b="1" dirty="0"/>
+                        <a:t>Test Case</a:t>
+                      </a:r>
+                      <a:endParaRPr sz="1800" b="1" dirty="0"/>
+                    </a:p>
+                  </a:txBody>
+                  <a:tcPr marL="91425" marR="91425" marT="91425" marB="91425">
+                    <a:solidFill>
+                      <a:srgbClr val="CCCCCC"/>
+                    </a:solidFill>
+                  </a:tcPr>
+                </a:tc>
+                <a:tc>
+                  <a:txBody>
+                    <a:bodyPr/>
+                    <a:lstStyle/>
+                    <a:p>
+                      <a:pPr marL="0" lvl="0" indent="0" algn="l" rtl="0">
+                        <a:spcBef>
+                          <a:spcPts val="0"/>
+                        </a:spcBef>
+                        <a:spcAft>
+                          <a:spcPts val="0"/>
+                        </a:spcAft>
+                        <a:buNone/>
+                      </a:pPr>
+                      <a:r>
+                        <a:rPr lang="en" sz="1800" b="1"/>
+                        <a:t>Expected Values</a:t>
+                      </a:r>
+                      <a:endParaRPr sz="1800" b="1"/>
+                    </a:p>
+                  </a:txBody>
+                  <a:tcPr marL="91425" marR="91425" marT="91425" marB="91425">
+                    <a:solidFill>
+                      <a:srgbClr val="CCCCCC"/>
+                    </a:solidFill>
+                  </a:tcPr>
+                </a:tc>
+                <a:extLst>
+                  <a:ext uri="{0D108BD9-81ED-4DB2-BD59-A6C34878D82A}">
+                    <a16:rowId xmlns:a16="http://schemas.microsoft.com/office/drawing/2014/main" val="10000"/>
+                  </a:ext>
+                </a:extLst>
+              </a:tr>
+              <a:tr h="1559396">
+                <a:tc>
+                  <a:txBody>
+                    <a:bodyPr/>
+                    <a:lstStyle/>
+                    <a:p>
+                      <a:pPr marL="0" lvl="0" indent="0" algn="l" rtl="0">
+                        <a:spcBef>
+                          <a:spcPts val="0"/>
+                        </a:spcBef>
+                        <a:spcAft>
+                          <a:spcPts val="0"/>
+                        </a:spcAft>
+                        <a:buNone/>
+                      </a:pPr>
+                      <a:r>
+                        <a:rPr lang="en-US" sz="1800" dirty="0"/>
+                        <a:t>Run Program</a:t>
+                      </a:r>
+                      <a:endParaRPr sz="1800" dirty="0"/>
+                    </a:p>
+                  </a:txBody>
+                  <a:tcPr marL="91425" marR="91425" marT="91425" marB="91425"/>
+                </a:tc>
+                <a:tc>
+                  <a:txBody>
+                    <a:bodyPr/>
+                    <a:lstStyle/>
+                    <a:p>
+                      <a:pPr marL="0" lvl="0" indent="0" algn="l" rtl="0">
+                        <a:spcBef>
+                          <a:spcPts val="0"/>
+                        </a:spcBef>
+                        <a:spcAft>
+                          <a:spcPts val="0"/>
+                        </a:spcAft>
+                        <a:buNone/>
+                      </a:pPr>
+                      <a:r>
+                        <a:rPr lang="en-US" sz="1800" dirty="0"/>
+                        <a:t>Enter 1 program prints pickup</a:t>
+                      </a:r>
+                    </a:p>
+                    <a:p>
+                      <a:pPr marL="0" lvl="0" indent="0" algn="l" rtl="0">
+                        <a:spcBef>
+                          <a:spcPts val="0"/>
+                        </a:spcBef>
+                        <a:spcAft>
+                          <a:spcPts val="0"/>
+                        </a:spcAft>
+                        <a:buNone/>
+                      </a:pPr>
+                      <a:r>
+                        <a:rPr lang="en-US" sz="1800" dirty="0"/>
+                        <a:t>Enter 2 program prints delivery</a:t>
+                      </a:r>
+                    </a:p>
+                    <a:p>
+                      <a:pPr marL="0" lvl="0" indent="0" algn="l" rtl="0">
+                        <a:spcBef>
+                          <a:spcPts val="0"/>
+                        </a:spcBef>
+                        <a:spcAft>
+                          <a:spcPts val="0"/>
+                        </a:spcAft>
+                        <a:buNone/>
+                      </a:pPr>
+                      <a:r>
+                        <a:rPr lang="en-US" sz="1800" dirty="0"/>
+                        <a:t>Enter invalid prints error message</a:t>
+                      </a:r>
+                    </a:p>
+                    <a:p>
+                      <a:pPr marL="0" lvl="0" indent="0" algn="l" rtl="0">
+                        <a:spcBef>
+                          <a:spcPts val="0"/>
+                        </a:spcBef>
+                        <a:spcAft>
+                          <a:spcPts val="0"/>
+                        </a:spcAft>
+                        <a:buNone/>
+                      </a:pPr>
+                      <a:r>
+                        <a:rPr lang="en-US" sz="1800" dirty="0"/>
+                        <a:t>Enter number other than 1 or 2 does not work</a:t>
+                      </a:r>
+                      <a:endParaRPr sz="1800" dirty="0"/>
+                    </a:p>
+                  </a:txBody>
+                  <a:tcPr marL="91425" marR="91425" marT="91425" marB="91425"/>
+                </a:tc>
+                <a:extLst>
+                  <a:ext uri="{0D108BD9-81ED-4DB2-BD59-A6C34878D82A}">
+                    <a16:rowId xmlns:a16="http://schemas.microsoft.com/office/drawing/2014/main" val="10001"/>
+                  </a:ext>
+                </a:extLst>
+              </a:tr>
+            </a:tbl>
+          </a:graphicData>
+        </a:graphic>
+      </p:graphicFrame>
+      <p:pic>
+        <p:nvPicPr>
+          <p:cNvPr id="3" name="Picture 2">
+            <a:extLst>
+              <a:ext uri="{FF2B5EF4-FFF2-40B4-BE49-F238E27FC236}">
+                <a16:creationId xmlns:a16="http://schemas.microsoft.com/office/drawing/2014/main" id="{B47EF7A9-ED1F-43E3-9EB9-EF94F75EBFC1}"/>
+              </a:ext>
+            </a:extLst>
+          </p:cNvPr>
+          <p:cNvPicPr>
+            <a:picLocks noChangeAspect="1"/>
+          </p:cNvPicPr>
+          <p:nvPr/>
+        </p:nvPicPr>
+        <p:blipFill>
+          <a:blip r:embed="rId3"/>
+          <a:stretch>
+            <a:fillRect/>
+          </a:stretch>
+        </p:blipFill>
+        <p:spPr>
+          <a:xfrm>
+            <a:off x="938430" y="1017725"/>
+            <a:ext cx="2129890" cy="2136873"/>
+          </a:xfrm>
+          <a:prstGeom prst="rect">
+            <a:avLst/>
+          </a:prstGeom>
+        </p:spPr>
+      </p:pic>
+      <p:pic>
+        <p:nvPicPr>
+          <p:cNvPr id="6" name="Picture 5">
+            <a:extLst>
+              <a:ext uri="{FF2B5EF4-FFF2-40B4-BE49-F238E27FC236}">
+                <a16:creationId xmlns:a16="http://schemas.microsoft.com/office/drawing/2014/main" id="{E22997C6-8C5A-49F0-987C-7F8805660161}"/>
+              </a:ext>
+            </a:extLst>
+          </p:cNvPr>
+          <p:cNvPicPr>
+            <a:picLocks noChangeAspect="1"/>
+          </p:cNvPicPr>
+          <p:nvPr/>
+        </p:nvPicPr>
+        <p:blipFill>
+          <a:blip r:embed="rId4"/>
+          <a:stretch>
+            <a:fillRect/>
+          </a:stretch>
+        </p:blipFill>
+        <p:spPr>
+          <a:xfrm>
+            <a:off x="4444067" y="1488811"/>
+            <a:ext cx="4208543" cy="1562941"/>
+          </a:xfrm>
+          <a:prstGeom prst="rect">
+            <a:avLst/>
+          </a:prstGeom>
+        </p:spPr>
+      </p:pic>
+    </p:spTree>
+    <p:extLst>
+      <p:ext uri="{BB962C8B-B14F-4D97-AF65-F5344CB8AC3E}">
+        <p14:creationId xmlns:p14="http://schemas.microsoft.com/office/powerpoint/2010/main" val="2498283300"/>
+      </p:ext>
+    </p:extLst>
+  </p:cSld>
+  <p:clrMapOvr>
+    <a:masterClrMapping/>
+  </p:clrMapOvr>
+</p:sld>
+</file>
+
+<file path=ppt/slides/slide12.xml><?xml version="1.0" encoding="utf-8"?>
+<p:sld xmlns:a="http://schemas.openxmlformats.org/drawingml/2006/main" xmlns:r="http://schemas.openxmlformats.org/officeDocument/2006/relationships" xmlns:p="http://schemas.openxmlformats.org/presentationml/2006/main">
+  <p:cSld>
+    <p:spTree>
+      <p:nvGrpSpPr>
+        <p:cNvPr id="1" name="Shape 77"/>
+        <p:cNvGrpSpPr/>
+        <p:nvPr/>
+      </p:nvGrpSpPr>
+      <p:grpSpPr>
+        <a:xfrm>
+          <a:off x="0" y="0"/>
+          <a:ext cx="0" cy="0"/>
+          <a:chOff x="0" y="0"/>
+          <a:chExt cx="0" cy="0"/>
+        </a:xfrm>
+      </p:grpSpPr>
+      <p:sp>
+        <p:nvSpPr>
+          <p:cNvPr id="78" name="Google Shape;78;p17"/>
+          <p:cNvSpPr txBox="1">
+            <a:spLocks noGrp="1"/>
+          </p:cNvSpPr>
+          <p:nvPr>
+            <p:ph type="title"/>
+          </p:nvPr>
+        </p:nvSpPr>
+        <p:spPr>
+          <a:xfrm>
+            <a:off x="311700" y="445025"/>
+            <a:ext cx="8520600" cy="572700"/>
+          </a:xfrm>
+          <a:prstGeom prst="rect">
+            <a:avLst/>
+          </a:prstGeom>
+        </p:spPr>
+        <p:txBody>
+          <a:bodyPr spcFirstLastPara="1" wrap="square" lIns="91425" tIns="91425" rIns="91425" bIns="91425" anchor="t" anchorCtr="0">
+            <a:noAutofit/>
+          </a:bodyPr>
+          <a:lstStyle/>
+          <a:p>
+            <a:pPr marL="0" lvl="0" indent="0" algn="l" rtl="0">
+              <a:spcBef>
+                <a:spcPts val="0"/>
+              </a:spcBef>
+              <a:spcAft>
+                <a:spcPts val="0"/>
+              </a:spcAft>
+              <a:buNone/>
+            </a:pPr>
+            <a:r>
+              <a:rPr lang="en" dirty="0"/>
+              <a:t>Component 2 Version 5- Test Plan (and screenshot)</a:t>
+            </a:r>
+            <a:br>
+              <a:rPr lang="en" dirty="0"/>
+            </a:br>
+            <a:br>
+              <a:rPr lang="en" dirty="0"/>
+            </a:br>
+            <a:br>
+              <a:rPr lang="en" dirty="0"/>
+            </a:br>
+            <a:endParaRPr dirty="0"/>
+          </a:p>
+        </p:txBody>
+      </p:sp>
+      <p:graphicFrame>
+        <p:nvGraphicFramePr>
+          <p:cNvPr id="79" name="Google Shape;79;p17"/>
+          <p:cNvGraphicFramePr/>
+          <p:nvPr>
+            <p:extLst>
+              <p:ext uri="{D42A27DB-BD31-4B8C-83A1-F6EECF244321}">
+                <p14:modId xmlns:p14="http://schemas.microsoft.com/office/powerpoint/2010/main" val="3711871770"/>
+              </p:ext>
+            </p:extLst>
+          </p:nvPr>
+        </p:nvGraphicFramePr>
+        <p:xfrm>
+          <a:off x="139653" y="3187809"/>
+          <a:ext cx="8761180" cy="2137476"/>
+        </p:xfrm>
+        <a:graphic>
+          <a:graphicData uri="http://schemas.openxmlformats.org/drawingml/2006/table">
+            <a:tbl>
+              <a:tblPr>
+                <a:noFill/>
+                <a:tableStyleId>{E1099E06-0E6B-448D-9D27-60429F06E6F4}</a:tableStyleId>
+              </a:tblPr>
+              <a:tblGrid>
+                <a:gridCol w="4380590">
+                  <a:extLst>
+                    <a:ext uri="{9D8B030D-6E8A-4147-A177-3AD203B41FA5}">
+                      <a16:colId xmlns:a16="http://schemas.microsoft.com/office/drawing/2014/main" val="20000"/>
+                    </a:ext>
+                  </a:extLst>
+                </a:gridCol>
+                <a:gridCol w="4380590">
+                  <a:extLst>
+                    <a:ext uri="{9D8B030D-6E8A-4147-A177-3AD203B41FA5}">
+                      <a16:colId xmlns:a16="http://schemas.microsoft.com/office/drawing/2014/main" val="20001"/>
+                    </a:ext>
+                  </a:extLst>
+                </a:gridCol>
+              </a:tblGrid>
+              <a:tr h="461106">
+                <a:tc>
+                  <a:txBody>
+                    <a:bodyPr/>
+                    <a:lstStyle/>
+                    <a:p>
+                      <a:pPr marL="0" lvl="0" indent="0" algn="l" rtl="0">
+                        <a:spcBef>
+                          <a:spcPts val="0"/>
+                        </a:spcBef>
+                        <a:spcAft>
+                          <a:spcPts val="0"/>
+                        </a:spcAft>
+                        <a:buNone/>
+                      </a:pPr>
+                      <a:r>
+                        <a:rPr lang="en" sz="1800" b="1" dirty="0"/>
+                        <a:t>Test Case</a:t>
+                      </a:r>
+                      <a:endParaRPr sz="1800" b="1" dirty="0"/>
+                    </a:p>
+                  </a:txBody>
+                  <a:tcPr marL="91425" marR="91425" marT="91425" marB="91425">
+                    <a:solidFill>
+                      <a:srgbClr val="CCCCCC"/>
+                    </a:solidFill>
+                  </a:tcPr>
+                </a:tc>
+                <a:tc>
+                  <a:txBody>
+                    <a:bodyPr/>
+                    <a:lstStyle/>
+                    <a:p>
+                      <a:pPr marL="0" lvl="0" indent="0" algn="l" rtl="0">
+                        <a:spcBef>
+                          <a:spcPts val="0"/>
+                        </a:spcBef>
+                        <a:spcAft>
+                          <a:spcPts val="0"/>
+                        </a:spcAft>
+                        <a:buNone/>
+                      </a:pPr>
+                      <a:r>
+                        <a:rPr lang="en" sz="1800" b="1"/>
+                        <a:t>Expected Values</a:t>
+                      </a:r>
+                      <a:endParaRPr sz="1800" b="1"/>
+                    </a:p>
+                  </a:txBody>
+                  <a:tcPr marL="91425" marR="91425" marT="91425" marB="91425">
+                    <a:solidFill>
+                      <a:srgbClr val="CCCCCC"/>
+                    </a:solidFill>
+                  </a:tcPr>
+                </a:tc>
+                <a:extLst>
+                  <a:ext uri="{0D108BD9-81ED-4DB2-BD59-A6C34878D82A}">
+                    <a16:rowId xmlns:a16="http://schemas.microsoft.com/office/drawing/2014/main" val="10000"/>
+                  </a:ext>
+                </a:extLst>
+              </a:tr>
+              <a:tr h="1559396">
+                <a:tc>
+                  <a:txBody>
+                    <a:bodyPr/>
+                    <a:lstStyle/>
+                    <a:p>
+                      <a:pPr marL="0" lvl="0" indent="0" algn="l" rtl="0">
+                        <a:spcBef>
+                          <a:spcPts val="0"/>
+                        </a:spcBef>
+                        <a:spcAft>
+                          <a:spcPts val="0"/>
+                        </a:spcAft>
+                        <a:buNone/>
+                      </a:pPr>
+                      <a:r>
+                        <a:rPr lang="en-US" sz="1800" dirty="0"/>
+                        <a:t>Run Program</a:t>
+                      </a:r>
+                      <a:endParaRPr sz="1800" dirty="0"/>
+                    </a:p>
+                  </a:txBody>
+                  <a:tcPr marL="91425" marR="91425" marT="91425" marB="91425"/>
+                </a:tc>
+                <a:tc>
+                  <a:txBody>
+                    <a:bodyPr/>
+                    <a:lstStyle/>
+                    <a:p>
+                      <a:pPr marL="0" lvl="0" indent="0" algn="l" rtl="0">
+                        <a:spcBef>
+                          <a:spcPts val="0"/>
+                        </a:spcBef>
+                        <a:spcAft>
+                          <a:spcPts val="0"/>
+                        </a:spcAft>
+                        <a:buNone/>
+                      </a:pPr>
+                      <a:r>
+                        <a:rPr lang="en-US" sz="1400" dirty="0"/>
+                        <a:t>Enter 1 program prints pickup</a:t>
+                      </a:r>
+                    </a:p>
+                    <a:p>
+                      <a:pPr marL="0" lvl="0" indent="0" algn="l" rtl="0">
+                        <a:spcBef>
+                          <a:spcPts val="0"/>
+                        </a:spcBef>
+                        <a:spcAft>
+                          <a:spcPts val="0"/>
+                        </a:spcAft>
+                        <a:buNone/>
+                      </a:pPr>
+                      <a:r>
+                        <a:rPr lang="en-US" sz="1400" dirty="0"/>
+                        <a:t>Enter 2 program prints delivery</a:t>
+                      </a:r>
+                    </a:p>
+                    <a:p>
+                      <a:pPr marL="0" lvl="0" indent="0" algn="l" rtl="0">
+                        <a:spcBef>
+                          <a:spcPts val="0"/>
+                        </a:spcBef>
+                        <a:spcAft>
+                          <a:spcPts val="0"/>
+                        </a:spcAft>
+                        <a:buNone/>
+                      </a:pPr>
+                      <a:r>
+                        <a:rPr lang="en-US" sz="1400" dirty="0"/>
+                        <a:t>Enter invalid entry - error message asks for input again</a:t>
+                      </a:r>
+                    </a:p>
+                    <a:p>
+                      <a:pPr marL="0" lvl="0" indent="0" algn="l" rtl="0">
+                        <a:spcBef>
+                          <a:spcPts val="0"/>
+                        </a:spcBef>
+                        <a:spcAft>
+                          <a:spcPts val="0"/>
+                        </a:spcAft>
+                        <a:buNone/>
+                      </a:pPr>
+                      <a:r>
+                        <a:rPr lang="en-US" sz="1400" dirty="0"/>
+                        <a:t>Enter number other than 1 or 2 – error message asks </a:t>
+                      </a:r>
+                      <a:r>
+                        <a:rPr lang="en-US" sz="1400"/>
+                        <a:t>for entry again</a:t>
+                      </a:r>
+                      <a:endParaRPr lang="en-US" sz="1400" dirty="0"/>
+                    </a:p>
+                    <a:p>
+                      <a:pPr marL="0" lvl="0" indent="0" algn="l" rtl="0">
+                        <a:spcBef>
+                          <a:spcPts val="0"/>
+                        </a:spcBef>
+                        <a:spcAft>
+                          <a:spcPts val="0"/>
+                        </a:spcAft>
+                        <a:buNone/>
+                      </a:pPr>
+                      <a:endParaRPr sz="1400" dirty="0"/>
+                    </a:p>
+                  </a:txBody>
+                  <a:tcPr marL="91425" marR="91425" marT="91425" marB="91425"/>
+                </a:tc>
+                <a:extLst>
+                  <a:ext uri="{0D108BD9-81ED-4DB2-BD59-A6C34878D82A}">
+                    <a16:rowId xmlns:a16="http://schemas.microsoft.com/office/drawing/2014/main" val="10001"/>
+                  </a:ext>
+                </a:extLst>
+              </a:tr>
+            </a:tbl>
+          </a:graphicData>
+        </a:graphic>
+      </p:graphicFrame>
+      <p:pic>
+        <p:nvPicPr>
+          <p:cNvPr id="4" name="Picture 3">
+            <a:extLst>
+              <a:ext uri="{FF2B5EF4-FFF2-40B4-BE49-F238E27FC236}">
+                <a16:creationId xmlns:a16="http://schemas.microsoft.com/office/drawing/2014/main" id="{2EC09E12-9159-4DE3-B017-1544CF7D8A08}"/>
+              </a:ext>
+            </a:extLst>
+          </p:cNvPr>
+          <p:cNvPicPr>
+            <a:picLocks noChangeAspect="1"/>
+          </p:cNvPicPr>
+          <p:nvPr/>
+        </p:nvPicPr>
+        <p:blipFill>
+          <a:blip r:embed="rId3"/>
+          <a:stretch>
+            <a:fillRect/>
+          </a:stretch>
+        </p:blipFill>
+        <p:spPr>
+          <a:xfrm>
+            <a:off x="611394" y="1034090"/>
+            <a:ext cx="2131806" cy="2153719"/>
+          </a:xfrm>
+          <a:prstGeom prst="rect">
+            <a:avLst/>
+          </a:prstGeom>
+        </p:spPr>
+      </p:pic>
+      <p:pic>
+        <p:nvPicPr>
+          <p:cNvPr id="7" name="Picture 6">
+            <a:extLst>
+              <a:ext uri="{FF2B5EF4-FFF2-40B4-BE49-F238E27FC236}">
+                <a16:creationId xmlns:a16="http://schemas.microsoft.com/office/drawing/2014/main" id="{7E3538B1-C44A-4CF8-90B9-DBA4D9E15D22}"/>
+              </a:ext>
+            </a:extLst>
+          </p:cNvPr>
+          <p:cNvPicPr>
+            <a:picLocks noChangeAspect="1"/>
+          </p:cNvPicPr>
+          <p:nvPr/>
+        </p:nvPicPr>
+        <p:blipFill>
+          <a:blip r:embed="rId4"/>
+          <a:stretch>
+            <a:fillRect/>
+          </a:stretch>
+        </p:blipFill>
+        <p:spPr>
+          <a:xfrm>
+            <a:off x="4520243" y="1025907"/>
+            <a:ext cx="3333240" cy="2153719"/>
+          </a:xfrm>
+          <a:prstGeom prst="rect">
+            <a:avLst/>
+          </a:prstGeom>
+        </p:spPr>
+      </p:pic>
+    </p:spTree>
+    <p:extLst>
+      <p:ext uri="{BB962C8B-B14F-4D97-AF65-F5344CB8AC3E}">
+        <p14:creationId xmlns:p14="http://schemas.microsoft.com/office/powerpoint/2010/main" val="2271076922"/>
+      </p:ext>
+    </p:extLst>
+  </p:cSld>
+  <p:clrMapOvr>
+    <a:masterClrMapping/>
+  </p:clrMapOvr>
+</p:sld>
+</file>
+
+<file path=ppt/slides/slide13.xml><?xml version="1.0" encoding="utf-8"?>
+<p:sld xmlns:a="http://schemas.openxmlformats.org/drawingml/2006/main" xmlns:r="http://schemas.openxmlformats.org/officeDocument/2006/relationships" xmlns:p="http://schemas.openxmlformats.org/presentationml/2006/main">
+  <p:cSld>
+    <p:bg>
+      <p:bgPr>
+        <a:solidFill>
+          <a:srgbClr val="D9EAD3"/>
+        </a:solidFill>
+        <a:effectLst/>
+      </p:bgPr>
+    </p:bg>
+    <p:spTree>
+      <p:nvGrpSpPr>
+        <p:cNvPr id="1" name="Shape 72"/>
+        <p:cNvGrpSpPr/>
+        <p:nvPr/>
+      </p:nvGrpSpPr>
+      <p:grpSpPr>
+        <a:xfrm>
+          <a:off x="0" y="0"/>
+          <a:ext cx="0" cy="0"/>
+          <a:chOff x="0" y="0"/>
+          <a:chExt cx="0" cy="0"/>
+        </a:xfrm>
+      </p:grpSpPr>
+      <p:sp>
+        <p:nvSpPr>
+          <p:cNvPr id="73" name="Google Shape;73;p16"/>
+          <p:cNvSpPr txBox="1">
+            <a:spLocks noGrp="1"/>
+          </p:cNvSpPr>
+          <p:nvPr>
+            <p:ph type="title"/>
+          </p:nvPr>
+        </p:nvSpPr>
+        <p:spPr>
+          <a:xfrm>
+            <a:off x="311700" y="445025"/>
+            <a:ext cx="8520600" cy="572700"/>
+          </a:xfrm>
+          <a:prstGeom prst="rect">
+            <a:avLst/>
+          </a:prstGeom>
+        </p:spPr>
+        <p:txBody>
+          <a:bodyPr spcFirstLastPara="1" wrap="square" lIns="91425" tIns="91425" rIns="91425" bIns="91425" anchor="t" anchorCtr="0">
+            <a:noAutofit/>
+          </a:bodyPr>
+          <a:lstStyle/>
+          <a:p>
+            <a:pPr marL="0" lvl="0" indent="0" algn="l" rtl="0">
+              <a:spcBef>
+                <a:spcPts val="0"/>
+              </a:spcBef>
+              <a:spcAft>
+                <a:spcPts val="0"/>
+              </a:spcAft>
+              <a:buNone/>
+            </a:pPr>
+            <a:r>
+              <a:rPr lang="en" dirty="0"/>
+              <a:t>Component 2 (Trello screenshot)</a:t>
+            </a:r>
+            <a:br>
+              <a:rPr lang="en" dirty="0"/>
+            </a:br>
+            <a:endParaRPr dirty="0"/>
+          </a:p>
+        </p:txBody>
+      </p:sp>
+    </p:spTree>
+    <p:extLst>
+      <p:ext uri="{BB962C8B-B14F-4D97-AF65-F5344CB8AC3E}">
+        <p14:creationId xmlns:p14="http://schemas.microsoft.com/office/powerpoint/2010/main" val="842877212"/>
+      </p:ext>
+    </p:extLst>
+  </p:cSld>
+  <p:clrMapOvr>
+    <a:masterClrMapping/>
+  </p:clrMapOvr>
+</p:sld>
+</file>
+
+<file path=ppt/slides/slide14.xml><?xml version="1.0" encoding="utf-8"?>
+<p:sld xmlns:a="http://schemas.openxmlformats.org/drawingml/2006/main" xmlns:r="http://schemas.openxmlformats.org/officeDocument/2006/relationships" xmlns:p="http://schemas.openxmlformats.org/presentationml/2006/main">
+  <p:cSld>
+    <p:spTree>
+      <p:nvGrpSpPr>
+        <p:cNvPr id="1" name="Shape 77"/>
+        <p:cNvGrpSpPr/>
+        <p:nvPr/>
+      </p:nvGrpSpPr>
+      <p:grpSpPr>
+        <a:xfrm>
+          <a:off x="0" y="0"/>
+          <a:ext cx="0" cy="0"/>
+          <a:chOff x="0" y="0"/>
+          <a:chExt cx="0" cy="0"/>
+        </a:xfrm>
+      </p:grpSpPr>
+      <p:sp>
+        <p:nvSpPr>
+          <p:cNvPr id="78" name="Google Shape;78;p17"/>
+          <p:cNvSpPr txBox="1">
+            <a:spLocks noGrp="1"/>
+          </p:cNvSpPr>
+          <p:nvPr>
+            <p:ph type="title"/>
+          </p:nvPr>
+        </p:nvSpPr>
+        <p:spPr>
+          <a:xfrm>
+            <a:off x="311700" y="445025"/>
+            <a:ext cx="8520600" cy="572700"/>
+          </a:xfrm>
+          <a:prstGeom prst="rect">
+            <a:avLst/>
+          </a:prstGeom>
+        </p:spPr>
+        <p:txBody>
+          <a:bodyPr spcFirstLastPara="1" wrap="square" lIns="91425" tIns="91425" rIns="91425" bIns="91425" anchor="t" anchorCtr="0">
+            <a:noAutofit/>
+          </a:bodyPr>
+          <a:lstStyle/>
+          <a:p>
+            <a:pPr marL="0" lvl="0" indent="0" algn="l" rtl="0">
+              <a:spcBef>
+                <a:spcPts val="0"/>
+              </a:spcBef>
+              <a:spcAft>
+                <a:spcPts val="0"/>
+              </a:spcAft>
+              <a:buNone/>
+            </a:pPr>
+            <a:r>
+              <a:rPr lang="en" dirty="0"/>
               <a:t>Component 2 - Test Plan (?and screenshot)</a:t>
             </a:r>
             <a:br>
@@ -7419,7 +9152,7 @@
 </p:sld>
 </file>
 
-<file path=ppt/slides/slide11.xml><?xml version="1.0" encoding="utf-8"?>
+<file path=ppt/slides/slide15.xml><?xml version="1.0" encoding="utf-8"?>
 <p:sld xmlns:a="http://schemas.openxmlformats.org/drawingml/2006/main" xmlns:r="http://schemas.openxmlformats.org/officeDocument/2006/relationships" xmlns:p="http://schemas.openxmlformats.org/presentationml/2006/main">
   <p:cSld>
     <p:bg>
@@ -7536,7 +9269,7 @@
 </p:sld>
 </file>
 
-<file path=ppt/slides/slide12.xml><?xml version="1.0" encoding="utf-8"?>
+<file path=ppt/slides/slide16.xml><?xml version="1.0" encoding="utf-8"?>
 <p:sld xmlns:a="http://schemas.openxmlformats.org/drawingml/2006/main" xmlns:r="http://schemas.openxmlformats.org/officeDocument/2006/relationships" xmlns:p="http://schemas.openxmlformats.org/presentationml/2006/main">
   <p:cSld>
     <p:bg>
@@ -8736,6 +10469,36 @@
           </a:p>
         </p:txBody>
       </p:sp>
+      <p:pic>
+        <p:nvPicPr>
+          <p:cNvPr id="3" name="Picture 2">
+            <a:extLst>
+              <a:ext uri="{FF2B5EF4-FFF2-40B4-BE49-F238E27FC236}">
+                <a16:creationId xmlns:a16="http://schemas.microsoft.com/office/drawing/2014/main" id="{51D58C3A-4BBB-4C8C-9BB6-C122C8D486BE}"/>
+              </a:ext>
+            </a:extLst>
+          </p:cNvPr>
+          <p:cNvPicPr>
+            <a:picLocks noChangeAspect="1"/>
+          </p:cNvPicPr>
+          <p:nvPr/>
+        </p:nvPicPr>
+        <p:blipFill>
+          <a:blip r:embed="rId3"/>
+          <a:stretch>
+            <a:fillRect/>
+          </a:stretch>
+        </p:blipFill>
+        <p:spPr>
+          <a:xfrm>
+            <a:off x="228377" y="1457267"/>
+            <a:ext cx="8687246" cy="2228965"/>
+          </a:xfrm>
+          <a:prstGeom prst="rect">
+            <a:avLst/>
+          </a:prstGeom>
+        </p:spPr>
+      </p:pic>
     </p:spTree>
     <p:extLst>
       <p:ext uri="{BB962C8B-B14F-4D97-AF65-F5344CB8AC3E}">
@@ -9054,17 +10817,9 @@
 <file path=ppt/slides/slide9.xml><?xml version="1.0" encoding="utf-8"?>
 <p:sld xmlns:a="http://schemas.openxmlformats.org/drawingml/2006/main" xmlns:r="http://schemas.openxmlformats.org/officeDocument/2006/relationships" xmlns:p="http://schemas.openxmlformats.org/presentationml/2006/main">
   <p:cSld>
-    <p:bg>
-      <p:bgPr>
-        <a:solidFill>
-          <a:srgbClr val="D9EAD3"/>
-        </a:solidFill>
-        <a:effectLst/>
-      </p:bgPr>
-    </p:bg>
     <p:spTree>
       <p:nvGrpSpPr>
-        <p:cNvPr id="1" name="Shape 72"/>
+        <p:cNvPr id="1" name="Shape 77"/>
         <p:cNvGrpSpPr/>
         <p:nvPr/>
       </p:nvGrpSpPr>
@@ -9078,7 +10833,7 @@
       </p:grpSpPr>
       <p:sp>
         <p:nvSpPr>
-          <p:cNvPr id="73" name="Google Shape;73;p16"/>
+          <p:cNvPr id="78" name="Google Shape;78;p17"/>
           <p:cNvSpPr txBox="1">
             <a:spLocks noGrp="1"/>
           </p:cNvSpPr>
@@ -9112,8 +10867,14 @@
             </a:pPr>
             <a:r>
               <a:rPr lang="en" dirty="0"/>
-              <a:t>Component 2 (Trello screenshot)</a:t>
+              <a:t>Component 2 Version 2- Test Plan (and screenshot)</a:t>
             </a:r>
+            <a:br>
+              <a:rPr lang="en" dirty="0"/>
+            </a:br>
+            <a:br>
+              <a:rPr lang="en" dirty="0"/>
+            </a:br>
             <a:br>
               <a:rPr lang="en" dirty="0"/>
             </a:br>
@@ -9121,12 +10882,199 @@
           </a:p>
         </p:txBody>
       </p:sp>
+      <p:graphicFrame>
+        <p:nvGraphicFramePr>
+          <p:cNvPr id="79" name="Google Shape;79;p17"/>
+          <p:cNvGraphicFramePr/>
+          <p:nvPr>
+            <p:extLst>
+              <p:ext uri="{D42A27DB-BD31-4B8C-83A1-F6EECF244321}">
+                <p14:modId xmlns:p14="http://schemas.microsoft.com/office/powerpoint/2010/main" val="1772768982"/>
+              </p:ext>
+            </p:extLst>
+          </p:nvPr>
+        </p:nvGraphicFramePr>
+        <p:xfrm>
+          <a:off x="311700" y="3374134"/>
+          <a:ext cx="8520600" cy="1465454"/>
+        </p:xfrm>
+        <a:graphic>
+          <a:graphicData uri="http://schemas.openxmlformats.org/drawingml/2006/table">
+            <a:tbl>
+              <a:tblPr>
+                <a:noFill/>
+                <a:tableStyleId>{E1099E06-0E6B-448D-9D27-60429F06E6F4}</a:tableStyleId>
+              </a:tblPr>
+              <a:tblGrid>
+                <a:gridCol w="4260300">
+                  <a:extLst>
+                    <a:ext uri="{9D8B030D-6E8A-4147-A177-3AD203B41FA5}">
+                      <a16:colId xmlns:a16="http://schemas.microsoft.com/office/drawing/2014/main" val="20000"/>
+                    </a:ext>
+                  </a:extLst>
+                </a:gridCol>
+                <a:gridCol w="4260300">
+                  <a:extLst>
+                    <a:ext uri="{9D8B030D-6E8A-4147-A177-3AD203B41FA5}">
+                      <a16:colId xmlns:a16="http://schemas.microsoft.com/office/drawing/2014/main" val="20001"/>
+                    </a:ext>
+                  </a:extLst>
+                </a:gridCol>
+              </a:tblGrid>
+              <a:tr h="459644">
+                <a:tc>
+                  <a:txBody>
+                    <a:bodyPr/>
+                    <a:lstStyle/>
+                    <a:p>
+                      <a:pPr marL="0" lvl="0" indent="0" algn="l" rtl="0">
+                        <a:spcBef>
+                          <a:spcPts val="0"/>
+                        </a:spcBef>
+                        <a:spcAft>
+                          <a:spcPts val="0"/>
+                        </a:spcAft>
+                        <a:buNone/>
+                      </a:pPr>
+                      <a:r>
+                        <a:rPr lang="en" sz="1800" b="1" dirty="0"/>
+                        <a:t>Test Case</a:t>
+                      </a:r>
+                      <a:endParaRPr sz="1800" b="1" dirty="0"/>
+                    </a:p>
+                  </a:txBody>
+                  <a:tcPr marL="91425" marR="91425" marT="91425" marB="91425">
+                    <a:solidFill>
+                      <a:srgbClr val="CCCCCC"/>
+                    </a:solidFill>
+                  </a:tcPr>
+                </a:tc>
+                <a:tc>
+                  <a:txBody>
+                    <a:bodyPr/>
+                    <a:lstStyle/>
+                    <a:p>
+                      <a:pPr marL="0" lvl="0" indent="0" algn="l" rtl="0">
+                        <a:spcBef>
+                          <a:spcPts val="0"/>
+                        </a:spcBef>
+                        <a:spcAft>
+                          <a:spcPts val="0"/>
+                        </a:spcAft>
+                        <a:buNone/>
+                      </a:pPr>
+                      <a:r>
+                        <a:rPr lang="en" sz="1800" b="1"/>
+                        <a:t>Expected Values</a:t>
+                      </a:r>
+                      <a:endParaRPr sz="1800" b="1"/>
+                    </a:p>
+                  </a:txBody>
+                  <a:tcPr marL="91425" marR="91425" marT="91425" marB="91425">
+                    <a:solidFill>
+                      <a:srgbClr val="CCCCCC"/>
+                    </a:solidFill>
+                  </a:tcPr>
+                </a:tc>
+                <a:extLst>
+                  <a:ext uri="{0D108BD9-81ED-4DB2-BD59-A6C34878D82A}">
+                    <a16:rowId xmlns:a16="http://schemas.microsoft.com/office/drawing/2014/main" val="10000"/>
+                  </a:ext>
+                </a:extLst>
+              </a:tr>
+              <a:tr h="599650">
+                <a:tc>
+                  <a:txBody>
+                    <a:bodyPr/>
+                    <a:lstStyle/>
+                    <a:p>
+                      <a:pPr marL="0" lvl="0" indent="0" algn="l" rtl="0">
+                        <a:spcBef>
+                          <a:spcPts val="0"/>
+                        </a:spcBef>
+                        <a:spcAft>
+                          <a:spcPts val="0"/>
+                        </a:spcAft>
+                        <a:buNone/>
+                      </a:pPr>
+                      <a:r>
+                        <a:rPr lang="en-US" sz="1800" dirty="0"/>
+                        <a:t>Run Program</a:t>
+                      </a:r>
+                      <a:endParaRPr sz="1800" dirty="0"/>
+                    </a:p>
+                  </a:txBody>
+                  <a:tcPr marL="91425" marR="91425" marT="91425" marB="91425"/>
+                </a:tc>
+                <a:tc>
+                  <a:txBody>
+                    <a:bodyPr/>
+                    <a:lstStyle/>
+                    <a:p>
+                      <a:pPr marL="0" lvl="0" indent="0" algn="l" rtl="0">
+                        <a:spcBef>
+                          <a:spcPts val="0"/>
+                        </a:spcBef>
+                        <a:spcAft>
+                          <a:spcPts val="0"/>
+                        </a:spcAft>
+                        <a:buNone/>
+                      </a:pPr>
+                      <a:r>
+                        <a:rPr lang="en-US" sz="1800" dirty="0"/>
+                        <a:t>Enter p program prints pickup</a:t>
+                      </a:r>
+                    </a:p>
+                    <a:p>
+                      <a:pPr marL="0" lvl="0" indent="0" algn="l" rtl="0">
+                        <a:spcBef>
+                          <a:spcPts val="0"/>
+                        </a:spcBef>
+                        <a:spcAft>
+                          <a:spcPts val="0"/>
+                        </a:spcAft>
+                        <a:buNone/>
+                      </a:pPr>
+                      <a:r>
+                        <a:rPr lang="en-US" sz="1800" dirty="0"/>
+                        <a:t>Enter d program prints delivery</a:t>
+                      </a:r>
+                    </a:p>
+                    <a:p>
+                      <a:pPr marL="0" lvl="0" indent="0" algn="l" rtl="0">
+                        <a:spcBef>
+                          <a:spcPts val="0"/>
+                        </a:spcBef>
+                        <a:spcAft>
+                          <a:spcPts val="0"/>
+                        </a:spcAft>
+                        <a:buNone/>
+                      </a:pPr>
+                      <a:r>
+                        <a:rPr lang="en-US" sz="1800" dirty="0"/>
+                        <a:t>Enter invalid prints error message</a:t>
+                      </a:r>
+                      <a:endParaRPr sz="1800" dirty="0"/>
+                    </a:p>
+                  </a:txBody>
+                  <a:tcPr marL="91425" marR="91425" marT="91425" marB="91425"/>
+                </a:tc>
+                <a:extLst>
+                  <a:ext uri="{0D108BD9-81ED-4DB2-BD59-A6C34878D82A}">
+                    <a16:rowId xmlns:a16="http://schemas.microsoft.com/office/drawing/2014/main" val="10001"/>
+                  </a:ext>
+                </a:extLst>
+              </a:tr>
+            </a:tbl>
+          </a:graphicData>
+        </a:graphic>
+      </p:graphicFrame>
       <p:pic>
         <p:nvPicPr>
-          <p:cNvPr id="3" name="Picture 2">
+          <p:cNvPr id="4" name="Picture 3">
             <a:extLst>
               <a:ext uri="{FF2B5EF4-FFF2-40B4-BE49-F238E27FC236}">
-                <a16:creationId xmlns:a16="http://schemas.microsoft.com/office/drawing/2014/main" id="{819435B8-C1E8-4E01-8C1C-133452C2CFF2}"/>
+                <a16:creationId xmlns:a16="http://schemas.microsoft.com/office/drawing/2014/main" id="{57669CBD-C2BA-41B7-AC08-8F5838FE0694}"/>
               </a:ext>
             </a:extLst>
           </p:cNvPr>
@@ -9143,8 +11091,8 @@
         </p:blipFill>
         <p:spPr>
           <a:xfrm>
-            <a:off x="228377" y="1457267"/>
-            <a:ext cx="8687246" cy="2228965"/>
+            <a:off x="2502372" y="1017725"/>
+            <a:ext cx="3451387" cy="2350347"/>
           </a:xfrm>
           <a:prstGeom prst="rect">
             <a:avLst/>
@@ -9154,7 +11102,7 @@
     </p:spTree>
     <p:extLst>
       <p:ext uri="{BB962C8B-B14F-4D97-AF65-F5344CB8AC3E}">
-        <p14:creationId xmlns:p14="http://schemas.microsoft.com/office/powerpoint/2010/main" val="842877212"/>
+        <p14:creationId xmlns:p14="http://schemas.microsoft.com/office/powerpoint/2010/main" val="2835348942"/>
       </p:ext>
     </p:extLst>
   </p:cSld>
@@ -9727,18 +11675,18 @@
 </file>
 
 <file path=customXml/item1.xml><?xml version="1.0" encoding="utf-8"?>
-<p:properties xmlns:p="http://schemas.microsoft.com/office/2006/metadata/properties" xmlns:xsi="http://www.w3.org/2001/XMLSchema-instance" xmlns:pc="http://schemas.microsoft.com/office/infopath/2007/PartnerControls">
-  <documentManagement/>
-</p:properties>
-</file>
-
-<file path=customXml/item2.xml><?xml version="1.0" encoding="utf-8"?>
 <?mso-contentType ?>
 <FormTemplates xmlns="http://schemas.microsoft.com/sharepoint/v3/contenttype/forms">
   <Display>DocumentLibraryForm</Display>
   <Edit>DocumentLibraryForm</Edit>
   <New>DocumentLibraryForm</New>
 </FormTemplates>
+</file>
+
+<file path=customXml/item2.xml><?xml version="1.0" encoding="utf-8"?>
+<p:properties xmlns:p="http://schemas.microsoft.com/office/2006/metadata/properties" xmlns:xsi="http://www.w3.org/2001/XMLSchema-instance" xmlns:pc="http://schemas.microsoft.com/office/infopath/2007/PartnerControls">
+  <documentManagement/>
+</p:properties>
 </file>
 
 <file path=customXml/item3.xml><?xml version="1.0" encoding="utf-8"?>
@@ -9927,6 +11875,14 @@
 </file>
 
 <file path=customXml/itemProps1.xml><?xml version="1.0" encoding="utf-8"?>
+<ds:datastoreItem xmlns:ds="http://schemas.openxmlformats.org/officeDocument/2006/customXml" ds:itemID="{DDD369E5-45BD-4F6E-934F-A24716F69B59}">
+  <ds:schemaRefs>
+    <ds:schemaRef ds:uri="http://schemas.microsoft.com/sharepoint/v3/contenttype/forms"/>
+  </ds:schemaRefs>
+</ds:datastoreItem>
+</file>
+
+<file path=customXml/itemProps2.xml><?xml version="1.0" encoding="utf-8"?>
 <ds:datastoreItem xmlns:ds="http://schemas.openxmlformats.org/officeDocument/2006/customXml" ds:itemID="{E89CEDA1-6C0E-4489-8574-46B725E977F6}">
   <ds:schemaRefs>
     <ds:schemaRef ds:uri="http://schemas.microsoft.com/office/2006/documentManagement/types"/>
@@ -9939,14 +11895,6 @@
     <ds:schemaRef ds:uri="http://schemas.openxmlformats.org/package/2006/metadata/core-properties"/>
     <ds:schemaRef ds:uri="42d4439d-bb2d-40df-8d30-57a312ac786f"/>
     <ds:schemaRef ds:uri="http://www.w3.org/XML/1998/namespace"/>
-  </ds:schemaRefs>
-</ds:datastoreItem>
-</file>
-
-<file path=customXml/itemProps2.xml><?xml version="1.0" encoding="utf-8"?>
-<ds:datastoreItem xmlns:ds="http://schemas.openxmlformats.org/officeDocument/2006/customXml" ds:itemID="{DDD369E5-45BD-4F6E-934F-A24716F69B59}">
-  <ds:schemaRefs>
-    <ds:schemaRef ds:uri="http://schemas.microsoft.com/sharepoint/v3/contenttype/forms"/>
   </ds:schemaRefs>
 </ds:datastoreItem>
 </file>
